--- a/演示ppt.pptx
+++ b/演示ppt.pptx
@@ -5,26 +5,20 @@
     <p:sldMasterId id="2147483648" r:id="rId1"/>
   </p:sldMasterIdLst>
   <p:notesMasterIdLst>
-    <p:notesMasterId r:id="rId19"/>
+    <p:notesMasterId r:id="rId13"/>
   </p:notesMasterIdLst>
   <p:sldIdLst>
     <p:sldId id="283" r:id="rId2"/>
     <p:sldId id="305" r:id="rId3"/>
-    <p:sldId id="265" r:id="rId4"/>
-    <p:sldId id="266" r:id="rId5"/>
-    <p:sldId id="267" r:id="rId6"/>
-    <p:sldId id="268" r:id="rId7"/>
-    <p:sldId id="271" r:id="rId8"/>
-    <p:sldId id="270" r:id="rId9"/>
-    <p:sldId id="272" r:id="rId10"/>
-    <p:sldId id="273" r:id="rId11"/>
-    <p:sldId id="276" r:id="rId12"/>
-    <p:sldId id="275" r:id="rId13"/>
-    <p:sldId id="274" r:id="rId14"/>
-    <p:sldId id="277" r:id="rId15"/>
-    <p:sldId id="258" r:id="rId16"/>
-    <p:sldId id="257" r:id="rId17"/>
-    <p:sldId id="2054" r:id="rId18"/>
+    <p:sldId id="266" r:id="rId4"/>
+    <p:sldId id="267" r:id="rId5"/>
+    <p:sldId id="268" r:id="rId6"/>
+    <p:sldId id="258" r:id="rId7"/>
+    <p:sldId id="2055" r:id="rId8"/>
+    <p:sldId id="2056" r:id="rId9"/>
+    <p:sldId id="2057" r:id="rId10"/>
+    <p:sldId id="269" r:id="rId11"/>
+    <p:sldId id="2054" r:id="rId12"/>
   </p:sldIdLst>
   <p:sldSz cx="12192000" cy="6858000"/>
   <p:notesSz cx="6858000" cy="9144000"/>
@@ -213,7 +207,7 @@
           <a:p>
             <a:fld id="{081AD6DA-2C68-463D-AC38-2A1DCAE6FBC7}" type="datetimeFigureOut">
               <a:rPr lang="zh-CN" altLang="en-US" smtClean="0"/>
-              <a:t>2021/4/26</a:t>
+              <a:t>2021/6/9</a:t>
             </a:fld>
             <a:endParaRPr lang="zh-CN" altLang="en-US"/>
           </a:p>
@@ -559,6 +553,90 @@
 </p:notes>
 </file>
 
+<file path=ppt/notesSlides/notesSlide2.xml><?xml version="1.0" encoding="utf-8"?>
+<p:notes xmlns:a="http://schemas.openxmlformats.org/drawingml/2006/main" xmlns:r="http://schemas.openxmlformats.org/officeDocument/2006/relationships" xmlns:p="http://schemas.openxmlformats.org/presentationml/2006/main">
+  <p:cSld>
+    <p:spTree>
+      <p:nvGrpSpPr>
+        <p:cNvPr id="1" name=""/>
+        <p:cNvGrpSpPr/>
+        <p:nvPr/>
+      </p:nvGrpSpPr>
+      <p:grpSpPr>
+        <a:xfrm>
+          <a:off x="0" y="0"/>
+          <a:ext cx="0" cy="0"/>
+          <a:chOff x="0" y="0"/>
+          <a:chExt cx="0" cy="0"/>
+        </a:xfrm>
+      </p:grpSpPr>
+      <p:sp>
+        <p:nvSpPr>
+          <p:cNvPr id="2" name="幻灯片图像占位符 1"/>
+          <p:cNvSpPr>
+            <a:spLocks noGrp="1" noRot="1" noChangeAspect="1"/>
+          </p:cNvSpPr>
+          <p:nvPr>
+            <p:ph type="sldImg"/>
+          </p:nvPr>
+        </p:nvSpPr>
+        <p:spPr/>
+      </p:sp>
+      <p:sp>
+        <p:nvSpPr>
+          <p:cNvPr id="3" name="备注占位符 2"/>
+          <p:cNvSpPr>
+            <a:spLocks noGrp="1"/>
+          </p:cNvSpPr>
+          <p:nvPr>
+            <p:ph type="body" idx="1"/>
+          </p:nvPr>
+        </p:nvSpPr>
+        <p:spPr/>
+        <p:txBody>
+          <a:bodyPr/>
+          <a:lstStyle/>
+          <a:p>
+            <a:endParaRPr lang="zh-CN" altLang="en-US" dirty="0"/>
+          </a:p>
+        </p:txBody>
+      </p:sp>
+      <p:sp>
+        <p:nvSpPr>
+          <p:cNvPr id="4" name="灯片编号占位符 3"/>
+          <p:cNvSpPr>
+            <a:spLocks noGrp="1"/>
+          </p:cNvSpPr>
+          <p:nvPr>
+            <p:ph type="sldNum" sz="quarter" idx="5"/>
+          </p:nvPr>
+        </p:nvSpPr>
+        <p:spPr/>
+        <p:txBody>
+          <a:bodyPr/>
+          <a:lstStyle/>
+          <a:p>
+            <a:fld id="{4734BED3-95FE-48FC-8DAC-6BB8B986127A}" type="slidenum">
+              <a:rPr lang="zh-CN" altLang="en-US" smtClean="0"/>
+              <a:t>8</a:t>
+            </a:fld>
+            <a:endParaRPr lang="zh-CN" altLang="en-US"/>
+          </a:p>
+        </p:txBody>
+      </p:sp>
+    </p:spTree>
+    <p:extLst>
+      <p:ext uri="{BB962C8B-B14F-4D97-AF65-F5344CB8AC3E}">
+        <p14:creationId xmlns:p14="http://schemas.microsoft.com/office/powerpoint/2010/main" val="602842677"/>
+      </p:ext>
+    </p:extLst>
+  </p:cSld>
+  <p:clrMapOvr>
+    <a:masterClrMapping/>
+  </p:clrMapOvr>
+</p:notes>
+</file>
+
 <file path=ppt/slideLayouts/slideLayout1.xml><?xml version="1.0" encoding="utf-8"?>
 <p:sldLayout xmlns:a="http://schemas.openxmlformats.org/drawingml/2006/main" xmlns:r="http://schemas.openxmlformats.org/officeDocument/2006/relationships" xmlns:p="http://schemas.openxmlformats.org/presentationml/2006/main" type="title" preserve="1">
   <p:cSld name="标题幻灯片">
@@ -706,7 +784,7 @@
           <a:p>
             <a:fld id="{4729639B-941D-44B3-905C-B912918A6F25}" type="datetimeFigureOut">
               <a:rPr lang="zh-CN" altLang="en-US" smtClean="0"/>
-              <a:t>2021/4/26</a:t>
+              <a:t>2021/6/9</a:t>
             </a:fld>
             <a:endParaRPr lang="zh-CN" altLang="en-US"/>
           </a:p>
@@ -904,7 +982,7 @@
           <a:p>
             <a:fld id="{4729639B-941D-44B3-905C-B912918A6F25}" type="datetimeFigureOut">
               <a:rPr lang="zh-CN" altLang="en-US" smtClean="0"/>
-              <a:t>2021/4/26</a:t>
+              <a:t>2021/6/9</a:t>
             </a:fld>
             <a:endParaRPr lang="zh-CN" altLang="en-US"/>
           </a:p>
@@ -1112,7 +1190,7 @@
           <a:p>
             <a:fld id="{4729639B-941D-44B3-905C-B912918A6F25}" type="datetimeFigureOut">
               <a:rPr lang="zh-CN" altLang="en-US" smtClean="0"/>
-              <a:t>2021/4/26</a:t>
+              <a:t>2021/6/9</a:t>
             </a:fld>
             <a:endParaRPr lang="zh-CN" altLang="en-US"/>
           </a:p>
@@ -18164,7 +18242,7 @@
           <a:p>
             <a:fld id="{4729639B-941D-44B3-905C-B912918A6F25}" type="datetimeFigureOut">
               <a:rPr lang="zh-CN" altLang="en-US" smtClean="0"/>
-              <a:t>2021/4/26</a:t>
+              <a:t>2021/6/9</a:t>
             </a:fld>
             <a:endParaRPr lang="zh-CN" altLang="en-US"/>
           </a:p>
@@ -18439,7 +18517,7 @@
           <a:p>
             <a:fld id="{4729639B-941D-44B3-905C-B912918A6F25}" type="datetimeFigureOut">
               <a:rPr lang="zh-CN" altLang="en-US" smtClean="0"/>
-              <a:t>2021/4/26</a:t>
+              <a:t>2021/6/9</a:t>
             </a:fld>
             <a:endParaRPr lang="zh-CN" altLang="en-US"/>
           </a:p>
@@ -18704,7 +18782,7 @@
           <a:p>
             <a:fld id="{4729639B-941D-44B3-905C-B912918A6F25}" type="datetimeFigureOut">
               <a:rPr lang="zh-CN" altLang="en-US" smtClean="0"/>
-              <a:t>2021/4/26</a:t>
+              <a:t>2021/6/9</a:t>
             </a:fld>
             <a:endParaRPr lang="zh-CN" altLang="en-US"/>
           </a:p>
@@ -19116,7 +19194,7 @@
           <a:p>
             <a:fld id="{4729639B-941D-44B3-905C-B912918A6F25}" type="datetimeFigureOut">
               <a:rPr lang="zh-CN" altLang="en-US" smtClean="0"/>
-              <a:t>2021/4/26</a:t>
+              <a:t>2021/6/9</a:t>
             </a:fld>
             <a:endParaRPr lang="zh-CN" altLang="en-US"/>
           </a:p>
@@ -19257,7 +19335,7 @@
           <a:p>
             <a:fld id="{4729639B-941D-44B3-905C-B912918A6F25}" type="datetimeFigureOut">
               <a:rPr lang="zh-CN" altLang="en-US" smtClean="0"/>
-              <a:t>2021/4/26</a:t>
+              <a:t>2021/6/9</a:t>
             </a:fld>
             <a:endParaRPr lang="zh-CN" altLang="en-US"/>
           </a:p>
@@ -19370,7 +19448,7 @@
           <a:p>
             <a:fld id="{4729639B-941D-44B3-905C-B912918A6F25}" type="datetimeFigureOut">
               <a:rPr lang="zh-CN" altLang="en-US" smtClean="0"/>
-              <a:t>2021/4/26</a:t>
+              <a:t>2021/6/9</a:t>
             </a:fld>
             <a:endParaRPr lang="zh-CN" altLang="en-US"/>
           </a:p>
@@ -19681,7 +19759,7 @@
           <a:p>
             <a:fld id="{4729639B-941D-44B3-905C-B912918A6F25}" type="datetimeFigureOut">
               <a:rPr lang="zh-CN" altLang="en-US" smtClean="0"/>
-              <a:t>2021/4/26</a:t>
+              <a:t>2021/6/9</a:t>
             </a:fld>
             <a:endParaRPr lang="zh-CN" altLang="en-US"/>
           </a:p>
@@ -19969,7 +20047,7 @@
           <a:p>
             <a:fld id="{4729639B-941D-44B3-905C-B912918A6F25}" type="datetimeFigureOut">
               <a:rPr lang="zh-CN" altLang="en-US" smtClean="0"/>
-              <a:t>2021/4/26</a:t>
+              <a:t>2021/6/9</a:t>
             </a:fld>
             <a:endParaRPr lang="zh-CN" altLang="en-US"/>
           </a:p>
@@ -20210,7 +20288,7 @@
           <a:p>
             <a:fld id="{4729639B-941D-44B3-905C-B912918A6F25}" type="datetimeFigureOut">
               <a:rPr lang="zh-CN" altLang="en-US" smtClean="0"/>
-              <a:t>2021/4/26</a:t>
+              <a:t>2021/6/9</a:t>
             </a:fld>
             <a:endParaRPr lang="zh-CN" altLang="en-US"/>
           </a:p>
@@ -21718,10 +21796,334 @@
 <file path=ppt/slides/slide10.xml><?xml version="1.0" encoding="utf-8"?>
 <p:sld xmlns:a="http://schemas.openxmlformats.org/drawingml/2006/main" xmlns:r="http://schemas.openxmlformats.org/officeDocument/2006/relationships" xmlns:p="http://schemas.openxmlformats.org/presentationml/2006/main">
   <p:cSld>
+    <p:spTree>
+      <p:nvGrpSpPr>
+        <p:cNvPr id="1" name=""/>
+        <p:cNvGrpSpPr/>
+        <p:nvPr/>
+      </p:nvGrpSpPr>
+      <p:grpSpPr>
+        <a:xfrm>
+          <a:off x="0" y="0"/>
+          <a:ext cx="0" cy="0"/>
+          <a:chOff x="0" y="0"/>
+          <a:chExt cx="0" cy="0"/>
+        </a:xfrm>
+      </p:grpSpPr>
+      <p:sp>
+        <p:nvSpPr>
+          <p:cNvPr id="94210" name="Rectangle 2"/>
+          <p:cNvSpPr>
+            <a:spLocks noGrp="1" noChangeArrowheads="1"/>
+          </p:cNvSpPr>
+          <p:nvPr>
+            <p:ph type="title"/>
+          </p:nvPr>
+        </p:nvSpPr>
+        <p:spPr/>
+        <p:txBody>
+          <a:bodyPr/>
+          <a:lstStyle/>
+          <a:p>
+            <a:pPr eaLnBrk="1" hangingPunct="1"/>
+            <a:r>
+              <a:rPr lang="en-US" altLang="zh-CN" dirty="0"/>
+              <a:t>Project Task</a:t>
+            </a:r>
+            <a:r>
+              <a:rPr lang="zh-CN" altLang="en-US" dirty="0"/>
+              <a:t>：</a:t>
+            </a:r>
+            <a:r>
+              <a:rPr lang="en-US" altLang="zh-CN" dirty="0"/>
+              <a:t>Task11</a:t>
+            </a:r>
+          </a:p>
+        </p:txBody>
+      </p:sp>
+      <p:sp>
+        <p:nvSpPr>
+          <p:cNvPr id="94211" name="Rectangle 3"/>
+          <p:cNvSpPr>
+            <a:spLocks noGrp="1" noChangeArrowheads="1"/>
+          </p:cNvSpPr>
+          <p:nvPr>
+            <p:ph type="body" idx="1"/>
+          </p:nvPr>
+        </p:nvSpPr>
+        <p:spPr/>
+        <p:txBody>
+          <a:bodyPr/>
+          <a:lstStyle/>
+          <a:p>
+            <a:pPr eaLnBrk="1" hangingPunct="1"/>
+            <a:r>
+              <a:rPr lang="en-US" altLang="zh-CN" dirty="0"/>
+              <a:t>Web</a:t>
+            </a:r>
+            <a:r>
+              <a:rPr lang="zh-CN" altLang="en-US" dirty="0"/>
+              <a:t>应用性能和可用性分析与调优（</a:t>
+            </a:r>
+            <a:r>
+              <a:rPr lang="en-US" altLang="zh-CN" dirty="0"/>
+              <a:t>Web</a:t>
+            </a:r>
+            <a:r>
+              <a:rPr lang="zh-CN" altLang="en-US" dirty="0"/>
+              <a:t>性能和</a:t>
+            </a:r>
+            <a:r>
+              <a:rPr lang="en-US" altLang="zh-CN" dirty="0"/>
+              <a:t>Web</a:t>
+            </a:r>
+            <a:r>
+              <a:rPr lang="zh-CN" altLang="en-US" dirty="0"/>
+              <a:t>可用性课程）</a:t>
+            </a:r>
+            <a:endParaRPr lang="en-US" altLang="zh-CN" dirty="0"/>
+          </a:p>
+          <a:p>
+            <a:pPr lvl="1" eaLnBrk="1" hangingPunct="1"/>
+            <a:r>
+              <a:rPr lang="zh-CN" altLang="en-US" dirty="0"/>
+              <a:t>考虑性能方面的因素</a:t>
+            </a:r>
+            <a:endParaRPr lang="en-US" altLang="zh-CN" dirty="0"/>
+          </a:p>
+          <a:p>
+            <a:pPr lvl="2"/>
+            <a:r>
+              <a:rPr lang="zh-CN" altLang="en-US" dirty="0"/>
+              <a:t>可以采用</a:t>
+            </a:r>
+            <a:r>
+              <a:rPr lang="en-US" altLang="zh-CN" dirty="0" err="1"/>
+              <a:t>nginx</a:t>
+            </a:r>
+            <a:r>
+              <a:rPr lang="zh-CN" altLang="en-US" dirty="0"/>
+              <a:t>部署服务，提高并发能力和负载均衡</a:t>
+            </a:r>
+            <a:endParaRPr lang="en-US" altLang="zh-CN" dirty="0"/>
+          </a:p>
+          <a:p>
+            <a:pPr marL="457200" lvl="1" indent="0">
+              <a:buNone/>
+            </a:pPr>
+            <a:endParaRPr lang="en-US" altLang="zh-CN" dirty="0"/>
+          </a:p>
+          <a:p>
+            <a:pPr lvl="1" eaLnBrk="1" hangingPunct="1"/>
+            <a:r>
+              <a:rPr lang="zh-CN" altLang="en-US" dirty="0"/>
+              <a:t>考虑可用性方面的因素，项目中可以采取的策略</a:t>
+            </a:r>
+            <a:endParaRPr lang="en-US" altLang="zh-CN" dirty="0"/>
+          </a:p>
+          <a:p>
+            <a:pPr lvl="2"/>
+            <a:r>
+              <a:rPr lang="zh-CN" altLang="en-US" dirty="0"/>
+              <a:t>更新</a:t>
+            </a:r>
+            <a:r>
+              <a:rPr lang="en-US" altLang="zh-CN" dirty="0" err="1"/>
+              <a:t>ui</a:t>
+            </a:r>
+            <a:r>
+              <a:rPr lang="zh-CN" altLang="en-US" dirty="0"/>
+              <a:t>设计</a:t>
+            </a:r>
+            <a:endParaRPr lang="en-US" altLang="zh-CN" dirty="0"/>
+          </a:p>
+        </p:txBody>
+      </p:sp>
+      <p:sp>
+        <p:nvSpPr>
+          <p:cNvPr id="94212" name="灯片编号占位符 5"/>
+          <p:cNvSpPr>
+            <a:spLocks noGrp="1"/>
+          </p:cNvSpPr>
+          <p:nvPr>
+            <p:ph type="sldNum" sz="quarter" idx="12"/>
+          </p:nvPr>
+        </p:nvSpPr>
+        <p:spPr>
+          <a:noFill/>
+          <a:ln/>
+          <a:extLst>
+            <a:ext uri="{909E8E84-426E-40DD-AFC4-6F175D3DCCD1}">
+              <a14:hiddenFill xmlns:a14="http://schemas.microsoft.com/office/drawing/2010/main">
+                <a:solidFill>
+                  <a:srgbClr val="FFFFFF"/>
+                </a:solidFill>
+              </a14:hiddenFill>
+            </a:ext>
+            <a:ext uri="{91240B29-F687-4F45-9708-019B960494DF}">
+              <a14:hiddenLine xmlns:a14="http://schemas.microsoft.com/office/drawing/2010/main" w="9525">
+                <a:solidFill>
+                  <a:srgbClr val="000000"/>
+                </a:solidFill>
+                <a:miter lim="800000"/>
+                <a:headEnd/>
+                <a:tailEnd/>
+              </a14:hiddenLine>
+            </a:ext>
+          </a:extLst>
+        </p:spPr>
+        <p:txBody>
+          <a:bodyPr/>
+          <a:lstStyle>
+            <a:lvl1pPr eaLnBrk="0" hangingPunct="0">
+              <a:defRPr sz="1600">
+                <a:solidFill>
+                  <a:srgbClr val="003366"/>
+                </a:solidFill>
+                <a:latin typeface="Comic Sans MS" pitchFamily="66" charset="0"/>
+                <a:ea typeface="隶书" pitchFamily="49" charset="-122"/>
+              </a:defRPr>
+            </a:lvl1pPr>
+            <a:lvl2pPr marL="742950" indent="-285750" eaLnBrk="0" hangingPunct="0">
+              <a:defRPr sz="1600">
+                <a:solidFill>
+                  <a:srgbClr val="003366"/>
+                </a:solidFill>
+                <a:latin typeface="Comic Sans MS" pitchFamily="66" charset="0"/>
+                <a:ea typeface="隶书" pitchFamily="49" charset="-122"/>
+              </a:defRPr>
+            </a:lvl2pPr>
+            <a:lvl3pPr marL="1143000" indent="-228600" eaLnBrk="0" hangingPunct="0">
+              <a:defRPr sz="1600">
+                <a:solidFill>
+                  <a:srgbClr val="003366"/>
+                </a:solidFill>
+                <a:latin typeface="Comic Sans MS" pitchFamily="66" charset="0"/>
+                <a:ea typeface="隶书" pitchFamily="49" charset="-122"/>
+              </a:defRPr>
+            </a:lvl3pPr>
+            <a:lvl4pPr marL="1600200" indent="-228600" eaLnBrk="0" hangingPunct="0">
+              <a:defRPr sz="1600">
+                <a:solidFill>
+                  <a:srgbClr val="003366"/>
+                </a:solidFill>
+                <a:latin typeface="Comic Sans MS" pitchFamily="66" charset="0"/>
+                <a:ea typeface="隶书" pitchFamily="49" charset="-122"/>
+              </a:defRPr>
+            </a:lvl4pPr>
+            <a:lvl5pPr marL="2057400" indent="-228600" eaLnBrk="0" hangingPunct="0">
+              <a:defRPr sz="1600">
+                <a:solidFill>
+                  <a:srgbClr val="003366"/>
+                </a:solidFill>
+                <a:latin typeface="Comic Sans MS" pitchFamily="66" charset="0"/>
+                <a:ea typeface="隶书" pitchFamily="49" charset="-122"/>
+              </a:defRPr>
+            </a:lvl5pPr>
+            <a:lvl6pPr marL="2514600" indent="-228600" eaLnBrk="0" fontAlgn="base" hangingPunct="0">
+              <a:spcBef>
+                <a:spcPct val="0"/>
+              </a:spcBef>
+              <a:spcAft>
+                <a:spcPct val="0"/>
+              </a:spcAft>
+              <a:defRPr sz="1600">
+                <a:solidFill>
+                  <a:srgbClr val="003366"/>
+                </a:solidFill>
+                <a:latin typeface="Comic Sans MS" pitchFamily="66" charset="0"/>
+                <a:ea typeface="隶书" pitchFamily="49" charset="-122"/>
+              </a:defRPr>
+            </a:lvl6pPr>
+            <a:lvl7pPr marL="2971800" indent="-228600" eaLnBrk="0" fontAlgn="base" hangingPunct="0">
+              <a:spcBef>
+                <a:spcPct val="0"/>
+              </a:spcBef>
+              <a:spcAft>
+                <a:spcPct val="0"/>
+              </a:spcAft>
+              <a:defRPr sz="1600">
+                <a:solidFill>
+                  <a:srgbClr val="003366"/>
+                </a:solidFill>
+                <a:latin typeface="Comic Sans MS" pitchFamily="66" charset="0"/>
+                <a:ea typeface="隶书" pitchFamily="49" charset="-122"/>
+              </a:defRPr>
+            </a:lvl7pPr>
+            <a:lvl8pPr marL="3429000" indent="-228600" eaLnBrk="0" fontAlgn="base" hangingPunct="0">
+              <a:spcBef>
+                <a:spcPct val="0"/>
+              </a:spcBef>
+              <a:spcAft>
+                <a:spcPct val="0"/>
+              </a:spcAft>
+              <a:defRPr sz="1600">
+                <a:solidFill>
+                  <a:srgbClr val="003366"/>
+                </a:solidFill>
+                <a:latin typeface="Comic Sans MS" pitchFamily="66" charset="0"/>
+                <a:ea typeface="隶书" pitchFamily="49" charset="-122"/>
+              </a:defRPr>
+            </a:lvl8pPr>
+            <a:lvl9pPr marL="3886200" indent="-228600" eaLnBrk="0" fontAlgn="base" hangingPunct="0">
+              <a:spcBef>
+                <a:spcPct val="0"/>
+              </a:spcBef>
+              <a:spcAft>
+                <a:spcPct val="0"/>
+              </a:spcAft>
+              <a:defRPr sz="1600">
+                <a:solidFill>
+                  <a:srgbClr val="003366"/>
+                </a:solidFill>
+                <a:latin typeface="Comic Sans MS" pitchFamily="66" charset="0"/>
+                <a:ea typeface="隶书" pitchFamily="49" charset="-122"/>
+              </a:defRPr>
+            </a:lvl9pPr>
+          </a:lstStyle>
+          <a:p>
+            <a:pPr eaLnBrk="1" hangingPunct="1"/>
+            <a:fld id="{06E5CE66-9081-40F7-A80E-3EF755FCC3FA}" type="slidenum">
+              <a:rPr lang="en-US" altLang="zh-CN" sz="1400">
+                <a:solidFill>
+                  <a:schemeClr val="tx1"/>
+                </a:solidFill>
+                <a:latin typeface="Century Gothic" pitchFamily="34" charset="0"/>
+                <a:ea typeface="幼圆" pitchFamily="49" charset="-122"/>
+              </a:rPr>
+              <a:pPr eaLnBrk="1" hangingPunct="1"/>
+              <a:t>10</a:t>
+            </a:fld>
+            <a:endParaRPr lang="en-US" altLang="zh-CN" sz="1400">
+              <a:solidFill>
+                <a:schemeClr val="tx1"/>
+              </a:solidFill>
+              <a:latin typeface="Century Gothic" pitchFamily="34" charset="0"/>
+              <a:ea typeface="幼圆" pitchFamily="49" charset="-122"/>
+            </a:endParaRPr>
+          </a:p>
+        </p:txBody>
+      </p:sp>
+    </p:spTree>
+    <p:extLst>
+      <p:ext uri="{BB962C8B-B14F-4D97-AF65-F5344CB8AC3E}">
+        <p14:creationId xmlns:p14="http://schemas.microsoft.com/office/powerpoint/2010/main" val="787552095"/>
+      </p:ext>
+    </p:extLst>
+  </p:cSld>
+  <p:clrMapOvr>
+    <a:masterClrMapping/>
+  </p:clrMapOvr>
+</p:sld>
+</file>
+
+<file path=ppt/slides/slide11.xml><?xml version="1.0" encoding="utf-8"?>
+<p:sld xmlns:a="http://schemas.openxmlformats.org/drawingml/2006/main" xmlns:r="http://schemas.openxmlformats.org/officeDocument/2006/relationships" xmlns:p="http://schemas.openxmlformats.org/presentationml/2006/main">
+  <p:cSld>
     <p:bg>
       <p:bgPr>
         <a:solidFill>
-          <a:schemeClr val="bg1"/>
+          <a:srgbClr val="203E5F"/>
         </a:solidFill>
         <a:effectLst/>
       </p:bgPr>
@@ -21740,77 +22142,30 @@
           <a:chExt cx="0" cy="0"/>
         </a:xfrm>
       </p:grpSpPr>
-      <p:pic>
-        <p:nvPicPr>
-          <p:cNvPr id="3" name="图片 2" descr="图形用户界面&#10;&#10;中度可信度描述已自动生成">
-            <a:extLst>
-              <a:ext uri="{FF2B5EF4-FFF2-40B4-BE49-F238E27FC236}">
-                <a16:creationId xmlns:a16="http://schemas.microsoft.com/office/drawing/2014/main" id="{DE08D97F-9A40-4011-91BC-EF7528C503C3}"/>
-              </a:ext>
-            </a:extLst>
-          </p:cNvPr>
-          <p:cNvPicPr>
-            <a:picLocks noChangeAspect="1"/>
-          </p:cNvPicPr>
-          <p:nvPr/>
-        </p:nvPicPr>
-        <p:blipFill>
-          <a:blip r:embed="rId2"/>
-          <a:stretch>
-            <a:fillRect/>
-          </a:stretch>
-        </p:blipFill>
-        <p:spPr>
-          <a:xfrm>
-            <a:off x="547214" y="1154485"/>
-            <a:ext cx="10905066" cy="4007610"/>
-          </a:xfrm>
-          <a:prstGeom prst="rect">
-            <a:avLst/>
-          </a:prstGeom>
-        </p:spPr>
-      </p:pic>
       <p:sp>
         <p:nvSpPr>
-          <p:cNvPr id="7" name="文本框 6">
-            <a:extLst>
-              <a:ext uri="{FF2B5EF4-FFF2-40B4-BE49-F238E27FC236}">
-                <a16:creationId xmlns:a16="http://schemas.microsoft.com/office/drawing/2014/main" id="{2AC63448-2E54-4324-B2DA-2B4DF8E12DB1}"/>
-              </a:ext>
-            </a:extLst>
-          </p:cNvPr>
-          <p:cNvSpPr txBox="1"/>
-          <p:nvPr/>
+          <p:cNvPr id="2" name="文本占位符 1"/>
+          <p:cNvSpPr>
+            <a:spLocks noGrp="1"/>
+          </p:cNvSpPr>
+          <p:nvPr>
+            <p:ph type="body" sz="quarter" idx="10"/>
+          </p:nvPr>
         </p:nvSpPr>
-        <p:spPr>
-          <a:xfrm>
-            <a:off x="2235868" y="232116"/>
-            <a:ext cx="6096000" cy="646331"/>
-          </a:xfrm>
-          <a:prstGeom prst="rect">
-            <a:avLst/>
-          </a:prstGeom>
-          <a:noFill/>
-        </p:spPr>
+        <p:spPr/>
         <p:txBody>
-          <a:bodyPr wrap="square">
-            <a:spAutoFit/>
-          </a:bodyPr>
+          <a:bodyPr/>
           <a:lstStyle/>
           <a:p>
             <a:r>
-              <a:rPr lang="zh-CN" altLang="en-US" sz="3600" dirty="0"/>
-              <a:t>管理员适应性建模</a:t>
+              <a:rPr lang="en-US" altLang="zh-CN" dirty="0"/>
+              <a:t>THANK YOU</a:t>
             </a:r>
+            <a:endParaRPr lang="zh-CN" altLang="en-US" dirty="0"/>
           </a:p>
         </p:txBody>
       </p:sp>
     </p:spTree>
-    <p:extLst>
-      <p:ext uri="{BB962C8B-B14F-4D97-AF65-F5344CB8AC3E}">
-        <p14:creationId xmlns:p14="http://schemas.microsoft.com/office/powerpoint/2010/main" val="2184450869"/>
-      </p:ext>
-    </p:extLst>
   </p:cSld>
   <p:clrMapOvr>
     <a:masterClrMapping/>
@@ -21818,9 +22173,17 @@
 </p:sld>
 </file>
 
-<file path=ppt/slides/slide11.xml><?xml version="1.0" encoding="utf-8"?>
+<file path=ppt/slides/slide2.xml><?xml version="1.0" encoding="utf-8"?>
 <p:sld xmlns:a="http://schemas.openxmlformats.org/drawingml/2006/main" xmlns:r="http://schemas.openxmlformats.org/officeDocument/2006/relationships" xmlns:p="http://schemas.openxmlformats.org/presentationml/2006/main">
   <p:cSld>
+    <p:bg>
+      <p:bgPr>
+        <a:solidFill>
+          <a:srgbClr val="FFFFFF"/>
+        </a:solidFill>
+        <a:effectLst/>
+      </p:bgPr>
+    </p:bg>
     <p:spTree>
       <p:nvGrpSpPr>
         <p:cNvPr id="1" name=""/>
@@ -21835,42 +22198,335 @@
           <a:chExt cx="0" cy="0"/>
         </a:xfrm>
       </p:grpSpPr>
-      <p:pic>
-        <p:nvPicPr>
-          <p:cNvPr id="3" name="图片 2">
+      <p:grpSp>
+        <p:nvGrpSpPr>
+          <p:cNvPr id="25" name="组合 24"/>
+          <p:cNvGrpSpPr/>
+          <p:nvPr/>
+        </p:nvGrpSpPr>
+        <p:grpSpPr>
+          <a:xfrm>
+            <a:off x="8603386" y="600"/>
+            <a:ext cx="3588615" cy="6858001"/>
+            <a:chOff x="8603385" y="-1"/>
+            <a:chExt cx="3588615" cy="6858001"/>
+          </a:xfrm>
+        </p:grpSpPr>
+        <p:sp>
+          <p:nvSpPr>
+            <p:cNvPr id="20" name="矩形 4"/>
+            <p:cNvSpPr/>
+            <p:nvPr/>
+          </p:nvSpPr>
+          <p:spPr>
+            <a:xfrm>
+              <a:off x="8603385" y="0"/>
+              <a:ext cx="3372464" cy="6858000"/>
+            </a:xfrm>
+            <a:custGeom>
+              <a:avLst/>
+              <a:gdLst>
+                <a:gd name="connsiteX0" fmla="*/ 0 w 5962650"/>
+                <a:gd name="connsiteY0" fmla="*/ 0 h 6858000"/>
+                <a:gd name="connsiteX1" fmla="*/ 5962650 w 5962650"/>
+                <a:gd name="connsiteY1" fmla="*/ 0 h 6858000"/>
+                <a:gd name="connsiteX2" fmla="*/ 5962650 w 5962650"/>
+                <a:gd name="connsiteY2" fmla="*/ 6858000 h 6858000"/>
+                <a:gd name="connsiteX3" fmla="*/ 0 w 5962650"/>
+                <a:gd name="connsiteY3" fmla="*/ 6858000 h 6858000"/>
+                <a:gd name="connsiteX4" fmla="*/ 0 w 5962650"/>
+                <a:gd name="connsiteY4" fmla="*/ 0 h 6858000"/>
+                <a:gd name="connsiteX0-1" fmla="*/ 0 w 5962650"/>
+                <a:gd name="connsiteY0-2" fmla="*/ 0 h 6858000"/>
+                <a:gd name="connsiteX1-3" fmla="*/ 5962650 w 5962650"/>
+                <a:gd name="connsiteY1-4" fmla="*/ 0 h 6858000"/>
+                <a:gd name="connsiteX2-5" fmla="*/ 5962650 w 5962650"/>
+                <a:gd name="connsiteY2-6" fmla="*/ 6858000 h 6858000"/>
+                <a:gd name="connsiteX3-7" fmla="*/ 0 w 5962650"/>
+                <a:gd name="connsiteY3-8" fmla="*/ 6858000 h 6858000"/>
+                <a:gd name="connsiteX4-9" fmla="*/ 0 w 5962650"/>
+                <a:gd name="connsiteY4-10" fmla="*/ 0 h 6858000"/>
+                <a:gd name="connsiteX0-11" fmla="*/ 557987 w 6520637"/>
+                <a:gd name="connsiteY0-12" fmla="*/ 0 h 6858000"/>
+                <a:gd name="connsiteX1-13" fmla="*/ 6520637 w 6520637"/>
+                <a:gd name="connsiteY1-14" fmla="*/ 0 h 6858000"/>
+                <a:gd name="connsiteX2-15" fmla="*/ 6520637 w 6520637"/>
+                <a:gd name="connsiteY2-16" fmla="*/ 6858000 h 6858000"/>
+                <a:gd name="connsiteX3-17" fmla="*/ 557987 w 6520637"/>
+                <a:gd name="connsiteY3-18" fmla="*/ 6858000 h 6858000"/>
+                <a:gd name="connsiteX4-19" fmla="*/ 557987 w 6520637"/>
+                <a:gd name="connsiteY4-20" fmla="*/ 0 h 6858000"/>
+                <a:gd name="connsiteX0-21" fmla="*/ 535657 w 6498307"/>
+                <a:gd name="connsiteY0-22" fmla="*/ 0 h 6858000"/>
+                <a:gd name="connsiteX1-23" fmla="*/ 6498307 w 6498307"/>
+                <a:gd name="connsiteY1-24" fmla="*/ 0 h 6858000"/>
+                <a:gd name="connsiteX2-25" fmla="*/ 6498307 w 6498307"/>
+                <a:gd name="connsiteY2-26" fmla="*/ 6858000 h 6858000"/>
+                <a:gd name="connsiteX3-27" fmla="*/ 535657 w 6498307"/>
+                <a:gd name="connsiteY3-28" fmla="*/ 6858000 h 6858000"/>
+                <a:gd name="connsiteX4-29" fmla="*/ 535657 w 6498307"/>
+                <a:gd name="connsiteY4-30" fmla="*/ 0 h 6858000"/>
+                <a:gd name="connsiteX0-31" fmla="*/ 535657 w 6498307"/>
+                <a:gd name="connsiteY0-32" fmla="*/ 0 h 6858000"/>
+                <a:gd name="connsiteX1-33" fmla="*/ 6498307 w 6498307"/>
+                <a:gd name="connsiteY1-34" fmla="*/ 0 h 6858000"/>
+                <a:gd name="connsiteX2-35" fmla="*/ 6498307 w 6498307"/>
+                <a:gd name="connsiteY2-36" fmla="*/ 6858000 h 6858000"/>
+                <a:gd name="connsiteX3-37" fmla="*/ 535657 w 6498307"/>
+                <a:gd name="connsiteY3-38" fmla="*/ 6858000 h 6858000"/>
+                <a:gd name="connsiteX4-39" fmla="*/ 535657 w 6498307"/>
+                <a:gd name="connsiteY4-40" fmla="*/ 0 h 6858000"/>
+                <a:gd name="connsiteX0-41" fmla="*/ 535657 w 6498307"/>
+                <a:gd name="connsiteY0-42" fmla="*/ 0 h 6858000"/>
+                <a:gd name="connsiteX1-43" fmla="*/ 6498307 w 6498307"/>
+                <a:gd name="connsiteY1-44" fmla="*/ 0 h 6858000"/>
+                <a:gd name="connsiteX2-45" fmla="*/ 6498307 w 6498307"/>
+                <a:gd name="connsiteY2-46" fmla="*/ 6858000 h 6858000"/>
+                <a:gd name="connsiteX3-47" fmla="*/ 535657 w 6498307"/>
+                <a:gd name="connsiteY3-48" fmla="*/ 6858000 h 6858000"/>
+                <a:gd name="connsiteX4-49" fmla="*/ 535657 w 6498307"/>
+                <a:gd name="connsiteY4-50" fmla="*/ 0 h 6858000"/>
+              </a:gdLst>
+              <a:ahLst/>
+              <a:cxnLst>
+                <a:cxn ang="0">
+                  <a:pos x="connsiteX0-1" y="connsiteY0-2"/>
+                </a:cxn>
+                <a:cxn ang="0">
+                  <a:pos x="connsiteX1-3" y="connsiteY1-4"/>
+                </a:cxn>
+                <a:cxn ang="0">
+                  <a:pos x="connsiteX2-5" y="connsiteY2-6"/>
+                </a:cxn>
+                <a:cxn ang="0">
+                  <a:pos x="connsiteX3-7" y="connsiteY3-8"/>
+                </a:cxn>
+                <a:cxn ang="0">
+                  <a:pos x="connsiteX4-9" y="connsiteY4-10"/>
+                </a:cxn>
+              </a:cxnLst>
+              <a:rect l="l" t="t" r="r" b="b"/>
+              <a:pathLst>
+                <a:path w="6498307" h="6858000">
+                  <a:moveTo>
+                    <a:pt x="535657" y="0"/>
+                  </a:moveTo>
+                  <a:lnTo>
+                    <a:pt x="6498307" y="0"/>
+                  </a:lnTo>
+                  <a:lnTo>
+                    <a:pt x="6498307" y="6858000"/>
+                  </a:lnTo>
+                  <a:lnTo>
+                    <a:pt x="535657" y="6858000"/>
+                  </a:lnTo>
+                  <a:cubicBezTo>
+                    <a:pt x="-1255043" y="3333750"/>
+                    <a:pt x="2154907" y="3219450"/>
+                    <a:pt x="535657" y="0"/>
+                  </a:cubicBezTo>
+                  <a:close/>
+                </a:path>
+              </a:pathLst>
+            </a:custGeom>
+            <a:solidFill>
+              <a:schemeClr val="accent5">
+                <a:lumMod val="50000"/>
+              </a:schemeClr>
+            </a:solidFill>
+            <a:ln>
+              <a:noFill/>
+            </a:ln>
+          </p:spPr>
+          <p:style>
+            <a:lnRef idx="2">
+              <a:schemeClr val="accent1">
+                <a:shade val="50000"/>
+              </a:schemeClr>
+            </a:lnRef>
+            <a:fillRef idx="1">
+              <a:schemeClr val="accent1"/>
+            </a:fillRef>
+            <a:effectRef idx="0">
+              <a:schemeClr val="accent1"/>
+            </a:effectRef>
+            <a:fontRef idx="minor">
+              <a:schemeClr val="lt1"/>
+            </a:fontRef>
+          </p:style>
+          <p:txBody>
+            <a:bodyPr rtlCol="0" anchor="ctr"/>
+            <a:lstStyle/>
+            <a:p>
+              <a:pPr algn="ctr"/>
+              <a:endParaRPr lang="zh-CN" altLang="en-US">
+                <a:latin typeface="Snell Roundhand" panose="02000603080000090004" charset="0"/>
+                <a:ea typeface="Snell Roundhand" panose="02000603080000090004" charset="0"/>
+              </a:endParaRPr>
+            </a:p>
+          </p:txBody>
+        </p:sp>
+        <p:sp>
+          <p:nvSpPr>
+            <p:cNvPr id="5" name="矩形 4"/>
+            <p:cNvSpPr/>
+            <p:nvPr/>
+          </p:nvSpPr>
+          <p:spPr>
+            <a:xfrm>
+              <a:off x="8819536" y="-1"/>
+              <a:ext cx="3372464" cy="6858000"/>
+            </a:xfrm>
+            <a:custGeom>
+              <a:avLst/>
+              <a:gdLst>
+                <a:gd name="connsiteX0" fmla="*/ 0 w 5962650"/>
+                <a:gd name="connsiteY0" fmla="*/ 0 h 6858000"/>
+                <a:gd name="connsiteX1" fmla="*/ 5962650 w 5962650"/>
+                <a:gd name="connsiteY1" fmla="*/ 0 h 6858000"/>
+                <a:gd name="connsiteX2" fmla="*/ 5962650 w 5962650"/>
+                <a:gd name="connsiteY2" fmla="*/ 6858000 h 6858000"/>
+                <a:gd name="connsiteX3" fmla="*/ 0 w 5962650"/>
+                <a:gd name="connsiteY3" fmla="*/ 6858000 h 6858000"/>
+                <a:gd name="connsiteX4" fmla="*/ 0 w 5962650"/>
+                <a:gd name="connsiteY4" fmla="*/ 0 h 6858000"/>
+                <a:gd name="connsiteX0-1" fmla="*/ 0 w 5962650"/>
+                <a:gd name="connsiteY0-2" fmla="*/ 0 h 6858000"/>
+                <a:gd name="connsiteX1-3" fmla="*/ 5962650 w 5962650"/>
+                <a:gd name="connsiteY1-4" fmla="*/ 0 h 6858000"/>
+                <a:gd name="connsiteX2-5" fmla="*/ 5962650 w 5962650"/>
+                <a:gd name="connsiteY2-6" fmla="*/ 6858000 h 6858000"/>
+                <a:gd name="connsiteX3-7" fmla="*/ 0 w 5962650"/>
+                <a:gd name="connsiteY3-8" fmla="*/ 6858000 h 6858000"/>
+                <a:gd name="connsiteX4-9" fmla="*/ 0 w 5962650"/>
+                <a:gd name="connsiteY4-10" fmla="*/ 0 h 6858000"/>
+                <a:gd name="connsiteX0-11" fmla="*/ 557987 w 6520637"/>
+                <a:gd name="connsiteY0-12" fmla="*/ 0 h 6858000"/>
+                <a:gd name="connsiteX1-13" fmla="*/ 6520637 w 6520637"/>
+                <a:gd name="connsiteY1-14" fmla="*/ 0 h 6858000"/>
+                <a:gd name="connsiteX2-15" fmla="*/ 6520637 w 6520637"/>
+                <a:gd name="connsiteY2-16" fmla="*/ 6858000 h 6858000"/>
+                <a:gd name="connsiteX3-17" fmla="*/ 557987 w 6520637"/>
+                <a:gd name="connsiteY3-18" fmla="*/ 6858000 h 6858000"/>
+                <a:gd name="connsiteX4-19" fmla="*/ 557987 w 6520637"/>
+                <a:gd name="connsiteY4-20" fmla="*/ 0 h 6858000"/>
+                <a:gd name="connsiteX0-21" fmla="*/ 535657 w 6498307"/>
+                <a:gd name="connsiteY0-22" fmla="*/ 0 h 6858000"/>
+                <a:gd name="connsiteX1-23" fmla="*/ 6498307 w 6498307"/>
+                <a:gd name="connsiteY1-24" fmla="*/ 0 h 6858000"/>
+                <a:gd name="connsiteX2-25" fmla="*/ 6498307 w 6498307"/>
+                <a:gd name="connsiteY2-26" fmla="*/ 6858000 h 6858000"/>
+                <a:gd name="connsiteX3-27" fmla="*/ 535657 w 6498307"/>
+                <a:gd name="connsiteY3-28" fmla="*/ 6858000 h 6858000"/>
+                <a:gd name="connsiteX4-29" fmla="*/ 535657 w 6498307"/>
+                <a:gd name="connsiteY4-30" fmla="*/ 0 h 6858000"/>
+                <a:gd name="connsiteX0-31" fmla="*/ 535657 w 6498307"/>
+                <a:gd name="connsiteY0-32" fmla="*/ 0 h 6858000"/>
+                <a:gd name="connsiteX1-33" fmla="*/ 6498307 w 6498307"/>
+                <a:gd name="connsiteY1-34" fmla="*/ 0 h 6858000"/>
+                <a:gd name="connsiteX2-35" fmla="*/ 6498307 w 6498307"/>
+                <a:gd name="connsiteY2-36" fmla="*/ 6858000 h 6858000"/>
+                <a:gd name="connsiteX3-37" fmla="*/ 535657 w 6498307"/>
+                <a:gd name="connsiteY3-38" fmla="*/ 6858000 h 6858000"/>
+                <a:gd name="connsiteX4-39" fmla="*/ 535657 w 6498307"/>
+                <a:gd name="connsiteY4-40" fmla="*/ 0 h 6858000"/>
+                <a:gd name="connsiteX0-41" fmla="*/ 535657 w 6498307"/>
+                <a:gd name="connsiteY0-42" fmla="*/ 0 h 6858000"/>
+                <a:gd name="connsiteX1-43" fmla="*/ 6498307 w 6498307"/>
+                <a:gd name="connsiteY1-44" fmla="*/ 0 h 6858000"/>
+                <a:gd name="connsiteX2-45" fmla="*/ 6498307 w 6498307"/>
+                <a:gd name="connsiteY2-46" fmla="*/ 6858000 h 6858000"/>
+                <a:gd name="connsiteX3-47" fmla="*/ 535657 w 6498307"/>
+                <a:gd name="connsiteY3-48" fmla="*/ 6858000 h 6858000"/>
+                <a:gd name="connsiteX4-49" fmla="*/ 535657 w 6498307"/>
+                <a:gd name="connsiteY4-50" fmla="*/ 0 h 6858000"/>
+              </a:gdLst>
+              <a:ahLst/>
+              <a:cxnLst>
+                <a:cxn ang="0">
+                  <a:pos x="connsiteX0-1" y="connsiteY0-2"/>
+                </a:cxn>
+                <a:cxn ang="0">
+                  <a:pos x="connsiteX1-3" y="connsiteY1-4"/>
+                </a:cxn>
+                <a:cxn ang="0">
+                  <a:pos x="connsiteX2-5" y="connsiteY2-6"/>
+                </a:cxn>
+                <a:cxn ang="0">
+                  <a:pos x="connsiteX3-7" y="connsiteY3-8"/>
+                </a:cxn>
+                <a:cxn ang="0">
+                  <a:pos x="connsiteX4-9" y="connsiteY4-10"/>
+                </a:cxn>
+              </a:cxnLst>
+              <a:rect l="l" t="t" r="r" b="b"/>
+              <a:pathLst>
+                <a:path w="6498307" h="6858000">
+                  <a:moveTo>
+                    <a:pt x="535657" y="0"/>
+                  </a:moveTo>
+                  <a:lnTo>
+                    <a:pt x="6498307" y="0"/>
+                  </a:lnTo>
+                  <a:lnTo>
+                    <a:pt x="6498307" y="6858000"/>
+                  </a:lnTo>
+                  <a:lnTo>
+                    <a:pt x="535657" y="6858000"/>
+                  </a:lnTo>
+                  <a:cubicBezTo>
+                    <a:pt x="-1255043" y="3333750"/>
+                    <a:pt x="2154907" y="3219450"/>
+                    <a:pt x="535657" y="0"/>
+                  </a:cubicBezTo>
+                  <a:close/>
+                </a:path>
+              </a:pathLst>
+            </a:custGeom>
+            <a:solidFill>
+              <a:schemeClr val="accent1">
+                <a:lumMod val="75000"/>
+              </a:schemeClr>
+            </a:solidFill>
+            <a:ln>
+              <a:noFill/>
+            </a:ln>
+          </p:spPr>
+          <p:style>
+            <a:lnRef idx="2">
+              <a:schemeClr val="accent1">
+                <a:shade val="50000"/>
+              </a:schemeClr>
+            </a:lnRef>
+            <a:fillRef idx="1">
+              <a:schemeClr val="accent1"/>
+            </a:fillRef>
+            <a:effectRef idx="0">
+              <a:schemeClr val="accent1"/>
+            </a:effectRef>
+            <a:fontRef idx="minor">
+              <a:schemeClr val="lt1"/>
+            </a:fontRef>
+          </p:style>
+          <p:txBody>
+            <a:bodyPr rtlCol="0" anchor="ctr"/>
+            <a:lstStyle/>
+            <a:p>
+              <a:pPr algn="ctr"/>
+              <a:endParaRPr lang="zh-CN" altLang="en-US">
+                <a:latin typeface="Snell Roundhand" panose="02000603080000090004" charset="0"/>
+                <a:ea typeface="Snell Roundhand" panose="02000603080000090004" charset="0"/>
+              </a:endParaRPr>
+            </a:p>
+          </p:txBody>
+        </p:sp>
+      </p:grpSp>
+      <p:sp>
+        <p:nvSpPr>
+          <p:cNvPr id="7" name="文本框 6">
             <a:extLst>
               <a:ext uri="{FF2B5EF4-FFF2-40B4-BE49-F238E27FC236}">
-                <a16:creationId xmlns:a16="http://schemas.microsoft.com/office/drawing/2014/main" id="{DD166867-E0AF-48BC-BFFF-97B26A44A2D7}"/>
-              </a:ext>
-            </a:extLst>
-          </p:cNvPr>
-          <p:cNvPicPr>
-            <a:picLocks noChangeAspect="1"/>
-          </p:cNvPicPr>
-          <p:nvPr/>
-        </p:nvPicPr>
-        <p:blipFill>
-          <a:blip r:embed="rId2"/>
-          <a:stretch>
-            <a:fillRect/>
-          </a:stretch>
-        </p:blipFill>
-        <p:spPr>
-          <a:xfrm>
-            <a:off x="2628054" y="128693"/>
-            <a:ext cx="8550131" cy="6371794"/>
-          </a:xfrm>
-          <a:prstGeom prst="rect">
-            <a:avLst/>
-          </a:prstGeom>
-        </p:spPr>
-      </p:pic>
-      <p:sp>
-        <p:nvSpPr>
-          <p:cNvPr id="5" name="文本框 4">
-            <a:extLst>
-              <a:ext uri="{FF2B5EF4-FFF2-40B4-BE49-F238E27FC236}">
-                <a16:creationId xmlns:a16="http://schemas.microsoft.com/office/drawing/2014/main" id="{D572D566-856D-43ED-AE9D-9429842A7335}"/>
+                <a16:creationId xmlns:a16="http://schemas.microsoft.com/office/drawing/2014/main" id="{F65E2F41-C016-48D8-87C4-0E1247FE3155}"/>
               </a:ext>
             </a:extLst>
           </p:cNvPr>
@@ -21879,8 +22535,8 @@
         </p:nvSpPr>
         <p:spPr>
           <a:xfrm>
-            <a:off x="190500" y="357513"/>
-            <a:ext cx="6096000" cy="646331"/>
+            <a:off x="806450" y="1402998"/>
+            <a:ext cx="6096000" cy="369332"/>
           </a:xfrm>
           <a:prstGeom prst="rect">
             <a:avLst/>
@@ -21894,26 +22550,328 @@
           <a:lstStyle/>
           <a:p>
             <a:r>
-              <a:rPr lang="zh-CN" altLang="en-US" sz="3600" dirty="0"/>
-              <a:t>展示建模</a:t>
+              <a:rPr lang="zh-CN" altLang="en-US" dirty="0"/>
+              <a:t>面向对象：面向企业，个人</a:t>
+            </a:r>
+          </a:p>
+        </p:txBody>
+      </p:sp>
+      <p:sp>
+        <p:nvSpPr>
+          <p:cNvPr id="8" name="文本框 7">
+            <a:extLst>
+              <a:ext uri="{FF2B5EF4-FFF2-40B4-BE49-F238E27FC236}">
+                <a16:creationId xmlns:a16="http://schemas.microsoft.com/office/drawing/2014/main" id="{F580F0C9-28A3-4D97-A7B6-57E6FB1A0F48}"/>
+              </a:ext>
+            </a:extLst>
+          </p:cNvPr>
+          <p:cNvSpPr txBox="1"/>
+          <p:nvPr/>
+        </p:nvSpPr>
+        <p:spPr>
+          <a:xfrm>
+            <a:off x="806450" y="3410835"/>
+            <a:ext cx="6096000" cy="1754326"/>
+          </a:xfrm>
+          <a:prstGeom prst="rect">
+            <a:avLst/>
+          </a:prstGeom>
+          <a:noFill/>
+        </p:spPr>
+        <p:txBody>
+          <a:bodyPr wrap="square">
+            <a:spAutoFit/>
+          </a:bodyPr>
+          <a:lstStyle/>
+          <a:p>
+            <a:r>
+              <a:rPr lang="zh-CN" altLang="en-US" dirty="0"/>
+              <a:t>优势：</a:t>
+            </a:r>
+            <a:r>
+              <a:rPr lang="en-US" altLang="zh-CN" dirty="0"/>
+              <a:t>1.</a:t>
+            </a:r>
+            <a:r>
+              <a:rPr lang="zh-CN" altLang="en-US" dirty="0"/>
+              <a:t>避免淘宝，天猫，拼多多等购物网站开店所需的高额佣金，繁琐认证，前期曝光刷单等费用</a:t>
+            </a:r>
+            <a:endParaRPr lang="en-US" altLang="zh-CN" dirty="0"/>
+          </a:p>
+          <a:p>
+            <a:r>
+              <a:rPr lang="en-US" altLang="zh-CN" dirty="0"/>
+              <a:t>2.</a:t>
+            </a:r>
+            <a:r>
+              <a:rPr lang="zh-CN" altLang="en-US" dirty="0"/>
+              <a:t>利农：为解决三农问题，乡村振兴出谋划策，农民可直接简便开店，减少开店前期投入</a:t>
+            </a:r>
+            <a:endParaRPr lang="en-US" altLang="zh-CN" dirty="0"/>
+          </a:p>
+          <a:p>
+            <a:r>
+              <a:rPr lang="en-US" altLang="zh-CN" dirty="0"/>
+              <a:t>3</a:t>
+            </a:r>
+            <a:r>
+              <a:rPr lang="zh-CN" altLang="en-US" dirty="0"/>
+              <a:t>惠企：企业可直接设置自己的购物网站，独立管理，减少中间流程款项</a:t>
+            </a:r>
+          </a:p>
+        </p:txBody>
+      </p:sp>
+      <p:sp>
+        <p:nvSpPr>
+          <p:cNvPr id="9" name="文本框 8">
+            <a:extLst>
+              <a:ext uri="{FF2B5EF4-FFF2-40B4-BE49-F238E27FC236}">
+                <a16:creationId xmlns:a16="http://schemas.microsoft.com/office/drawing/2014/main" id="{5CC82B5A-58CD-4B3A-AD77-12768FC49674}"/>
+              </a:ext>
+            </a:extLst>
+          </p:cNvPr>
+          <p:cNvSpPr txBox="1"/>
+          <p:nvPr/>
+        </p:nvSpPr>
+        <p:spPr>
+          <a:xfrm>
+            <a:off x="806450" y="2631469"/>
+            <a:ext cx="6096000" cy="369332"/>
+          </a:xfrm>
+          <a:prstGeom prst="rect">
+            <a:avLst/>
+          </a:prstGeom>
+          <a:noFill/>
+        </p:spPr>
+        <p:txBody>
+          <a:bodyPr wrap="square">
+            <a:spAutoFit/>
+          </a:bodyPr>
+          <a:lstStyle/>
+          <a:p>
+            <a:r>
+              <a:rPr lang="zh-CN" altLang="en-US" dirty="0"/>
+              <a:t>目标：线上开店轻量化，简洁化</a:t>
+            </a:r>
+          </a:p>
+        </p:txBody>
+      </p:sp>
+      <p:sp>
+        <p:nvSpPr>
+          <p:cNvPr id="11" name="文本框 10">
+            <a:extLst>
+              <a:ext uri="{FF2B5EF4-FFF2-40B4-BE49-F238E27FC236}">
+                <a16:creationId xmlns:a16="http://schemas.microsoft.com/office/drawing/2014/main" id="{BF2B1F4F-A9E3-4FD2-9761-1C4197371ACE}"/>
+              </a:ext>
+            </a:extLst>
+          </p:cNvPr>
+          <p:cNvSpPr txBox="1"/>
+          <p:nvPr/>
+        </p:nvSpPr>
+        <p:spPr>
+          <a:xfrm>
+            <a:off x="806450" y="1909787"/>
+            <a:ext cx="6096000" cy="369332"/>
+          </a:xfrm>
+          <a:prstGeom prst="rect">
+            <a:avLst/>
+          </a:prstGeom>
+          <a:noFill/>
+        </p:spPr>
+        <p:txBody>
+          <a:bodyPr wrap="square">
+            <a:spAutoFit/>
+          </a:bodyPr>
+          <a:lstStyle/>
+          <a:p>
+            <a:r>
+              <a:rPr lang="zh-CN" altLang="en-US" dirty="0"/>
+              <a:t>应用场景：线上商城</a:t>
+            </a:r>
+          </a:p>
+        </p:txBody>
+      </p:sp>
+      <p:sp>
+        <p:nvSpPr>
+          <p:cNvPr id="12" name="文本框 11">
+            <a:extLst>
+              <a:ext uri="{FF2B5EF4-FFF2-40B4-BE49-F238E27FC236}">
+                <a16:creationId xmlns:a16="http://schemas.microsoft.com/office/drawing/2014/main" id="{BA6FC897-0260-4B9B-BFCA-140F12204E2D}"/>
+              </a:ext>
+            </a:extLst>
+          </p:cNvPr>
+          <p:cNvSpPr txBox="1"/>
+          <p:nvPr/>
+        </p:nvSpPr>
+        <p:spPr>
+          <a:xfrm>
+            <a:off x="1180362" y="456446"/>
+            <a:ext cx="6096000" cy="584775"/>
+          </a:xfrm>
+          <a:prstGeom prst="rect">
+            <a:avLst/>
+          </a:prstGeom>
+          <a:noFill/>
+        </p:spPr>
+        <p:txBody>
+          <a:bodyPr wrap="square">
+            <a:spAutoFit/>
+          </a:bodyPr>
+          <a:lstStyle/>
+          <a:p>
+            <a:pPr algn="ctr"/>
+            <a:r>
+              <a:rPr lang="zh-CN" altLang="en-US" sz="3200" dirty="0"/>
+              <a:t>项目建议</a:t>
             </a:r>
           </a:p>
         </p:txBody>
       </p:sp>
     </p:spTree>
-    <p:extLst>
-      <p:ext uri="{BB962C8B-B14F-4D97-AF65-F5344CB8AC3E}">
-        <p14:creationId xmlns:p14="http://schemas.microsoft.com/office/powerpoint/2010/main" val="2805299197"/>
-      </p:ext>
-    </p:extLst>
   </p:cSld>
   <p:clrMapOvr>
     <a:masterClrMapping/>
   </p:clrMapOvr>
+  <mc:AlternateContent xmlns:mc="http://schemas.openxmlformats.org/markup-compatibility/2006" xmlns:p14="http://schemas.microsoft.com/office/powerpoint/2010/main">
+    <mc:Choice Requires="p14">
+      <p:transition spd="slow" p14:dur="1500" advClick="0" advTm="5000">
+        <p:random/>
+      </p:transition>
+    </mc:Choice>
+    <mc:Fallback xmlns="">
+      <p:transition spd="slow" advClick="0" advTm="5000">
+        <p:random/>
+      </p:transition>
+    </mc:Fallback>
+  </mc:AlternateContent>
+  <p:timing>
+    <p:tnLst>
+      <p:par>
+        <p:cTn id="1" dur="indefinite" restart="never" nodeType="tmRoot">
+          <p:childTnLst>
+            <p:seq concurrent="1" nextAc="seek">
+              <p:cTn id="2" dur="indefinite" nodeType="mainSeq">
+                <p:childTnLst>
+                  <p:par>
+                    <p:cTn id="3" fill="hold">
+                      <p:stCondLst>
+                        <p:cond delay="indefinite"/>
+                        <p:cond evt="onBegin" delay="0">
+                          <p:tn val="2"/>
+                        </p:cond>
+                      </p:stCondLst>
+                      <p:childTnLst>
+                        <p:par>
+                          <p:cTn id="4" fill="hold">
+                            <p:stCondLst>
+                              <p:cond delay="0"/>
+                            </p:stCondLst>
+                            <p:childTnLst>
+                              <p:par>
+                                <p:cTn id="5" presetID="2" presetClass="entr" presetSubtype="2" fill="hold" nodeType="withEffect">
+                                  <p:stCondLst>
+                                    <p:cond delay="0"/>
+                                  </p:stCondLst>
+                                  <p:childTnLst>
+                                    <p:set>
+                                      <p:cBhvr>
+                                        <p:cTn id="6" dur="1" fill="hold">
+                                          <p:stCondLst>
+                                            <p:cond delay="0"/>
+                                          </p:stCondLst>
+                                        </p:cTn>
+                                        <p:tgtEl>
+                                          <p:spTgt spid="25"/>
+                                        </p:tgtEl>
+                                        <p:attrNameLst>
+                                          <p:attrName>style.visibility</p:attrName>
+                                        </p:attrNameLst>
+                                      </p:cBhvr>
+                                      <p:to>
+                                        <p:strVal val="visible"/>
+                                      </p:to>
+                                    </p:set>
+                                    <p:anim calcmode="lin" valueType="num">
+                                      <p:cBhvr additive="base">
+                                        <p:cTn id="7" dur="500" fill="hold"/>
+                                        <p:tgtEl>
+                                          <p:spTgt spid="25"/>
+                                        </p:tgtEl>
+                                        <p:attrNameLst>
+                                          <p:attrName>ppt_x</p:attrName>
+                                        </p:attrNameLst>
+                                      </p:cBhvr>
+                                      <p:tavLst>
+                                        <p:tav tm="0">
+                                          <p:val>
+                                            <p:strVal val="1+#ppt_w/2"/>
+                                          </p:val>
+                                        </p:tav>
+                                        <p:tav tm="100000">
+                                          <p:val>
+                                            <p:strVal val="#ppt_x"/>
+                                          </p:val>
+                                        </p:tav>
+                                      </p:tavLst>
+                                    </p:anim>
+                                    <p:anim calcmode="lin" valueType="num">
+                                      <p:cBhvr additive="base">
+                                        <p:cTn id="8" dur="500" fill="hold"/>
+                                        <p:tgtEl>
+                                          <p:spTgt spid="25"/>
+                                        </p:tgtEl>
+                                        <p:attrNameLst>
+                                          <p:attrName>ppt_y</p:attrName>
+                                        </p:attrNameLst>
+                                      </p:cBhvr>
+                                      <p:tavLst>
+                                        <p:tav tm="0">
+                                          <p:val>
+                                            <p:strVal val="#ppt_y"/>
+                                          </p:val>
+                                        </p:tav>
+                                        <p:tav tm="100000">
+                                          <p:val>
+                                            <p:strVal val="#ppt_y"/>
+                                          </p:val>
+                                        </p:tav>
+                                      </p:tavLst>
+                                    </p:anim>
+                                  </p:childTnLst>
+                                </p:cTn>
+                              </p:par>
+                            </p:childTnLst>
+                          </p:cTn>
+                        </p:par>
+                      </p:childTnLst>
+                    </p:cTn>
+                  </p:par>
+                </p:childTnLst>
+              </p:cTn>
+              <p:prevCondLst>
+                <p:cond evt="onPrev" delay="0">
+                  <p:tgtEl>
+                    <p:sldTgt/>
+                  </p:tgtEl>
+                </p:cond>
+              </p:prevCondLst>
+              <p:nextCondLst>
+                <p:cond evt="onNext" delay="0">
+                  <p:tgtEl>
+                    <p:sldTgt/>
+                  </p:tgtEl>
+                </p:cond>
+              </p:nextCondLst>
+            </p:seq>
+          </p:childTnLst>
+        </p:cTn>
+      </p:par>
+    </p:tnLst>
+  </p:timing>
 </p:sld>
 </file>
 
-<file path=ppt/slides/slide12.xml><?xml version="1.0" encoding="utf-8"?>
+<file path=ppt/slides/slide3.xml><?xml version="1.0" encoding="utf-8"?>
 <p:sld xmlns:a="http://schemas.openxmlformats.org/drawingml/2006/main" xmlns:r="http://schemas.openxmlformats.org/officeDocument/2006/relationships" xmlns:p="http://schemas.openxmlformats.org/presentationml/2006/main">
   <p:cSld>
     <p:bg>
@@ -21938,12 +22896,166 @@
           <a:chExt cx="0" cy="0"/>
         </a:xfrm>
       </p:grpSpPr>
+      <p:sp useBgFill="1">
+        <p:nvSpPr>
+          <p:cNvPr id="20" name="Rectangle 13">
+            <a:extLst>
+              <a:ext uri="{FF2B5EF4-FFF2-40B4-BE49-F238E27FC236}">
+                <a16:creationId xmlns:a16="http://schemas.microsoft.com/office/drawing/2014/main" id="{E8DC6FCD-811B-436E-9FEE-FC957486CD7E}"/>
+              </a:ext>
+              <a:ext uri="{C183D7F6-B498-43B3-948B-1728B52AA6E4}">
+                <adec:decorative xmlns:adec="http://schemas.microsoft.com/office/drawing/2017/decorative" val="1"/>
+              </a:ext>
+            </a:extLst>
+          </p:cNvPr>
+          <p:cNvSpPr>
+            <a:spLocks noGrp="1" noRot="1" noChangeAspect="1" noMove="1" noResize="1" noEditPoints="1" noAdjustHandles="1" noChangeArrowheads="1" noChangeShapeType="1" noTextEdit="1"/>
+          </p:cNvSpPr>
+          <p:nvPr>
+            <p:extLst>
+              <p:ext uri="{386F3935-93C4-4BCD-93E2-E3B085C9AB24}">
+                <p16:designElem xmlns:p16="http://schemas.microsoft.com/office/powerpoint/2015/main" val="1"/>
+              </p:ext>
+            </p:extLst>
+          </p:nvPr>
+        </p:nvSpPr>
+        <p:spPr bwMode="white">
+          <a:xfrm>
+            <a:off x="1524" y="0"/>
+            <a:ext cx="12188952" cy="6858000"/>
+          </a:xfrm>
+          <a:prstGeom prst="rect">
+            <a:avLst/>
+          </a:prstGeom>
+          <a:ln>
+            <a:noFill/>
+          </a:ln>
+        </p:spPr>
+        <p:style>
+          <a:lnRef idx="2">
+            <a:schemeClr val="accent1">
+              <a:shade val="50000"/>
+            </a:schemeClr>
+          </a:lnRef>
+          <a:fillRef idx="1">
+            <a:schemeClr val="accent1"/>
+          </a:fillRef>
+          <a:effectRef idx="0">
+            <a:schemeClr val="accent1"/>
+          </a:effectRef>
+          <a:fontRef idx="minor">
+            <a:schemeClr val="lt1"/>
+          </a:fontRef>
+        </p:style>
+        <p:txBody>
+          <a:bodyPr rtlCol="0" anchor="ctr"/>
+          <a:lstStyle>
+            <a:defPPr>
+              <a:defRPr lang="en-US"/>
+            </a:defPPr>
+            <a:lvl1pPr marL="0" algn="l" defTabSz="914400" rtl="0" eaLnBrk="1" latinLnBrk="0" hangingPunct="1">
+              <a:defRPr sz="1800" kern="1200">
+                <a:solidFill>
+                  <a:schemeClr val="lt1"/>
+                </a:solidFill>
+                <a:latin typeface="+mn-lt"/>
+                <a:ea typeface="+mn-ea"/>
+                <a:cs typeface="+mn-cs"/>
+              </a:defRPr>
+            </a:lvl1pPr>
+            <a:lvl2pPr marL="457200" algn="l" defTabSz="914400" rtl="0" eaLnBrk="1" latinLnBrk="0" hangingPunct="1">
+              <a:defRPr sz="1800" kern="1200">
+                <a:solidFill>
+                  <a:schemeClr val="lt1"/>
+                </a:solidFill>
+                <a:latin typeface="+mn-lt"/>
+                <a:ea typeface="+mn-ea"/>
+                <a:cs typeface="+mn-cs"/>
+              </a:defRPr>
+            </a:lvl2pPr>
+            <a:lvl3pPr marL="914400" algn="l" defTabSz="914400" rtl="0" eaLnBrk="1" latinLnBrk="0" hangingPunct="1">
+              <a:defRPr sz="1800" kern="1200">
+                <a:solidFill>
+                  <a:schemeClr val="lt1"/>
+                </a:solidFill>
+                <a:latin typeface="+mn-lt"/>
+                <a:ea typeface="+mn-ea"/>
+                <a:cs typeface="+mn-cs"/>
+              </a:defRPr>
+            </a:lvl3pPr>
+            <a:lvl4pPr marL="1371600" algn="l" defTabSz="914400" rtl="0" eaLnBrk="1" latinLnBrk="0" hangingPunct="1">
+              <a:defRPr sz="1800" kern="1200">
+                <a:solidFill>
+                  <a:schemeClr val="lt1"/>
+                </a:solidFill>
+                <a:latin typeface="+mn-lt"/>
+                <a:ea typeface="+mn-ea"/>
+                <a:cs typeface="+mn-cs"/>
+              </a:defRPr>
+            </a:lvl4pPr>
+            <a:lvl5pPr marL="1828800" algn="l" defTabSz="914400" rtl="0" eaLnBrk="1" latinLnBrk="0" hangingPunct="1">
+              <a:defRPr sz="1800" kern="1200">
+                <a:solidFill>
+                  <a:schemeClr val="lt1"/>
+                </a:solidFill>
+                <a:latin typeface="+mn-lt"/>
+                <a:ea typeface="+mn-ea"/>
+                <a:cs typeface="+mn-cs"/>
+              </a:defRPr>
+            </a:lvl5pPr>
+            <a:lvl6pPr marL="2286000" algn="l" defTabSz="914400" rtl="0" eaLnBrk="1" latinLnBrk="0" hangingPunct="1">
+              <a:defRPr sz="1800" kern="1200">
+                <a:solidFill>
+                  <a:schemeClr val="lt1"/>
+                </a:solidFill>
+                <a:latin typeface="+mn-lt"/>
+                <a:ea typeface="+mn-ea"/>
+                <a:cs typeface="+mn-cs"/>
+              </a:defRPr>
+            </a:lvl6pPr>
+            <a:lvl7pPr marL="2743200" algn="l" defTabSz="914400" rtl="0" eaLnBrk="1" latinLnBrk="0" hangingPunct="1">
+              <a:defRPr sz="1800" kern="1200">
+                <a:solidFill>
+                  <a:schemeClr val="lt1"/>
+                </a:solidFill>
+                <a:latin typeface="+mn-lt"/>
+                <a:ea typeface="+mn-ea"/>
+                <a:cs typeface="+mn-cs"/>
+              </a:defRPr>
+            </a:lvl7pPr>
+            <a:lvl8pPr marL="3200400" algn="l" defTabSz="914400" rtl="0" eaLnBrk="1" latinLnBrk="0" hangingPunct="1">
+              <a:defRPr sz="1800" kern="1200">
+                <a:solidFill>
+                  <a:schemeClr val="lt1"/>
+                </a:solidFill>
+                <a:latin typeface="+mn-lt"/>
+                <a:ea typeface="+mn-ea"/>
+                <a:cs typeface="+mn-cs"/>
+              </a:defRPr>
+            </a:lvl8pPr>
+            <a:lvl9pPr marL="3657600" algn="l" defTabSz="914400" rtl="0" eaLnBrk="1" latinLnBrk="0" hangingPunct="1">
+              <a:defRPr sz="1800" kern="1200">
+                <a:solidFill>
+                  <a:schemeClr val="lt1"/>
+                </a:solidFill>
+                <a:latin typeface="+mn-lt"/>
+                <a:ea typeface="+mn-ea"/>
+                <a:cs typeface="+mn-cs"/>
+              </a:defRPr>
+            </a:lvl9pPr>
+          </a:lstStyle>
+          <a:p>
+            <a:pPr algn="ctr"/>
+            <a:endParaRPr lang="en-US"/>
+          </a:p>
+        </p:txBody>
+      </p:sp>
       <p:pic>
         <p:nvPicPr>
-          <p:cNvPr id="3" name="图片 2">
+          <p:cNvPr id="9" name="图片 8">
             <a:extLst>
               <a:ext uri="{FF2B5EF4-FFF2-40B4-BE49-F238E27FC236}">
-                <a16:creationId xmlns:a16="http://schemas.microsoft.com/office/drawing/2014/main" id="{20B7D228-1D4D-4EBC-B00D-BAB11F487A40}"/>
+                <a16:creationId xmlns:a16="http://schemas.microsoft.com/office/drawing/2014/main" id="{748E130B-3C60-4BB4-909D-443DC46E8805}"/>
               </a:ext>
             </a:extLst>
           </p:cNvPr>
@@ -21952,16 +23064,15 @@
           </p:cNvPicPr>
           <p:nvPr/>
         </p:nvPicPr>
-        <p:blipFill>
+        <p:blipFill rotWithShape="1">
           <a:blip r:embed="rId2"/>
-          <a:stretch>
-            <a:fillRect/>
-          </a:stretch>
+          <a:srcRect t="11217" r="-2" b="8822"/>
+          <a:stretch/>
         </p:blipFill>
         <p:spPr>
           <a:xfrm>
-            <a:off x="1154008" y="643466"/>
-            <a:ext cx="2257209" cy="2624663"/>
+            <a:off x="612774" y="316459"/>
+            <a:ext cx="7398530" cy="4037538"/>
           </a:xfrm>
           <a:prstGeom prst="rect">
             <a:avLst/>
@@ -21970,10 +23081,10 @@
       </p:pic>
       <p:pic>
         <p:nvPicPr>
-          <p:cNvPr id="13" name="图片 12">
+          <p:cNvPr id="5" name="图片 4">
             <a:extLst>
               <a:ext uri="{FF2B5EF4-FFF2-40B4-BE49-F238E27FC236}">
-                <a16:creationId xmlns:a16="http://schemas.microsoft.com/office/drawing/2014/main" id="{D310F3D0-0CEE-419F-A207-72D3CD91B84C}"/>
+                <a16:creationId xmlns:a16="http://schemas.microsoft.com/office/drawing/2014/main" id="{E8D7C534-356E-4913-B833-F4B55BD99ABE}"/>
               </a:ext>
             </a:extLst>
           </p:cNvPr>
@@ -21982,16 +23093,15 @@
           </p:cNvPicPr>
           <p:nvPr/>
         </p:nvPicPr>
-        <p:blipFill>
+        <p:blipFill rotWithShape="1">
           <a:blip r:embed="rId3"/>
-          <a:stretch>
-            <a:fillRect/>
-          </a:stretch>
+          <a:srcRect r="2" b="23327"/>
+          <a:stretch/>
         </p:blipFill>
         <p:spPr>
           <a:xfrm>
-            <a:off x="4562207" y="643466"/>
-            <a:ext cx="3106109" cy="2624662"/>
+            <a:off x="7008323" y="1312202"/>
+            <a:ext cx="5652955" cy="3088251"/>
           </a:xfrm>
           <a:prstGeom prst="rect">
             <a:avLst/>
@@ -22000,10 +23110,10 @@
       </p:pic>
       <p:pic>
         <p:nvPicPr>
-          <p:cNvPr id="11" name="图片 10">
+          <p:cNvPr id="3" name="图片 2">
             <a:extLst>
               <a:ext uri="{FF2B5EF4-FFF2-40B4-BE49-F238E27FC236}">
-                <a16:creationId xmlns:a16="http://schemas.microsoft.com/office/drawing/2014/main" id="{2D574E8E-8F66-4FAB-A8EA-1594918A0498}"/>
+                <a16:creationId xmlns:a16="http://schemas.microsoft.com/office/drawing/2014/main" id="{B796F15B-9D1D-48EA-BF9D-AB54E875BE0E}"/>
               </a:ext>
             </a:extLst>
           </p:cNvPr>
@@ -22012,46 +23122,15 @@
           </p:cNvPicPr>
           <p:nvPr/>
         </p:nvPicPr>
-        <p:blipFill>
+        <p:blipFill rotWithShape="1">
           <a:blip r:embed="rId4"/>
-          <a:stretch>
-            <a:fillRect/>
-          </a:stretch>
+          <a:srcRect t="4934" r="-2" b="22234"/>
+          <a:stretch/>
         </p:blipFill>
         <p:spPr>
           <a:xfrm>
-            <a:off x="8872222" y="643466"/>
-            <a:ext cx="2112852" cy="2624662"/>
-          </a:xfrm>
-          <a:prstGeom prst="rect">
-            <a:avLst/>
-          </a:prstGeom>
-        </p:spPr>
-      </p:pic>
-      <p:pic>
-        <p:nvPicPr>
-          <p:cNvPr id="9" name="图片 8">
-            <a:extLst>
-              <a:ext uri="{FF2B5EF4-FFF2-40B4-BE49-F238E27FC236}">
-                <a16:creationId xmlns:a16="http://schemas.microsoft.com/office/drawing/2014/main" id="{7D69F144-D7C1-4444-812F-EF78345318CC}"/>
-              </a:ext>
-            </a:extLst>
-          </p:cNvPr>
-          <p:cNvPicPr>
-            <a:picLocks noChangeAspect="1"/>
-          </p:cNvPicPr>
-          <p:nvPr/>
-        </p:nvPicPr>
-        <p:blipFill>
-          <a:blip r:embed="rId5"/>
-          <a:stretch>
-            <a:fillRect/>
-          </a:stretch>
-        </p:blipFill>
-        <p:spPr>
-          <a:xfrm>
-            <a:off x="1104795" y="3589863"/>
-            <a:ext cx="2355636" cy="2624665"/>
+            <a:off x="1229359" y="4400453"/>
+            <a:ext cx="4866641" cy="2339322"/>
           </a:xfrm>
           <a:prstGeom prst="rect">
             <a:avLst/>
@@ -22063,7 +23142,7 @@
           <p:cNvPr id="7" name="图片 6">
             <a:extLst>
               <a:ext uri="{FF2B5EF4-FFF2-40B4-BE49-F238E27FC236}">
-                <a16:creationId xmlns:a16="http://schemas.microsoft.com/office/drawing/2014/main" id="{0526DB99-AAB8-4488-B399-39E297051C1E}"/>
+                <a16:creationId xmlns:a16="http://schemas.microsoft.com/office/drawing/2014/main" id="{F8B76780-EE90-41AD-995B-A67AE44D8C1F}"/>
               </a:ext>
             </a:extLst>
           </p:cNvPr>
@@ -22072,56 +23151,60 @@
           </p:cNvPicPr>
           <p:nvPr/>
         </p:nvPicPr>
-        <p:blipFill>
-          <a:blip r:embed="rId6"/>
-          <a:stretch>
-            <a:fillRect/>
-          </a:stretch>
+        <p:blipFill rotWithShape="1">
+          <a:blip r:embed="rId5"/>
+          <a:srcRect t="12387" r="2" b="20313"/>
+          <a:stretch/>
         </p:blipFill>
         <p:spPr>
           <a:xfrm>
-            <a:off x="4905636" y="3589863"/>
-            <a:ext cx="2419253" cy="2643993"/>
+            <a:off x="7008323" y="4400453"/>
+            <a:ext cx="4420668" cy="2127231"/>
           </a:xfrm>
           <a:prstGeom prst="rect">
             <a:avLst/>
           </a:prstGeom>
         </p:spPr>
       </p:pic>
-      <p:pic>
-        <p:nvPicPr>
-          <p:cNvPr id="5" name="图片 4">
+      <p:sp>
+        <p:nvSpPr>
+          <p:cNvPr id="24" name="文本框 23">
             <a:extLst>
               <a:ext uri="{FF2B5EF4-FFF2-40B4-BE49-F238E27FC236}">
-                <a16:creationId xmlns:a16="http://schemas.microsoft.com/office/drawing/2014/main" id="{733AA2D4-0CA6-4987-A43F-F52EF43B35DB}"/>
+                <a16:creationId xmlns:a16="http://schemas.microsoft.com/office/drawing/2014/main" id="{07054105-5665-4211-A8BC-8B71209757BF}"/>
               </a:ext>
             </a:extLst>
           </p:cNvPr>
-          <p:cNvPicPr>
-            <a:picLocks noChangeAspect="1"/>
-          </p:cNvPicPr>
+          <p:cNvSpPr txBox="1"/>
           <p:nvPr/>
-        </p:nvPicPr>
-        <p:blipFill>
-          <a:blip r:embed="rId7"/>
-          <a:stretch>
-            <a:fillRect/>
-          </a:stretch>
-        </p:blipFill>
+        </p:nvSpPr>
         <p:spPr>
           <a:xfrm>
-            <a:off x="9128840" y="3589863"/>
-            <a:ext cx="1599615" cy="2643992"/>
+            <a:off x="5166691" y="455477"/>
+            <a:ext cx="6208294" cy="523220"/>
           </a:xfrm>
           <a:prstGeom prst="rect">
             <a:avLst/>
           </a:prstGeom>
+          <a:noFill/>
         </p:spPr>
-      </p:pic>
+        <p:txBody>
+          <a:bodyPr wrap="square">
+            <a:spAutoFit/>
+          </a:bodyPr>
+          <a:lstStyle/>
+          <a:p>
+            <a:r>
+              <a:rPr lang="zh-CN" altLang="en-US" sz="2800" dirty="0"/>
+              <a:t>买家内容动态建模</a:t>
+            </a:r>
+          </a:p>
+        </p:txBody>
+      </p:sp>
     </p:spTree>
     <p:extLst>
       <p:ext uri="{BB962C8B-B14F-4D97-AF65-F5344CB8AC3E}">
-        <p14:creationId xmlns:p14="http://schemas.microsoft.com/office/powerpoint/2010/main" val="3820803125"/>
+        <p14:creationId xmlns:p14="http://schemas.microsoft.com/office/powerpoint/2010/main" val="380259864"/>
       </p:ext>
     </p:extLst>
   </p:cSld>
@@ -22131,7 +23214,7 @@
 </p:sld>
 </file>
 
-<file path=ppt/slides/slide13.xml><?xml version="1.0" encoding="utf-8"?>
+<file path=ppt/slides/slide4.xml><?xml version="1.0" encoding="utf-8"?>
 <p:sld xmlns:a="http://schemas.openxmlformats.org/drawingml/2006/main" xmlns:r="http://schemas.openxmlformats.org/officeDocument/2006/relationships" xmlns:p="http://schemas.openxmlformats.org/presentationml/2006/main">
   <p:cSld>
     <p:bg>
@@ -22158,146 +23241,57 @@
       </p:grpSpPr>
       <p:sp>
         <p:nvSpPr>
-          <p:cNvPr id="17" name="Rectangle 16">
+          <p:cNvPr id="3" name="文本框 2">
             <a:extLst>
               <a:ext uri="{FF2B5EF4-FFF2-40B4-BE49-F238E27FC236}">
-                <a16:creationId xmlns:a16="http://schemas.microsoft.com/office/drawing/2014/main" id="{9527FCEA-6143-4C5E-8C45-8AC9237ADE89}"/>
-              </a:ext>
-              <a:ext uri="{C183D7F6-B498-43B3-948B-1728B52AA6E4}">
-                <adec:decorative xmlns:adec="http://schemas.microsoft.com/office/drawing/2017/decorative" val="1"/>
+                <a16:creationId xmlns:a16="http://schemas.microsoft.com/office/drawing/2014/main" id="{5EAC7074-7496-4A7A-A873-4E4B1BF09103}"/>
               </a:ext>
             </a:extLst>
           </p:cNvPr>
-          <p:cNvSpPr>
-            <a:spLocks noGrp="1" noRot="1" noChangeAspect="1" noMove="1" noResize="1" noEditPoints="1" noAdjustHandles="1" noChangeArrowheads="1" noChangeShapeType="1" noTextEdit="1"/>
-          </p:cNvSpPr>
-          <p:nvPr>
-            <p:extLst>
-              <p:ext uri="{386F3935-93C4-4BCD-93E2-E3B085C9AB24}">
-                <p16:designElem xmlns:p16="http://schemas.microsoft.com/office/powerpoint/2015/main" val="1"/>
-              </p:ext>
-            </p:extLst>
-          </p:nvPr>
+          <p:cNvSpPr txBox="1"/>
+          <p:nvPr/>
         </p:nvSpPr>
         <p:spPr>
           <a:xfrm>
-            <a:off x="0" y="0"/>
-            <a:ext cx="12192000" cy="6858000"/>
+            <a:off x="560877" y="1104053"/>
+            <a:ext cx="3651466" cy="3785419"/>
           </a:xfrm>
           <a:prstGeom prst="rect">
             <a:avLst/>
           </a:prstGeom>
-          <a:solidFill>
-            <a:schemeClr val="tx1">
-              <a:lumMod val="50000"/>
-              <a:lumOff val="50000"/>
-              <a:alpha val="30000"/>
-            </a:schemeClr>
-          </a:solidFill>
-          <a:ln>
-            <a:noFill/>
-          </a:ln>
         </p:spPr>
-        <p:style>
-          <a:lnRef idx="2">
-            <a:schemeClr val="accent1">
-              <a:shade val="50000"/>
-            </a:schemeClr>
-          </a:lnRef>
-          <a:fillRef idx="1">
-            <a:schemeClr val="accent1"/>
-          </a:fillRef>
-          <a:effectRef idx="0">
-            <a:schemeClr val="accent1"/>
-          </a:effectRef>
-          <a:fontRef idx="minor">
-            <a:schemeClr val="lt1"/>
-          </a:fontRef>
-        </p:style>
         <p:txBody>
-          <a:bodyPr rtlCol="0" anchor="ctr"/>
+          <a:bodyPr vert="horz" lIns="91440" tIns="45720" rIns="91440" bIns="45720" rtlCol="0">
+            <a:normAutofit/>
+          </a:bodyPr>
           <a:lstStyle/>
           <a:p>
-            <a:pPr algn="ctr"/>
-            <a:endParaRPr lang="en-US"/>
-          </a:p>
-        </p:txBody>
-      </p:sp>
-      <p:sp>
-        <p:nvSpPr>
-          <p:cNvPr id="19" name="Rectangle 18">
-            <a:extLst>
-              <a:ext uri="{FF2B5EF4-FFF2-40B4-BE49-F238E27FC236}">
-                <a16:creationId xmlns:a16="http://schemas.microsoft.com/office/drawing/2014/main" id="{1A9F23AD-7A55-49F3-A3EC-743F47F36B0E}"/>
-              </a:ext>
-              <a:ext uri="{C183D7F6-B498-43B3-948B-1728B52AA6E4}">
-                <adec:decorative xmlns:adec="http://schemas.microsoft.com/office/drawing/2017/decorative" val="1"/>
-              </a:ext>
-            </a:extLst>
-          </p:cNvPr>
-          <p:cNvSpPr>
-            <a:spLocks noGrp="1" noRot="1" noChangeAspect="1" noMove="1" noResize="1" noEditPoints="1" noAdjustHandles="1" noChangeArrowheads="1" noChangeShapeType="1" noTextEdit="1"/>
-          </p:cNvSpPr>
-          <p:nvPr>
-            <p:extLst>
-              <p:ext uri="{386F3935-93C4-4BCD-93E2-E3B085C9AB24}">
-                <p16:designElem xmlns:p16="http://schemas.microsoft.com/office/powerpoint/2015/main" val="1"/>
-              </p:ext>
-            </p:extLst>
-          </p:nvPr>
-        </p:nvSpPr>
-        <p:spPr>
-          <a:xfrm>
-            <a:off x="477012" y="487090"/>
-            <a:ext cx="6741849" cy="5897880"/>
-          </a:xfrm>
-          <a:prstGeom prst="rect">
-            <a:avLst/>
-          </a:prstGeom>
-          <a:solidFill>
-            <a:srgbClr val="FFFFFF"/>
-          </a:solidFill>
-          <a:ln w="19050">
-            <a:solidFill>
-              <a:schemeClr val="tx1">
-                <a:lumMod val="50000"/>
-                <a:lumOff val="50000"/>
-                <a:alpha val="80000"/>
-              </a:schemeClr>
-            </a:solidFill>
-          </a:ln>
-        </p:spPr>
-        <p:style>
-          <a:lnRef idx="2">
-            <a:schemeClr val="accent1">
-              <a:shade val="50000"/>
-            </a:schemeClr>
-          </a:lnRef>
-          <a:fillRef idx="1">
-            <a:schemeClr val="accent1"/>
-          </a:fillRef>
-          <a:effectRef idx="0">
-            <a:schemeClr val="accent1"/>
-          </a:effectRef>
-          <a:fontRef idx="minor">
-            <a:schemeClr val="lt1"/>
-          </a:fontRef>
-        </p:style>
-        <p:txBody>
-          <a:bodyPr rtlCol="0" anchor="ctr"/>
-          <a:lstStyle/>
-          <a:p>
-            <a:pPr algn="ctr"/>
-            <a:endParaRPr lang="en-US"/>
+            <a:pPr indent="-228600">
+              <a:lnSpc>
+                <a:spcPct val="90000"/>
+              </a:lnSpc>
+              <a:spcBef>
+                <a:spcPct val="0"/>
+              </a:spcBef>
+              <a:spcAft>
+                <a:spcPts val="600"/>
+              </a:spcAft>
+              <a:buFont typeface="Arial" panose="020B0604020202020204" pitchFamily="34" charset="0"/>
+              <a:buChar char="•"/>
+            </a:pPr>
+            <a:r>
+              <a:rPr lang="zh-CN" altLang="en-US" sz="4800" dirty="0"/>
+              <a:t>管理员内容静态建模</a:t>
+            </a:r>
           </a:p>
         </p:txBody>
       </p:sp>
       <p:pic>
         <p:nvPicPr>
-          <p:cNvPr id="3" name="图片 2" descr="图形用户界面, 应用程序&#10;&#10;描述已自动生成">
+          <p:cNvPr id="5" name="图片 4">
             <a:extLst>
               <a:ext uri="{FF2B5EF4-FFF2-40B4-BE49-F238E27FC236}">
-                <a16:creationId xmlns:a16="http://schemas.microsoft.com/office/drawing/2014/main" id="{72BACD78-701F-4E60-B822-61AAAEA38B62}"/>
+                <a16:creationId xmlns:a16="http://schemas.microsoft.com/office/drawing/2014/main" id="{CB8BB91B-D0FB-4997-846B-794DB2B697EE}"/>
               </a:ext>
             </a:extLst>
           </p:cNvPr>
@@ -22306,287 +23300,125 @@
           </p:cNvPicPr>
           <p:nvPr/>
         </p:nvPicPr>
-        <p:blipFill>
-          <a:blip r:embed="rId2">
-            <a:extLst>
-              <a:ext uri="{28A0092B-C50C-407E-A947-70E740481C1C}">
-                <a14:useLocalDpi xmlns:a14="http://schemas.microsoft.com/office/drawing/2010/main" val="0"/>
-              </a:ext>
-            </a:extLst>
-          </a:blip>
-          <a:stretch>
-            <a:fillRect/>
-          </a:stretch>
+        <p:blipFill rotWithShape="1">
+          <a:blip r:embed="rId2"/>
+          <a:srcRect r="-2" b="2365"/>
+          <a:stretch/>
         </p:blipFill>
         <p:spPr>
           <a:xfrm>
-            <a:off x="1840638" y="650497"/>
-            <a:ext cx="4011167" cy="5571066"/>
+            <a:off x="4639056" y="10"/>
+            <a:ext cx="7552944" cy="6857990"/>
           </a:xfrm>
           <a:prstGeom prst="rect">
             <a:avLst/>
           </a:prstGeom>
+          <a:effectLst/>
         </p:spPr>
       </p:pic>
-      <p:sp>
-        <p:nvSpPr>
-          <p:cNvPr id="21" name="Rectangle 20">
-            <a:extLst>
-              <a:ext uri="{FF2B5EF4-FFF2-40B4-BE49-F238E27FC236}">
-                <a16:creationId xmlns:a16="http://schemas.microsoft.com/office/drawing/2014/main" id="{D7D9F91F-72C9-4DB9-ABD0-A8180D8262D5}"/>
-              </a:ext>
-              <a:ext uri="{C183D7F6-B498-43B3-948B-1728B52AA6E4}">
-                <adec:decorative xmlns:adec="http://schemas.microsoft.com/office/drawing/2017/decorative" val="1"/>
-              </a:ext>
-            </a:extLst>
-          </p:cNvPr>
-          <p:cNvSpPr>
-            <a:spLocks noGrp="1" noRot="1" noChangeAspect="1" noMove="1" noResize="1" noEditPoints="1" noAdjustHandles="1" noChangeArrowheads="1" noChangeShapeType="1" noTextEdit="1"/>
-          </p:cNvSpPr>
-          <p:nvPr>
-            <p:extLst>
-              <p:ext uri="{386F3935-93C4-4BCD-93E2-E3B085C9AB24}">
-                <p16:designElem xmlns:p16="http://schemas.microsoft.com/office/powerpoint/2015/main" val="1"/>
-              </p:ext>
-            </p:extLst>
-          </p:nvPr>
-        </p:nvSpPr>
-        <p:spPr>
-          <a:xfrm>
-            <a:off x="7534655" y="480060"/>
-            <a:ext cx="4180332" cy="2788074"/>
-          </a:xfrm>
-          <a:prstGeom prst="rect">
-            <a:avLst/>
-          </a:prstGeom>
-          <a:solidFill>
-            <a:srgbClr val="FFFFFF"/>
-          </a:solidFill>
-          <a:ln w="19050">
-            <a:solidFill>
-              <a:schemeClr val="tx1">
-                <a:lumMod val="50000"/>
-                <a:lumOff val="50000"/>
-                <a:alpha val="80000"/>
-              </a:schemeClr>
-            </a:solidFill>
-          </a:ln>
-        </p:spPr>
-        <p:style>
-          <a:lnRef idx="2">
-            <a:schemeClr val="accent1">
-              <a:shade val="50000"/>
-            </a:schemeClr>
-          </a:lnRef>
-          <a:fillRef idx="1">
-            <a:schemeClr val="accent1"/>
-          </a:fillRef>
-          <a:effectRef idx="0">
-            <a:schemeClr val="accent1"/>
-          </a:effectRef>
-          <a:fontRef idx="minor">
-            <a:schemeClr val="lt1"/>
-          </a:fontRef>
-        </p:style>
-        <p:txBody>
-          <a:bodyPr rtlCol="0" anchor="ctr"/>
-          <a:lstStyle/>
-          <a:p>
-            <a:pPr algn="ctr"/>
-            <a:endParaRPr lang="en-US"/>
-          </a:p>
-        </p:txBody>
-      </p:sp>
-      <p:pic>
-        <p:nvPicPr>
-          <p:cNvPr id="12" name="图片 11" descr="图形用户界面, 应用程序&#10;&#10;描述已自动生成">
-            <a:extLst>
-              <a:ext uri="{FF2B5EF4-FFF2-40B4-BE49-F238E27FC236}">
-                <a16:creationId xmlns:a16="http://schemas.microsoft.com/office/drawing/2014/main" id="{7F6BD65A-B7D3-4F01-A1F9-9BECBEBD9D48}"/>
-              </a:ext>
-            </a:extLst>
-          </p:cNvPr>
-          <p:cNvPicPr>
-            <a:picLocks noChangeAspect="1"/>
-          </p:cNvPicPr>
-          <p:nvPr/>
-        </p:nvPicPr>
-        <p:blipFill>
-          <a:blip r:embed="rId3">
-            <a:extLst>
-              <a:ext uri="{28A0092B-C50C-407E-A947-70E740481C1C}">
-                <a14:useLocalDpi xmlns:a14="http://schemas.microsoft.com/office/drawing/2010/main" val="0"/>
-              </a:ext>
-            </a:extLst>
-          </a:blip>
-          <a:stretch>
-            <a:fillRect/>
-          </a:stretch>
-        </p:blipFill>
-        <p:spPr>
-          <a:xfrm>
-            <a:off x="7879928" y="643467"/>
-            <a:ext cx="3486834" cy="2475653"/>
-          </a:xfrm>
-          <a:prstGeom prst="rect">
-            <a:avLst/>
-          </a:prstGeom>
-        </p:spPr>
-      </p:pic>
-      <p:sp>
-        <p:nvSpPr>
-          <p:cNvPr id="23" name="Rectangle 22">
-            <a:extLst>
-              <a:ext uri="{FF2B5EF4-FFF2-40B4-BE49-F238E27FC236}">
-                <a16:creationId xmlns:a16="http://schemas.microsoft.com/office/drawing/2014/main" id="{BE016956-CE9F-4946-8834-A8BC3529D0F6}"/>
-              </a:ext>
-              <a:ext uri="{C183D7F6-B498-43B3-948B-1728B52AA6E4}">
-                <adec:decorative xmlns:adec="http://schemas.microsoft.com/office/drawing/2017/decorative" val="1"/>
-              </a:ext>
-            </a:extLst>
-          </p:cNvPr>
-          <p:cNvSpPr>
-            <a:spLocks noGrp="1" noRot="1" noChangeAspect="1" noMove="1" noResize="1" noEditPoints="1" noAdjustHandles="1" noChangeArrowheads="1" noChangeShapeType="1" noTextEdit="1"/>
-          </p:cNvSpPr>
-          <p:nvPr>
-            <p:extLst>
-              <p:ext uri="{386F3935-93C4-4BCD-93E2-E3B085C9AB24}">
-                <p16:designElem xmlns:p16="http://schemas.microsoft.com/office/powerpoint/2015/main" val="1"/>
-              </p:ext>
-            </p:extLst>
-          </p:nvPr>
-        </p:nvSpPr>
-        <p:spPr>
-          <a:xfrm>
-            <a:off x="7534655" y="3603670"/>
-            <a:ext cx="4180332" cy="2788074"/>
-          </a:xfrm>
-          <a:prstGeom prst="rect">
-            <a:avLst/>
-          </a:prstGeom>
-          <a:solidFill>
-            <a:srgbClr val="FFFFFF"/>
-          </a:solidFill>
-          <a:ln w="19050">
-            <a:solidFill>
-              <a:schemeClr val="tx1">
-                <a:lumMod val="50000"/>
-                <a:lumOff val="50000"/>
-                <a:alpha val="80000"/>
-              </a:schemeClr>
-            </a:solidFill>
-          </a:ln>
-        </p:spPr>
-        <p:style>
-          <a:lnRef idx="2">
-            <a:schemeClr val="accent1">
-              <a:shade val="50000"/>
-            </a:schemeClr>
-          </a:lnRef>
-          <a:fillRef idx="1">
-            <a:schemeClr val="accent1"/>
-          </a:fillRef>
-          <a:effectRef idx="0">
-            <a:schemeClr val="accent1"/>
-          </a:effectRef>
-          <a:fontRef idx="minor">
-            <a:schemeClr val="lt1"/>
-          </a:fontRef>
-        </p:style>
-        <p:txBody>
-          <a:bodyPr rtlCol="0" anchor="ctr"/>
-          <a:lstStyle/>
-          <a:p>
-            <a:pPr algn="ctr"/>
-            <a:endParaRPr lang="en-US"/>
-          </a:p>
-        </p:txBody>
-      </p:sp>
-      <p:pic>
-        <p:nvPicPr>
-          <p:cNvPr id="10" name="图片 9" descr="图形用户界面, 应用程序&#10;&#10;描述已自动生成">
-            <a:extLst>
-              <a:ext uri="{FF2B5EF4-FFF2-40B4-BE49-F238E27FC236}">
-                <a16:creationId xmlns:a16="http://schemas.microsoft.com/office/drawing/2014/main" id="{FA446D5C-73B4-45DA-BE0A-629D9F25757F}"/>
-              </a:ext>
-            </a:extLst>
-          </p:cNvPr>
-          <p:cNvPicPr>
-            <a:picLocks noChangeAspect="1"/>
-          </p:cNvPicPr>
-          <p:nvPr/>
-        </p:nvPicPr>
-        <p:blipFill>
-          <a:blip r:embed="rId4">
-            <a:extLst>
-              <a:ext uri="{28A0092B-C50C-407E-A947-70E740481C1C}">
-                <a14:useLocalDpi xmlns:a14="http://schemas.microsoft.com/office/drawing/2010/main" val="0"/>
-              </a:ext>
-            </a:extLst>
-          </a:blip>
-          <a:stretch>
-            <a:fillRect/>
-          </a:stretch>
-        </p:blipFill>
-        <p:spPr>
-          <a:xfrm>
-            <a:off x="7882760" y="3748194"/>
-            <a:ext cx="3481170" cy="2471631"/>
-          </a:xfrm>
-          <a:prstGeom prst="rect">
-            <a:avLst/>
-          </a:prstGeom>
-        </p:spPr>
-      </p:pic>
-      <p:sp>
-        <p:nvSpPr>
-          <p:cNvPr id="18" name="文本框 17">
-            <a:extLst>
-              <a:ext uri="{FF2B5EF4-FFF2-40B4-BE49-F238E27FC236}">
-                <a16:creationId xmlns:a16="http://schemas.microsoft.com/office/drawing/2014/main" id="{30057DAB-09D8-48AA-82F6-981E2EB7BFDE}"/>
-              </a:ext>
-            </a:extLst>
-          </p:cNvPr>
-          <p:cNvSpPr txBox="1"/>
-          <p:nvPr/>
-        </p:nvSpPr>
-        <p:spPr>
-          <a:xfrm>
-            <a:off x="4897416" y="3955942"/>
-            <a:ext cx="6045869" cy="707886"/>
-          </a:xfrm>
-          <a:prstGeom prst="rect">
-            <a:avLst/>
-          </a:prstGeom>
-          <a:noFill/>
-        </p:spPr>
-        <p:txBody>
-          <a:bodyPr wrap="square">
-            <a:spAutoFit/>
-          </a:bodyPr>
-          <a:lstStyle/>
-          <a:p>
-            <a:r>
-              <a:rPr lang="zh-CN" altLang="en-US" sz="4000" dirty="0"/>
-              <a:t>应用设计</a:t>
-            </a:r>
-          </a:p>
-        </p:txBody>
-      </p:sp>
     </p:spTree>
     <p:extLst>
       <p:ext uri="{BB962C8B-B14F-4D97-AF65-F5344CB8AC3E}">
-        <p14:creationId xmlns:p14="http://schemas.microsoft.com/office/powerpoint/2010/main" val="1737673205"/>
+        <p14:creationId xmlns:p14="http://schemas.microsoft.com/office/powerpoint/2010/main" val="1834825166"/>
       </p:ext>
     </p:extLst>
   </p:cSld>
   <p:clrMapOvr>
     <a:masterClrMapping/>
   </p:clrMapOvr>
+  <p:timing>
+    <p:tnLst>
+      <p:par>
+        <p:cTn id="1" dur="indefinite" restart="never" nodeType="tmRoot">
+          <p:childTnLst>
+            <p:seq concurrent="1" nextAc="seek">
+              <p:cTn id="2" dur="indefinite" nodeType="mainSeq">
+                <p:childTnLst>
+                  <p:par>
+                    <p:cTn id="3" fill="hold">
+                      <p:stCondLst>
+                        <p:cond delay="indefinite"/>
+                        <p:cond evt="onBegin" delay="0">
+                          <p:tn val="2"/>
+                        </p:cond>
+                      </p:stCondLst>
+                      <p:childTnLst>
+                        <p:par>
+                          <p:cTn id="4" fill="hold">
+                            <p:stCondLst>
+                              <p:cond delay="0"/>
+                            </p:stCondLst>
+                            <p:childTnLst>
+                              <p:par>
+                                <p:cTn id="5" presetID="10" presetClass="entr" presetSubtype="0" fill="hold" nodeType="withEffect">
+                                  <p:stCondLst>
+                                    <p:cond delay="0"/>
+                                  </p:stCondLst>
+                                  <p:iterate>
+                                    <p:tmPct val="10000"/>
+                                  </p:iterate>
+                                  <p:childTnLst>
+                                    <p:set>
+                                      <p:cBhvr>
+                                        <p:cTn id="6" dur="1" fill="hold">
+                                          <p:stCondLst>
+                                            <p:cond delay="0"/>
+                                          </p:stCondLst>
+                                        </p:cTn>
+                                        <p:tgtEl>
+                                          <p:spTgt spid="5"/>
+                                        </p:tgtEl>
+                                        <p:attrNameLst>
+                                          <p:attrName>style.visibility</p:attrName>
+                                        </p:attrNameLst>
+                                      </p:cBhvr>
+                                      <p:to>
+                                        <p:strVal val="visible"/>
+                                      </p:to>
+                                    </p:set>
+                                    <p:animEffect transition="in" filter="fade">
+                                      <p:cBhvr>
+                                        <p:cTn id="7" dur="700"/>
+                                        <p:tgtEl>
+                                          <p:spTgt spid="5"/>
+                                        </p:tgtEl>
+                                      </p:cBhvr>
+                                    </p:animEffect>
+                                  </p:childTnLst>
+                                </p:cTn>
+                              </p:par>
+                            </p:childTnLst>
+                          </p:cTn>
+                        </p:par>
+                      </p:childTnLst>
+                    </p:cTn>
+                  </p:par>
+                </p:childTnLst>
+              </p:cTn>
+              <p:prevCondLst>
+                <p:cond evt="onPrev" delay="0">
+                  <p:tgtEl>
+                    <p:sldTgt/>
+                  </p:tgtEl>
+                </p:cond>
+              </p:prevCondLst>
+              <p:nextCondLst>
+                <p:cond evt="onNext" delay="0">
+                  <p:tgtEl>
+                    <p:sldTgt/>
+                  </p:tgtEl>
+                </p:cond>
+              </p:nextCondLst>
+            </p:seq>
+          </p:childTnLst>
+        </p:cTn>
+      </p:par>
+    </p:tnLst>
+  </p:timing>
 </p:sld>
 </file>
 
-<file path=ppt/slides/slide14.xml><?xml version="1.0" encoding="utf-8"?>
+<file path=ppt/slides/slide5.xml><?xml version="1.0" encoding="utf-8"?>
 <p:sld xmlns:a="http://schemas.openxmlformats.org/drawingml/2006/main" xmlns:r="http://schemas.openxmlformats.org/officeDocument/2006/relationships" xmlns:p="http://schemas.openxmlformats.org/presentationml/2006/main">
   <p:cSld>
     <p:bg>
@@ -22611,12 +23443,168 @@
           <a:chExt cx="0" cy="0"/>
         </a:xfrm>
       </p:grpSpPr>
+      <p:cxnSp>
+        <p:nvCxnSpPr>
+          <p:cNvPr id="29" name="Straight Connector 28">
+            <a:extLst>
+              <a:ext uri="{FF2B5EF4-FFF2-40B4-BE49-F238E27FC236}">
+                <a16:creationId xmlns:a16="http://schemas.microsoft.com/office/drawing/2014/main" id="{91B6081D-D3E8-4209-B85B-EB1C655A6272}"/>
+              </a:ext>
+              <a:ext uri="{C183D7F6-B498-43B3-948B-1728B52AA6E4}">
+                <adec:decorative xmlns:adec="http://schemas.microsoft.com/office/drawing/2017/decorative" val="1"/>
+              </a:ext>
+            </a:extLst>
+          </p:cNvPr>
+          <p:cNvCxnSpPr>
+            <a:cxnSpLocks noGrp="1" noRot="1" noChangeAspect="1" noMove="1" noResize="1" noEditPoints="1" noAdjustHandles="1" noChangeArrowheads="1" noChangeShapeType="1"/>
+          </p:cNvCxnSpPr>
+          <p:nvPr>
+            <p:extLst>
+              <p:ext uri="{386F3935-93C4-4BCD-93E2-E3B085C9AB24}">
+                <p16:designElem xmlns:p16="http://schemas.microsoft.com/office/powerpoint/2015/main" val="1"/>
+              </p:ext>
+            </p:extLst>
+          </p:nvPr>
+        </p:nvCxnSpPr>
+        <p:spPr>
+          <a:xfrm>
+            <a:off x="6091214" y="1111170"/>
+            <a:ext cx="11040" cy="4645103"/>
+          </a:xfrm>
+          <a:prstGeom prst="line">
+            <a:avLst/>
+          </a:prstGeom>
+          <a:ln w="19050">
+            <a:solidFill>
+              <a:srgbClr val="7F7F7F"/>
+            </a:solidFill>
+          </a:ln>
+        </p:spPr>
+        <p:style>
+          <a:lnRef idx="1">
+            <a:schemeClr val="accent1"/>
+          </a:lnRef>
+          <a:fillRef idx="0">
+            <a:schemeClr val="accent1"/>
+          </a:fillRef>
+          <a:effectRef idx="0">
+            <a:schemeClr val="accent1"/>
+          </a:effectRef>
+          <a:fontRef idx="minor">
+            <a:schemeClr val="tx1"/>
+          </a:fontRef>
+        </p:style>
+      </p:cxnSp>
+      <p:cxnSp>
+        <p:nvCxnSpPr>
+          <p:cNvPr id="34" name="Straight Connector 30">
+            <a:extLst>
+              <a:ext uri="{FF2B5EF4-FFF2-40B4-BE49-F238E27FC236}">
+                <a16:creationId xmlns:a16="http://schemas.microsoft.com/office/drawing/2014/main" id="{28CA55E4-1295-45C8-BA05-5A9E705B749A}"/>
+              </a:ext>
+              <a:ext uri="{C183D7F6-B498-43B3-948B-1728B52AA6E4}">
+                <adec:decorative xmlns:adec="http://schemas.microsoft.com/office/drawing/2017/decorative" val="1"/>
+              </a:ext>
+            </a:extLst>
+          </p:cNvPr>
+          <p:cNvCxnSpPr>
+            <a:cxnSpLocks noGrp="1" noRot="1" noChangeAspect="1" noMove="1" noResize="1" noEditPoints="1" noAdjustHandles="1" noChangeArrowheads="1" noChangeShapeType="1"/>
+          </p:cNvCxnSpPr>
+          <p:nvPr>
+            <p:extLst>
+              <p:ext uri="{386F3935-93C4-4BCD-93E2-E3B085C9AB24}">
+                <p16:designElem xmlns:p16="http://schemas.microsoft.com/office/powerpoint/2015/main" val="1"/>
+              </p:ext>
+            </p:extLst>
+          </p:nvPr>
+        </p:nvCxnSpPr>
+        <p:spPr>
+          <a:xfrm>
+            <a:off x="1403027" y="3428998"/>
+            <a:ext cx="4188904" cy="1"/>
+          </a:xfrm>
+          <a:prstGeom prst="line">
+            <a:avLst/>
+          </a:prstGeom>
+          <a:ln w="19050">
+            <a:solidFill>
+              <a:srgbClr val="7F7F7F"/>
+            </a:solidFill>
+          </a:ln>
+        </p:spPr>
+        <p:style>
+          <a:lnRef idx="1">
+            <a:schemeClr val="accent1"/>
+          </a:lnRef>
+          <a:fillRef idx="0">
+            <a:schemeClr val="accent1"/>
+          </a:fillRef>
+          <a:effectRef idx="0">
+            <a:schemeClr val="accent1"/>
+          </a:effectRef>
+          <a:fontRef idx="minor">
+            <a:schemeClr val="tx1"/>
+          </a:fontRef>
+        </p:style>
+      </p:cxnSp>
+      <p:cxnSp>
+        <p:nvCxnSpPr>
+          <p:cNvPr id="33" name="Straight Connector 32">
+            <a:extLst>
+              <a:ext uri="{FF2B5EF4-FFF2-40B4-BE49-F238E27FC236}">
+                <a16:creationId xmlns:a16="http://schemas.microsoft.com/office/drawing/2014/main" id="{08C5794E-A9A1-4A23-AF68-C79A7822334C}"/>
+              </a:ext>
+              <a:ext uri="{C183D7F6-B498-43B3-948B-1728B52AA6E4}">
+                <adec:decorative xmlns:adec="http://schemas.microsoft.com/office/drawing/2017/decorative" val="1"/>
+              </a:ext>
+            </a:extLst>
+          </p:cNvPr>
+          <p:cNvCxnSpPr>
+            <a:cxnSpLocks noGrp="1" noRot="1" noChangeAspect="1" noMove="1" noResize="1" noEditPoints="1" noAdjustHandles="1" noChangeArrowheads="1" noChangeShapeType="1"/>
+          </p:cNvCxnSpPr>
+          <p:nvPr>
+            <p:extLst>
+              <p:ext uri="{386F3935-93C4-4BCD-93E2-E3B085C9AB24}">
+                <p16:designElem xmlns:p16="http://schemas.microsoft.com/office/powerpoint/2015/main" val="1"/>
+              </p:ext>
+            </p:extLst>
+          </p:nvPr>
+        </p:nvCxnSpPr>
+        <p:spPr>
+          <a:xfrm>
+            <a:off x="6610334" y="3428998"/>
+            <a:ext cx="4188904" cy="1"/>
+          </a:xfrm>
+          <a:prstGeom prst="line">
+            <a:avLst/>
+          </a:prstGeom>
+          <a:ln w="19050">
+            <a:solidFill>
+              <a:srgbClr val="7F7F7F"/>
+            </a:solidFill>
+          </a:ln>
+        </p:spPr>
+        <p:style>
+          <a:lnRef idx="1">
+            <a:schemeClr val="accent1"/>
+          </a:lnRef>
+          <a:fillRef idx="0">
+            <a:schemeClr val="accent1"/>
+          </a:fillRef>
+          <a:effectRef idx="0">
+            <a:schemeClr val="accent1"/>
+          </a:effectRef>
+          <a:fontRef idx="minor">
+            <a:schemeClr val="tx1"/>
+          </a:fontRef>
+        </p:style>
+      </p:cxnSp>
       <p:pic>
         <p:nvPicPr>
-          <p:cNvPr id="7" name="图片 6" descr="图形用户界面, 应用程序&#10;&#10;描述已自动生成">
+          <p:cNvPr id="11" name="图片 10">
             <a:extLst>
               <a:ext uri="{FF2B5EF4-FFF2-40B4-BE49-F238E27FC236}">
-                <a16:creationId xmlns:a16="http://schemas.microsoft.com/office/drawing/2014/main" id="{05FFF938-D199-4D34-A473-9D29707511BC}"/>
+                <a16:creationId xmlns:a16="http://schemas.microsoft.com/office/drawing/2014/main" id="{5E43517D-2DB7-430D-8DFE-B6B9654AD0BC}"/>
               </a:ext>
             </a:extLst>
           </p:cNvPr>
@@ -22626,21 +23614,15 @@
           <p:nvPr/>
         </p:nvPicPr>
         <p:blipFill>
-          <a:blip r:embed="rId2">
-            <a:extLst>
-              <a:ext uri="{28A0092B-C50C-407E-A947-70E740481C1C}">
-                <a14:useLocalDpi xmlns:a14="http://schemas.microsoft.com/office/drawing/2010/main" val="0"/>
-              </a:ext>
-            </a:extLst>
-          </a:blip>
+          <a:blip r:embed="rId2"/>
           <a:stretch>
             <a:fillRect/>
           </a:stretch>
         </p:blipFill>
         <p:spPr>
           <a:xfrm>
-            <a:off x="643467" y="1550458"/>
-            <a:ext cx="5291666" cy="3757083"/>
+            <a:off x="1644887" y="629920"/>
+            <a:ext cx="4196686" cy="2657517"/>
           </a:xfrm>
           <a:prstGeom prst="rect">
             <a:avLst/>
@@ -22649,10 +23631,10 @@
       </p:pic>
       <p:pic>
         <p:nvPicPr>
-          <p:cNvPr id="6" name="图片 5" descr="图形用户界面, 应用程序&#10;&#10;描述已自动生成">
+          <p:cNvPr id="13" name="图片 12">
             <a:extLst>
               <a:ext uri="{FF2B5EF4-FFF2-40B4-BE49-F238E27FC236}">
-                <a16:creationId xmlns:a16="http://schemas.microsoft.com/office/drawing/2014/main" id="{531ADAC7-719B-43FD-966A-B5D17AB8C676}"/>
+                <a16:creationId xmlns:a16="http://schemas.microsoft.com/office/drawing/2014/main" id="{171F4E64-2431-454D-A9C4-BFE583EB0FB9}"/>
               </a:ext>
             </a:extLst>
           </p:cNvPr>
@@ -22662,31 +23644,120 @@
           <p:nvPr/>
         </p:nvPicPr>
         <p:blipFill>
-          <a:blip r:embed="rId3">
-            <a:extLst>
-              <a:ext uri="{28A0092B-C50C-407E-A947-70E740481C1C}">
-                <a14:useLocalDpi xmlns:a14="http://schemas.microsoft.com/office/drawing/2010/main" val="0"/>
-              </a:ext>
-            </a:extLst>
-          </a:blip>
+          <a:blip r:embed="rId3"/>
           <a:stretch>
             <a:fillRect/>
           </a:stretch>
         </p:blipFill>
         <p:spPr>
           <a:xfrm>
-            <a:off x="6256865" y="1550458"/>
-            <a:ext cx="5291667" cy="3757083"/>
+            <a:off x="6768524" y="983134"/>
+            <a:ext cx="4733952" cy="1951087"/>
           </a:xfrm>
           <a:prstGeom prst="rect">
             <a:avLst/>
           </a:prstGeom>
         </p:spPr>
       </p:pic>
+      <p:pic>
+        <p:nvPicPr>
+          <p:cNvPr id="21" name="图片 20">
+            <a:extLst>
+              <a:ext uri="{FF2B5EF4-FFF2-40B4-BE49-F238E27FC236}">
+                <a16:creationId xmlns:a16="http://schemas.microsoft.com/office/drawing/2014/main" id="{1DE4B593-EEEA-4FFE-8D76-E14501300DFB}"/>
+              </a:ext>
+            </a:extLst>
+          </p:cNvPr>
+          <p:cNvPicPr>
+            <a:picLocks noChangeAspect="1"/>
+          </p:cNvPicPr>
+          <p:nvPr/>
+        </p:nvPicPr>
+        <p:blipFill>
+          <a:blip r:embed="rId4"/>
+          <a:stretch>
+            <a:fillRect/>
+          </a:stretch>
+        </p:blipFill>
+        <p:spPr>
+          <a:xfrm>
+            <a:off x="358519" y="3696140"/>
+            <a:ext cx="5483053" cy="1431274"/>
+          </a:xfrm>
+          <a:prstGeom prst="rect">
+            <a:avLst/>
+          </a:prstGeom>
+        </p:spPr>
+      </p:pic>
+      <p:pic>
+        <p:nvPicPr>
+          <p:cNvPr id="25" name="图片 24">
+            <a:extLst>
+              <a:ext uri="{FF2B5EF4-FFF2-40B4-BE49-F238E27FC236}">
+                <a16:creationId xmlns:a16="http://schemas.microsoft.com/office/drawing/2014/main" id="{44DFED9A-B325-45C7-8A42-AD054E726268}"/>
+              </a:ext>
+            </a:extLst>
+          </p:cNvPr>
+          <p:cNvPicPr>
+            <a:picLocks noChangeAspect="1"/>
+          </p:cNvPicPr>
+          <p:nvPr/>
+        </p:nvPicPr>
+        <p:blipFill>
+          <a:blip r:embed="rId5"/>
+          <a:stretch>
+            <a:fillRect/>
+          </a:stretch>
+        </p:blipFill>
+        <p:spPr>
+          <a:xfrm>
+            <a:off x="6432846" y="4048046"/>
+            <a:ext cx="5069630" cy="556162"/>
+          </a:xfrm>
+          <a:prstGeom prst="rect">
+            <a:avLst/>
+          </a:prstGeom>
+        </p:spPr>
+      </p:pic>
+      <p:sp>
+        <p:nvSpPr>
+          <p:cNvPr id="26" name="文本框 25">
+            <a:extLst>
+              <a:ext uri="{FF2B5EF4-FFF2-40B4-BE49-F238E27FC236}">
+                <a16:creationId xmlns:a16="http://schemas.microsoft.com/office/drawing/2014/main" id="{1214D0D8-2A88-4A40-8F0A-94CB2D635A80}"/>
+              </a:ext>
+            </a:extLst>
+          </p:cNvPr>
+          <p:cNvSpPr txBox="1"/>
+          <p:nvPr/>
+        </p:nvSpPr>
+        <p:spPr>
+          <a:xfrm>
+            <a:off x="257386" y="528319"/>
+            <a:ext cx="2546773" cy="1077218"/>
+          </a:xfrm>
+          <a:prstGeom prst="rect">
+            <a:avLst/>
+          </a:prstGeom>
+          <a:noFill/>
+        </p:spPr>
+        <p:txBody>
+          <a:bodyPr wrap="square" rtlCol="0">
+            <a:spAutoFit/>
+          </a:bodyPr>
+          <a:lstStyle/>
+          <a:p>
+            <a:r>
+              <a:rPr lang="zh-CN" altLang="en-US" sz="3200" dirty="0"/>
+              <a:t>管理员内容动态建模</a:t>
+            </a:r>
+          </a:p>
+        </p:txBody>
+      </p:sp>
     </p:spTree>
     <p:extLst>
       <p:ext uri="{BB962C8B-B14F-4D97-AF65-F5344CB8AC3E}">
-        <p14:creationId xmlns:p14="http://schemas.microsoft.com/office/powerpoint/2010/main" val="2897682089"/>
+        <p14:creationId xmlns:p14="http://schemas.microsoft.com/office/powerpoint/2010/main" val="3578345090"/>
       </p:ext>
     </p:extLst>
   </p:cSld>
@@ -22696,7 +23767,7 @@
 </p:sld>
 </file>
 
-<file path=ppt/slides/slide15.xml><?xml version="1.0" encoding="utf-8"?>
+<file path=ppt/slides/slide6.xml><?xml version="1.0" encoding="utf-8"?>
 <p:sld xmlns:a="http://schemas.openxmlformats.org/drawingml/2006/main" xmlns:r="http://schemas.openxmlformats.org/officeDocument/2006/relationships" xmlns:p="http://schemas.openxmlformats.org/presentationml/2006/main">
   <p:cSld>
     <p:bg>
@@ -23194,1756 +24265,9 @@
 </p:sld>
 </file>
 
-<file path=ppt/slides/slide16.xml><?xml version="1.0" encoding="utf-8"?>
+<file path=ppt/slides/slide7.xml><?xml version="1.0" encoding="utf-8"?>
 <p:sld xmlns:a="http://schemas.openxmlformats.org/drawingml/2006/main" xmlns:r="http://schemas.openxmlformats.org/officeDocument/2006/relationships" xmlns:p="http://schemas.openxmlformats.org/presentationml/2006/main">
   <p:cSld>
-    <p:bg>
-      <p:bgPr>
-        <a:solidFill>
-          <a:schemeClr val="bg1"/>
-        </a:solidFill>
-        <a:effectLst/>
-      </p:bgPr>
-    </p:bg>
-    <p:spTree>
-      <p:nvGrpSpPr>
-        <p:cNvPr id="1" name=""/>
-        <p:cNvGrpSpPr/>
-        <p:nvPr/>
-      </p:nvGrpSpPr>
-      <p:grpSpPr>
-        <a:xfrm>
-          <a:off x="0" y="0"/>
-          <a:ext cx="0" cy="0"/>
-          <a:chOff x="0" y="0"/>
-          <a:chExt cx="0" cy="0"/>
-        </a:xfrm>
-      </p:grpSpPr>
-      <p:sp useBgFill="1">
-        <p:nvSpPr>
-          <p:cNvPr id="22" name="Rectangle 9">
-            <a:extLst>
-              <a:ext uri="{FF2B5EF4-FFF2-40B4-BE49-F238E27FC236}">
-                <a16:creationId xmlns:a16="http://schemas.microsoft.com/office/drawing/2014/main" id="{22F15A2D-2324-487D-A02A-BF46C5C580EB}"/>
-              </a:ext>
-              <a:ext uri="{C183D7F6-B498-43B3-948B-1728B52AA6E4}">
-                <adec:decorative xmlns:adec="http://schemas.microsoft.com/office/drawing/2017/decorative" val="1"/>
-              </a:ext>
-            </a:extLst>
-          </p:cNvPr>
-          <p:cNvSpPr>
-            <a:spLocks noGrp="1" noRot="1" noChangeAspect="1" noMove="1" noResize="1" noEditPoints="1" noAdjustHandles="1" noChangeArrowheads="1" noChangeShapeType="1" noTextEdit="1"/>
-          </p:cNvSpPr>
-          <p:nvPr>
-            <p:extLst>
-              <p:ext uri="{386F3935-93C4-4BCD-93E2-E3B085C9AB24}">
-                <p16:designElem xmlns:p16="http://schemas.microsoft.com/office/powerpoint/2015/main" val="1"/>
-              </p:ext>
-            </p:extLst>
-          </p:nvPr>
-        </p:nvSpPr>
-        <p:spPr>
-          <a:xfrm>
-            <a:off x="0" y="0"/>
-            <a:ext cx="12192000" cy="6858000"/>
-          </a:xfrm>
-          <a:prstGeom prst="rect">
-            <a:avLst/>
-          </a:prstGeom>
-          <a:ln>
-            <a:noFill/>
-          </a:ln>
-        </p:spPr>
-        <p:style>
-          <a:lnRef idx="2">
-            <a:schemeClr val="accent1">
-              <a:shade val="50000"/>
-            </a:schemeClr>
-          </a:lnRef>
-          <a:fillRef idx="1">
-            <a:schemeClr val="accent1"/>
-          </a:fillRef>
-          <a:effectRef idx="0">
-            <a:schemeClr val="accent1"/>
-          </a:effectRef>
-          <a:fontRef idx="minor">
-            <a:schemeClr val="lt1"/>
-          </a:fontRef>
-        </p:style>
-        <p:txBody>
-          <a:bodyPr rtlCol="0" anchor="ctr"/>
-          <a:lstStyle/>
-          <a:p>
-            <a:pPr algn="ctr"/>
-            <a:endParaRPr lang="en-US"/>
-          </a:p>
-        </p:txBody>
-      </p:sp>
-      <p:sp>
-        <p:nvSpPr>
-          <p:cNvPr id="23" name="Right Triangle 11">
-            <a:extLst>
-              <a:ext uri="{FF2B5EF4-FFF2-40B4-BE49-F238E27FC236}">
-                <a16:creationId xmlns:a16="http://schemas.microsoft.com/office/drawing/2014/main" id="{2AEAFA59-923A-4F54-8B49-44C970BCC323}"/>
-              </a:ext>
-              <a:ext uri="{C183D7F6-B498-43B3-948B-1728B52AA6E4}">
-                <adec:decorative xmlns:adec="http://schemas.microsoft.com/office/drawing/2017/decorative" val="1"/>
-              </a:ext>
-            </a:extLst>
-          </p:cNvPr>
-          <p:cNvSpPr>
-            <a:spLocks noGrp="1" noRot="1" noChangeAspect="1" noMove="1" noResize="1" noEditPoints="1" noAdjustHandles="1" noChangeArrowheads="1" noChangeShapeType="1" noTextEdit="1"/>
-          </p:cNvSpPr>
-          <p:nvPr>
-            <p:extLst>
-              <p:ext uri="{386F3935-93C4-4BCD-93E2-E3B085C9AB24}">
-                <p16:designElem xmlns:p16="http://schemas.microsoft.com/office/powerpoint/2015/main" val="1"/>
-              </p:ext>
-            </p:extLst>
-          </p:nvPr>
-        </p:nvSpPr>
-        <p:spPr>
-          <a:xfrm flipH="1">
-            <a:off x="8576720" y="3335867"/>
-            <a:ext cx="3291840" cy="3200400"/>
-          </a:xfrm>
-          <a:prstGeom prst="rtTriangle">
-            <a:avLst/>
-          </a:prstGeom>
-          <a:solidFill>
-            <a:schemeClr val="accent4"/>
-          </a:solidFill>
-          <a:ln>
-            <a:noFill/>
-          </a:ln>
-        </p:spPr>
-        <p:style>
-          <a:lnRef idx="2">
-            <a:schemeClr val="accent1">
-              <a:shade val="50000"/>
-            </a:schemeClr>
-          </a:lnRef>
-          <a:fillRef idx="1">
-            <a:schemeClr val="accent1"/>
-          </a:fillRef>
-          <a:effectRef idx="0">
-            <a:schemeClr val="accent1"/>
-          </a:effectRef>
-          <a:fontRef idx="minor">
-            <a:schemeClr val="lt1"/>
-          </a:fontRef>
-        </p:style>
-        <p:txBody>
-          <a:bodyPr rtlCol="0" anchor="ctr"/>
-          <a:lstStyle/>
-          <a:p>
-            <a:pPr algn="ctr"/>
-            <a:endParaRPr lang="en-US" dirty="0"/>
-          </a:p>
-        </p:txBody>
-      </p:sp>
-      <p:sp>
-        <p:nvSpPr>
-          <p:cNvPr id="14" name="Rectangle 13">
-            <a:extLst>
-              <a:ext uri="{FF2B5EF4-FFF2-40B4-BE49-F238E27FC236}">
-                <a16:creationId xmlns:a16="http://schemas.microsoft.com/office/drawing/2014/main" id="{C37E9D4B-7BFA-4D10-B666-547BAC499469}"/>
-              </a:ext>
-              <a:ext uri="{C183D7F6-B498-43B3-948B-1728B52AA6E4}">
-                <adec:decorative xmlns:adec="http://schemas.microsoft.com/office/drawing/2017/decorative" val="1"/>
-              </a:ext>
-            </a:extLst>
-          </p:cNvPr>
-          <p:cNvSpPr>
-            <a:spLocks noGrp="1" noRot="1" noChangeAspect="1" noMove="1" noResize="1" noEditPoints="1" noAdjustHandles="1" noChangeArrowheads="1" noChangeShapeType="1" noTextEdit="1"/>
-          </p:cNvSpPr>
-          <p:nvPr>
-            <p:extLst>
-              <p:ext uri="{386F3935-93C4-4BCD-93E2-E3B085C9AB24}">
-                <p16:designElem xmlns:p16="http://schemas.microsoft.com/office/powerpoint/2015/main" val="1"/>
-              </p:ext>
-            </p:extLst>
-          </p:nvPr>
-        </p:nvSpPr>
-        <p:spPr>
-          <a:xfrm>
-            <a:off x="641774" y="623275"/>
-            <a:ext cx="10905053" cy="5607882"/>
-          </a:xfrm>
-          <a:prstGeom prst="rect">
-            <a:avLst/>
-          </a:prstGeom>
-          <a:noFill/>
-          <a:ln w="19050">
-            <a:solidFill>
-              <a:schemeClr val="tx1">
-                <a:lumMod val="75000"/>
-                <a:lumOff val="25000"/>
-              </a:schemeClr>
-            </a:solidFill>
-          </a:ln>
-        </p:spPr>
-        <p:style>
-          <a:lnRef idx="2">
-            <a:schemeClr val="accent1">
-              <a:shade val="50000"/>
-            </a:schemeClr>
-          </a:lnRef>
-          <a:fillRef idx="1">
-            <a:schemeClr val="accent1"/>
-          </a:fillRef>
-          <a:effectRef idx="0">
-            <a:schemeClr val="accent1"/>
-          </a:effectRef>
-          <a:fontRef idx="minor">
-            <a:schemeClr val="lt1"/>
-          </a:fontRef>
-        </p:style>
-        <p:txBody>
-          <a:bodyPr rtlCol="0" anchor="ctr"/>
-          <a:lstStyle/>
-          <a:p>
-            <a:pPr algn="ctr"/>
-            <a:endParaRPr lang="en-US"/>
-          </a:p>
-        </p:txBody>
-      </p:sp>
-      <p:pic>
-        <p:nvPicPr>
-          <p:cNvPr id="5" name="图片 4">
-            <a:extLst>
-              <a:ext uri="{FF2B5EF4-FFF2-40B4-BE49-F238E27FC236}">
-                <a16:creationId xmlns:a16="http://schemas.microsoft.com/office/drawing/2014/main" id="{25DCF9EA-2D58-4F72-B88C-FFFE969A7069}"/>
-              </a:ext>
-            </a:extLst>
-          </p:cNvPr>
-          <p:cNvPicPr>
-            <a:picLocks noChangeAspect="1"/>
-          </p:cNvPicPr>
-          <p:nvPr/>
-        </p:nvPicPr>
-        <p:blipFill>
-          <a:blip r:embed="rId2"/>
-          <a:stretch>
-            <a:fillRect/>
-          </a:stretch>
-        </p:blipFill>
-        <p:spPr>
-          <a:xfrm>
-            <a:off x="797786" y="2839452"/>
-            <a:ext cx="6983758" cy="2688747"/>
-          </a:xfrm>
-          <a:prstGeom prst="rect">
-            <a:avLst/>
-          </a:prstGeom>
-        </p:spPr>
-      </p:pic>
-      <p:pic>
-        <p:nvPicPr>
-          <p:cNvPr id="3" name="Picture 2">
-            <a:extLst>
-              <a:ext uri="{FF2B5EF4-FFF2-40B4-BE49-F238E27FC236}">
-                <a16:creationId xmlns:a16="http://schemas.microsoft.com/office/drawing/2014/main" id="{F9E2AEAE-2FBE-4AC7-95C5-20B3E1845ACF}"/>
-              </a:ext>
-            </a:extLst>
-          </p:cNvPr>
-          <p:cNvPicPr>
-            <a:picLocks noChangeAspect="1" noChangeArrowheads="1"/>
-          </p:cNvPicPr>
-          <p:nvPr/>
-        </p:nvPicPr>
-        <p:blipFill>
-          <a:blip r:embed="rId3">
-            <a:extLst>
-              <a:ext uri="{28A0092B-C50C-407E-A947-70E740481C1C}">
-                <a14:useLocalDpi xmlns:a14="http://schemas.microsoft.com/office/drawing/2010/main" val="0"/>
-              </a:ext>
-            </a:extLst>
-          </a:blip>
-          <a:stretch>
-            <a:fillRect/>
-          </a:stretch>
-        </p:blipFill>
-        <p:spPr bwMode="auto">
-          <a:xfrm>
-            <a:off x="6651413" y="813413"/>
-            <a:ext cx="4801954" cy="2124863"/>
-          </a:xfrm>
-          <a:prstGeom prst="rect">
-            <a:avLst/>
-          </a:prstGeom>
-          <a:noFill/>
-          <a:extLst>
-            <a:ext uri="{909E8E84-426E-40DD-AFC4-6F175D3DCCD1}">
-              <a14:hiddenFill xmlns:a14="http://schemas.microsoft.com/office/drawing/2010/main">
-                <a:solidFill>
-                  <a:srgbClr val="FFFFFF"/>
-                </a:solidFill>
-              </a14:hiddenFill>
-            </a:ext>
-          </a:extLst>
-        </p:spPr>
-      </p:pic>
-      <p:sp>
-        <p:nvSpPr>
-          <p:cNvPr id="24" name="文本框 23">
-            <a:extLst>
-              <a:ext uri="{FF2B5EF4-FFF2-40B4-BE49-F238E27FC236}">
-                <a16:creationId xmlns:a16="http://schemas.microsoft.com/office/drawing/2014/main" id="{9646F867-CFA2-4973-BDA8-84414D3590D7}"/>
-              </a:ext>
-            </a:extLst>
-          </p:cNvPr>
-          <p:cNvSpPr txBox="1"/>
-          <p:nvPr/>
-        </p:nvSpPr>
-        <p:spPr>
-          <a:xfrm>
-            <a:off x="870285" y="1275679"/>
-            <a:ext cx="5049252" cy="1200329"/>
-          </a:xfrm>
-          <a:prstGeom prst="rect">
-            <a:avLst/>
-          </a:prstGeom>
-          <a:noFill/>
-        </p:spPr>
-        <p:txBody>
-          <a:bodyPr wrap="square">
-            <a:spAutoFit/>
-          </a:bodyPr>
-          <a:lstStyle/>
-          <a:p>
-            <a:r>
-              <a:rPr lang="en-US" altLang="zh-CN" b="0" i="0" dirty="0">
-                <a:solidFill>
-                  <a:srgbClr val="000000"/>
-                </a:solidFill>
-                <a:effectLst/>
-                <a:latin typeface="-apple-system"/>
-              </a:rPr>
-              <a:t>Django</a:t>
-            </a:r>
-            <a:r>
-              <a:rPr lang="zh-CN" altLang="en-US" b="0" i="0" dirty="0">
-                <a:solidFill>
-                  <a:srgbClr val="000000"/>
-                </a:solidFill>
-                <a:effectLst/>
-                <a:latin typeface="-apple-system"/>
-              </a:rPr>
-              <a:t>也是一个</a:t>
-            </a:r>
-            <a:r>
-              <a:rPr lang="en-US" altLang="zh-CN" b="0" i="0" dirty="0">
-                <a:solidFill>
-                  <a:srgbClr val="000000"/>
-                </a:solidFill>
-                <a:effectLst/>
-                <a:latin typeface="-apple-system"/>
-              </a:rPr>
-              <a:t>MVC</a:t>
-            </a:r>
-            <a:r>
-              <a:rPr lang="zh-CN" altLang="en-US" b="0" i="0" dirty="0">
-                <a:solidFill>
-                  <a:srgbClr val="000000"/>
-                </a:solidFill>
-                <a:effectLst/>
-                <a:latin typeface="-apple-system"/>
-              </a:rPr>
-              <a:t>框架。但是在</a:t>
-            </a:r>
-            <a:r>
-              <a:rPr lang="en-US" altLang="zh-CN" b="0" i="0" dirty="0">
-                <a:solidFill>
-                  <a:srgbClr val="000000"/>
-                </a:solidFill>
-                <a:effectLst/>
-                <a:latin typeface="-apple-system"/>
-              </a:rPr>
-              <a:t>Django</a:t>
-            </a:r>
-            <a:r>
-              <a:rPr lang="zh-CN" altLang="en-US" b="0" i="0" dirty="0">
-                <a:solidFill>
-                  <a:srgbClr val="000000"/>
-                </a:solidFill>
-                <a:effectLst/>
-                <a:latin typeface="-apple-system"/>
-              </a:rPr>
-              <a:t>中，控制器接受用户输入的部分由框架自行处理，所以 </a:t>
-            </a:r>
-            <a:r>
-              <a:rPr lang="en-US" altLang="zh-CN" b="0" i="0" dirty="0">
-                <a:solidFill>
-                  <a:srgbClr val="000000"/>
-                </a:solidFill>
-                <a:effectLst/>
-                <a:latin typeface="-apple-system"/>
-              </a:rPr>
-              <a:t>Django </a:t>
-            </a:r>
-            <a:r>
-              <a:rPr lang="zh-CN" altLang="en-US" b="0" i="0" dirty="0">
-                <a:solidFill>
-                  <a:srgbClr val="000000"/>
-                </a:solidFill>
-                <a:effectLst/>
-                <a:latin typeface="-apple-system"/>
-              </a:rPr>
-              <a:t>里更关注的是模型（</a:t>
-            </a:r>
-            <a:r>
-              <a:rPr lang="en-US" altLang="zh-CN" b="0" i="0" dirty="0">
-                <a:solidFill>
-                  <a:srgbClr val="000000"/>
-                </a:solidFill>
-                <a:effectLst/>
-                <a:latin typeface="-apple-system"/>
-              </a:rPr>
-              <a:t>Model</a:t>
-            </a:r>
-            <a:r>
-              <a:rPr lang="zh-CN" altLang="en-US" b="0" i="0" dirty="0">
-                <a:solidFill>
-                  <a:srgbClr val="000000"/>
-                </a:solidFill>
-                <a:effectLst/>
-                <a:latin typeface="-apple-system"/>
-              </a:rPr>
-              <a:t>）、模板</a:t>
-            </a:r>
-            <a:r>
-              <a:rPr lang="en-US" altLang="zh-CN" b="0" i="0" dirty="0">
-                <a:solidFill>
-                  <a:srgbClr val="000000"/>
-                </a:solidFill>
-                <a:effectLst/>
-                <a:latin typeface="-apple-system"/>
-              </a:rPr>
-              <a:t>(Template)</a:t>
-            </a:r>
-            <a:r>
-              <a:rPr lang="zh-CN" altLang="en-US" b="0" i="0" dirty="0">
-                <a:solidFill>
-                  <a:srgbClr val="000000"/>
-                </a:solidFill>
-                <a:effectLst/>
-                <a:latin typeface="-apple-system"/>
-              </a:rPr>
-              <a:t>和视图（</a:t>
-            </a:r>
-            <a:r>
-              <a:rPr lang="en-US" altLang="zh-CN" b="0" i="0" dirty="0">
-                <a:solidFill>
-                  <a:srgbClr val="000000"/>
-                </a:solidFill>
-                <a:effectLst/>
-                <a:latin typeface="-apple-system"/>
-              </a:rPr>
-              <a:t>Views</a:t>
-            </a:r>
-            <a:r>
-              <a:rPr lang="zh-CN" altLang="en-US" b="0" i="0" dirty="0">
-                <a:solidFill>
-                  <a:srgbClr val="000000"/>
-                </a:solidFill>
-                <a:effectLst/>
-                <a:latin typeface="-apple-system"/>
-              </a:rPr>
-              <a:t>），称为 </a:t>
-            </a:r>
-            <a:r>
-              <a:rPr lang="en-US" altLang="zh-CN" b="0" i="0" dirty="0">
-                <a:solidFill>
-                  <a:srgbClr val="000000"/>
-                </a:solidFill>
-                <a:effectLst/>
-                <a:latin typeface="-apple-system"/>
-              </a:rPr>
-              <a:t>MTV</a:t>
-            </a:r>
-            <a:r>
-              <a:rPr lang="zh-CN" altLang="en-US" b="0" i="0" dirty="0">
-                <a:solidFill>
-                  <a:srgbClr val="000000"/>
-                </a:solidFill>
-                <a:effectLst/>
-                <a:latin typeface="-apple-system"/>
-              </a:rPr>
-              <a:t>模式</a:t>
-            </a:r>
-            <a:endParaRPr lang="zh-CN" altLang="en-US" dirty="0"/>
-          </a:p>
-        </p:txBody>
-      </p:sp>
-      <p:sp>
-        <p:nvSpPr>
-          <p:cNvPr id="25" name="文本框 24">
-            <a:extLst>
-              <a:ext uri="{FF2B5EF4-FFF2-40B4-BE49-F238E27FC236}">
-                <a16:creationId xmlns:a16="http://schemas.microsoft.com/office/drawing/2014/main" id="{77C3AC09-E09D-43B0-8EAE-49E866EB94AB}"/>
-              </a:ext>
-            </a:extLst>
-          </p:cNvPr>
-          <p:cNvSpPr txBox="1"/>
-          <p:nvPr/>
-        </p:nvSpPr>
-        <p:spPr>
-          <a:xfrm>
-            <a:off x="8102431" y="3111761"/>
-            <a:ext cx="3527073" cy="369332"/>
-          </a:xfrm>
-          <a:prstGeom prst="rect">
-            <a:avLst/>
-          </a:prstGeom>
-          <a:noFill/>
-        </p:spPr>
-        <p:txBody>
-          <a:bodyPr wrap="square">
-            <a:spAutoFit/>
-          </a:bodyPr>
-          <a:lstStyle/>
-          <a:p>
-            <a:r>
-              <a:rPr lang="en-US" altLang="zh-CN" b="0" i="0" dirty="0">
-                <a:solidFill>
-                  <a:srgbClr val="000000"/>
-                </a:solidFill>
-                <a:effectLst/>
-                <a:latin typeface="-apple-system"/>
-              </a:rPr>
-              <a:t>MVC</a:t>
-            </a:r>
-            <a:r>
-              <a:rPr lang="zh-CN" altLang="en-US" b="0" i="0" dirty="0">
-                <a:solidFill>
-                  <a:srgbClr val="000000"/>
-                </a:solidFill>
-                <a:effectLst/>
-                <a:latin typeface="-apple-system"/>
-              </a:rPr>
-              <a:t>是众所周知的模式</a:t>
-            </a:r>
-            <a:endParaRPr lang="zh-CN" altLang="en-US" dirty="0"/>
-          </a:p>
-        </p:txBody>
-      </p:sp>
-    </p:spTree>
-    <p:extLst>
-      <p:ext uri="{BB962C8B-B14F-4D97-AF65-F5344CB8AC3E}">
-        <p14:creationId xmlns:p14="http://schemas.microsoft.com/office/powerpoint/2010/main" val="2562976048"/>
-      </p:ext>
-    </p:extLst>
-  </p:cSld>
-  <p:clrMapOvr>
-    <a:masterClrMapping/>
-  </p:clrMapOvr>
-</p:sld>
-</file>
-
-<file path=ppt/slides/slide17.xml><?xml version="1.0" encoding="utf-8"?>
-<p:sld xmlns:a="http://schemas.openxmlformats.org/drawingml/2006/main" xmlns:r="http://schemas.openxmlformats.org/officeDocument/2006/relationships" xmlns:p="http://schemas.openxmlformats.org/presentationml/2006/main">
-  <p:cSld>
-    <p:bg>
-      <p:bgPr>
-        <a:solidFill>
-          <a:srgbClr val="203E5F"/>
-        </a:solidFill>
-        <a:effectLst/>
-      </p:bgPr>
-    </p:bg>
-    <p:spTree>
-      <p:nvGrpSpPr>
-        <p:cNvPr id="1" name=""/>
-        <p:cNvGrpSpPr/>
-        <p:nvPr/>
-      </p:nvGrpSpPr>
-      <p:grpSpPr>
-        <a:xfrm>
-          <a:off x="0" y="0"/>
-          <a:ext cx="0" cy="0"/>
-          <a:chOff x="0" y="0"/>
-          <a:chExt cx="0" cy="0"/>
-        </a:xfrm>
-      </p:grpSpPr>
-      <p:sp>
-        <p:nvSpPr>
-          <p:cNvPr id="2" name="文本占位符 1"/>
-          <p:cNvSpPr>
-            <a:spLocks noGrp="1"/>
-          </p:cNvSpPr>
-          <p:nvPr>
-            <p:ph type="body" sz="quarter" idx="10"/>
-          </p:nvPr>
-        </p:nvSpPr>
-        <p:spPr/>
-        <p:txBody>
-          <a:bodyPr/>
-          <a:lstStyle/>
-          <a:p>
-            <a:r>
-              <a:rPr lang="en-US" altLang="zh-CN" dirty="0"/>
-              <a:t>THANK YOU</a:t>
-            </a:r>
-            <a:endParaRPr lang="zh-CN" altLang="en-US" dirty="0"/>
-          </a:p>
-        </p:txBody>
-      </p:sp>
-    </p:spTree>
-  </p:cSld>
-  <p:clrMapOvr>
-    <a:masterClrMapping/>
-  </p:clrMapOvr>
-</p:sld>
-</file>
-
-<file path=ppt/slides/slide2.xml><?xml version="1.0" encoding="utf-8"?>
-<p:sld xmlns:a="http://schemas.openxmlformats.org/drawingml/2006/main" xmlns:r="http://schemas.openxmlformats.org/officeDocument/2006/relationships" xmlns:p="http://schemas.openxmlformats.org/presentationml/2006/main">
-  <p:cSld>
-    <p:bg>
-      <p:bgPr>
-        <a:solidFill>
-          <a:srgbClr val="FFFFFF"/>
-        </a:solidFill>
-        <a:effectLst/>
-      </p:bgPr>
-    </p:bg>
-    <p:spTree>
-      <p:nvGrpSpPr>
-        <p:cNvPr id="1" name=""/>
-        <p:cNvGrpSpPr/>
-        <p:nvPr/>
-      </p:nvGrpSpPr>
-      <p:grpSpPr>
-        <a:xfrm>
-          <a:off x="0" y="0"/>
-          <a:ext cx="0" cy="0"/>
-          <a:chOff x="0" y="0"/>
-          <a:chExt cx="0" cy="0"/>
-        </a:xfrm>
-      </p:grpSpPr>
-      <p:grpSp>
-        <p:nvGrpSpPr>
-          <p:cNvPr id="25" name="组合 24"/>
-          <p:cNvGrpSpPr/>
-          <p:nvPr/>
-        </p:nvGrpSpPr>
-        <p:grpSpPr>
-          <a:xfrm>
-            <a:off x="8603386" y="600"/>
-            <a:ext cx="3588615" cy="6858001"/>
-            <a:chOff x="8603385" y="-1"/>
-            <a:chExt cx="3588615" cy="6858001"/>
-          </a:xfrm>
-        </p:grpSpPr>
-        <p:sp>
-          <p:nvSpPr>
-            <p:cNvPr id="20" name="矩形 4"/>
-            <p:cNvSpPr/>
-            <p:nvPr/>
-          </p:nvSpPr>
-          <p:spPr>
-            <a:xfrm>
-              <a:off x="8603385" y="0"/>
-              <a:ext cx="3372464" cy="6858000"/>
-            </a:xfrm>
-            <a:custGeom>
-              <a:avLst/>
-              <a:gdLst>
-                <a:gd name="connsiteX0" fmla="*/ 0 w 5962650"/>
-                <a:gd name="connsiteY0" fmla="*/ 0 h 6858000"/>
-                <a:gd name="connsiteX1" fmla="*/ 5962650 w 5962650"/>
-                <a:gd name="connsiteY1" fmla="*/ 0 h 6858000"/>
-                <a:gd name="connsiteX2" fmla="*/ 5962650 w 5962650"/>
-                <a:gd name="connsiteY2" fmla="*/ 6858000 h 6858000"/>
-                <a:gd name="connsiteX3" fmla="*/ 0 w 5962650"/>
-                <a:gd name="connsiteY3" fmla="*/ 6858000 h 6858000"/>
-                <a:gd name="connsiteX4" fmla="*/ 0 w 5962650"/>
-                <a:gd name="connsiteY4" fmla="*/ 0 h 6858000"/>
-                <a:gd name="connsiteX0-1" fmla="*/ 0 w 5962650"/>
-                <a:gd name="connsiteY0-2" fmla="*/ 0 h 6858000"/>
-                <a:gd name="connsiteX1-3" fmla="*/ 5962650 w 5962650"/>
-                <a:gd name="connsiteY1-4" fmla="*/ 0 h 6858000"/>
-                <a:gd name="connsiteX2-5" fmla="*/ 5962650 w 5962650"/>
-                <a:gd name="connsiteY2-6" fmla="*/ 6858000 h 6858000"/>
-                <a:gd name="connsiteX3-7" fmla="*/ 0 w 5962650"/>
-                <a:gd name="connsiteY3-8" fmla="*/ 6858000 h 6858000"/>
-                <a:gd name="connsiteX4-9" fmla="*/ 0 w 5962650"/>
-                <a:gd name="connsiteY4-10" fmla="*/ 0 h 6858000"/>
-                <a:gd name="connsiteX0-11" fmla="*/ 557987 w 6520637"/>
-                <a:gd name="connsiteY0-12" fmla="*/ 0 h 6858000"/>
-                <a:gd name="connsiteX1-13" fmla="*/ 6520637 w 6520637"/>
-                <a:gd name="connsiteY1-14" fmla="*/ 0 h 6858000"/>
-                <a:gd name="connsiteX2-15" fmla="*/ 6520637 w 6520637"/>
-                <a:gd name="connsiteY2-16" fmla="*/ 6858000 h 6858000"/>
-                <a:gd name="connsiteX3-17" fmla="*/ 557987 w 6520637"/>
-                <a:gd name="connsiteY3-18" fmla="*/ 6858000 h 6858000"/>
-                <a:gd name="connsiteX4-19" fmla="*/ 557987 w 6520637"/>
-                <a:gd name="connsiteY4-20" fmla="*/ 0 h 6858000"/>
-                <a:gd name="connsiteX0-21" fmla="*/ 535657 w 6498307"/>
-                <a:gd name="connsiteY0-22" fmla="*/ 0 h 6858000"/>
-                <a:gd name="connsiteX1-23" fmla="*/ 6498307 w 6498307"/>
-                <a:gd name="connsiteY1-24" fmla="*/ 0 h 6858000"/>
-                <a:gd name="connsiteX2-25" fmla="*/ 6498307 w 6498307"/>
-                <a:gd name="connsiteY2-26" fmla="*/ 6858000 h 6858000"/>
-                <a:gd name="connsiteX3-27" fmla="*/ 535657 w 6498307"/>
-                <a:gd name="connsiteY3-28" fmla="*/ 6858000 h 6858000"/>
-                <a:gd name="connsiteX4-29" fmla="*/ 535657 w 6498307"/>
-                <a:gd name="connsiteY4-30" fmla="*/ 0 h 6858000"/>
-                <a:gd name="connsiteX0-31" fmla="*/ 535657 w 6498307"/>
-                <a:gd name="connsiteY0-32" fmla="*/ 0 h 6858000"/>
-                <a:gd name="connsiteX1-33" fmla="*/ 6498307 w 6498307"/>
-                <a:gd name="connsiteY1-34" fmla="*/ 0 h 6858000"/>
-                <a:gd name="connsiteX2-35" fmla="*/ 6498307 w 6498307"/>
-                <a:gd name="connsiteY2-36" fmla="*/ 6858000 h 6858000"/>
-                <a:gd name="connsiteX3-37" fmla="*/ 535657 w 6498307"/>
-                <a:gd name="connsiteY3-38" fmla="*/ 6858000 h 6858000"/>
-                <a:gd name="connsiteX4-39" fmla="*/ 535657 w 6498307"/>
-                <a:gd name="connsiteY4-40" fmla="*/ 0 h 6858000"/>
-                <a:gd name="connsiteX0-41" fmla="*/ 535657 w 6498307"/>
-                <a:gd name="connsiteY0-42" fmla="*/ 0 h 6858000"/>
-                <a:gd name="connsiteX1-43" fmla="*/ 6498307 w 6498307"/>
-                <a:gd name="connsiteY1-44" fmla="*/ 0 h 6858000"/>
-                <a:gd name="connsiteX2-45" fmla="*/ 6498307 w 6498307"/>
-                <a:gd name="connsiteY2-46" fmla="*/ 6858000 h 6858000"/>
-                <a:gd name="connsiteX3-47" fmla="*/ 535657 w 6498307"/>
-                <a:gd name="connsiteY3-48" fmla="*/ 6858000 h 6858000"/>
-                <a:gd name="connsiteX4-49" fmla="*/ 535657 w 6498307"/>
-                <a:gd name="connsiteY4-50" fmla="*/ 0 h 6858000"/>
-              </a:gdLst>
-              <a:ahLst/>
-              <a:cxnLst>
-                <a:cxn ang="0">
-                  <a:pos x="connsiteX0-1" y="connsiteY0-2"/>
-                </a:cxn>
-                <a:cxn ang="0">
-                  <a:pos x="connsiteX1-3" y="connsiteY1-4"/>
-                </a:cxn>
-                <a:cxn ang="0">
-                  <a:pos x="connsiteX2-5" y="connsiteY2-6"/>
-                </a:cxn>
-                <a:cxn ang="0">
-                  <a:pos x="connsiteX3-7" y="connsiteY3-8"/>
-                </a:cxn>
-                <a:cxn ang="0">
-                  <a:pos x="connsiteX4-9" y="connsiteY4-10"/>
-                </a:cxn>
-              </a:cxnLst>
-              <a:rect l="l" t="t" r="r" b="b"/>
-              <a:pathLst>
-                <a:path w="6498307" h="6858000">
-                  <a:moveTo>
-                    <a:pt x="535657" y="0"/>
-                  </a:moveTo>
-                  <a:lnTo>
-                    <a:pt x="6498307" y="0"/>
-                  </a:lnTo>
-                  <a:lnTo>
-                    <a:pt x="6498307" y="6858000"/>
-                  </a:lnTo>
-                  <a:lnTo>
-                    <a:pt x="535657" y="6858000"/>
-                  </a:lnTo>
-                  <a:cubicBezTo>
-                    <a:pt x="-1255043" y="3333750"/>
-                    <a:pt x="2154907" y="3219450"/>
-                    <a:pt x="535657" y="0"/>
-                  </a:cubicBezTo>
-                  <a:close/>
-                </a:path>
-              </a:pathLst>
-            </a:custGeom>
-            <a:solidFill>
-              <a:schemeClr val="accent5">
-                <a:lumMod val="50000"/>
-              </a:schemeClr>
-            </a:solidFill>
-            <a:ln>
-              <a:noFill/>
-            </a:ln>
-          </p:spPr>
-          <p:style>
-            <a:lnRef idx="2">
-              <a:schemeClr val="accent1">
-                <a:shade val="50000"/>
-              </a:schemeClr>
-            </a:lnRef>
-            <a:fillRef idx="1">
-              <a:schemeClr val="accent1"/>
-            </a:fillRef>
-            <a:effectRef idx="0">
-              <a:schemeClr val="accent1"/>
-            </a:effectRef>
-            <a:fontRef idx="minor">
-              <a:schemeClr val="lt1"/>
-            </a:fontRef>
-          </p:style>
-          <p:txBody>
-            <a:bodyPr rtlCol="0" anchor="ctr"/>
-            <a:lstStyle/>
-            <a:p>
-              <a:pPr algn="ctr"/>
-              <a:endParaRPr lang="zh-CN" altLang="en-US">
-                <a:latin typeface="Snell Roundhand" panose="02000603080000090004" charset="0"/>
-                <a:ea typeface="Snell Roundhand" panose="02000603080000090004" charset="0"/>
-              </a:endParaRPr>
-            </a:p>
-          </p:txBody>
-        </p:sp>
-        <p:sp>
-          <p:nvSpPr>
-            <p:cNvPr id="5" name="矩形 4"/>
-            <p:cNvSpPr/>
-            <p:nvPr/>
-          </p:nvSpPr>
-          <p:spPr>
-            <a:xfrm>
-              <a:off x="8819536" y="-1"/>
-              <a:ext cx="3372464" cy="6858000"/>
-            </a:xfrm>
-            <a:custGeom>
-              <a:avLst/>
-              <a:gdLst>
-                <a:gd name="connsiteX0" fmla="*/ 0 w 5962650"/>
-                <a:gd name="connsiteY0" fmla="*/ 0 h 6858000"/>
-                <a:gd name="connsiteX1" fmla="*/ 5962650 w 5962650"/>
-                <a:gd name="connsiteY1" fmla="*/ 0 h 6858000"/>
-                <a:gd name="connsiteX2" fmla="*/ 5962650 w 5962650"/>
-                <a:gd name="connsiteY2" fmla="*/ 6858000 h 6858000"/>
-                <a:gd name="connsiteX3" fmla="*/ 0 w 5962650"/>
-                <a:gd name="connsiteY3" fmla="*/ 6858000 h 6858000"/>
-                <a:gd name="connsiteX4" fmla="*/ 0 w 5962650"/>
-                <a:gd name="connsiteY4" fmla="*/ 0 h 6858000"/>
-                <a:gd name="connsiteX0-1" fmla="*/ 0 w 5962650"/>
-                <a:gd name="connsiteY0-2" fmla="*/ 0 h 6858000"/>
-                <a:gd name="connsiteX1-3" fmla="*/ 5962650 w 5962650"/>
-                <a:gd name="connsiteY1-4" fmla="*/ 0 h 6858000"/>
-                <a:gd name="connsiteX2-5" fmla="*/ 5962650 w 5962650"/>
-                <a:gd name="connsiteY2-6" fmla="*/ 6858000 h 6858000"/>
-                <a:gd name="connsiteX3-7" fmla="*/ 0 w 5962650"/>
-                <a:gd name="connsiteY3-8" fmla="*/ 6858000 h 6858000"/>
-                <a:gd name="connsiteX4-9" fmla="*/ 0 w 5962650"/>
-                <a:gd name="connsiteY4-10" fmla="*/ 0 h 6858000"/>
-                <a:gd name="connsiteX0-11" fmla="*/ 557987 w 6520637"/>
-                <a:gd name="connsiteY0-12" fmla="*/ 0 h 6858000"/>
-                <a:gd name="connsiteX1-13" fmla="*/ 6520637 w 6520637"/>
-                <a:gd name="connsiteY1-14" fmla="*/ 0 h 6858000"/>
-                <a:gd name="connsiteX2-15" fmla="*/ 6520637 w 6520637"/>
-                <a:gd name="connsiteY2-16" fmla="*/ 6858000 h 6858000"/>
-                <a:gd name="connsiteX3-17" fmla="*/ 557987 w 6520637"/>
-                <a:gd name="connsiteY3-18" fmla="*/ 6858000 h 6858000"/>
-                <a:gd name="connsiteX4-19" fmla="*/ 557987 w 6520637"/>
-                <a:gd name="connsiteY4-20" fmla="*/ 0 h 6858000"/>
-                <a:gd name="connsiteX0-21" fmla="*/ 535657 w 6498307"/>
-                <a:gd name="connsiteY0-22" fmla="*/ 0 h 6858000"/>
-                <a:gd name="connsiteX1-23" fmla="*/ 6498307 w 6498307"/>
-                <a:gd name="connsiteY1-24" fmla="*/ 0 h 6858000"/>
-                <a:gd name="connsiteX2-25" fmla="*/ 6498307 w 6498307"/>
-                <a:gd name="connsiteY2-26" fmla="*/ 6858000 h 6858000"/>
-                <a:gd name="connsiteX3-27" fmla="*/ 535657 w 6498307"/>
-                <a:gd name="connsiteY3-28" fmla="*/ 6858000 h 6858000"/>
-                <a:gd name="connsiteX4-29" fmla="*/ 535657 w 6498307"/>
-                <a:gd name="connsiteY4-30" fmla="*/ 0 h 6858000"/>
-                <a:gd name="connsiteX0-31" fmla="*/ 535657 w 6498307"/>
-                <a:gd name="connsiteY0-32" fmla="*/ 0 h 6858000"/>
-                <a:gd name="connsiteX1-33" fmla="*/ 6498307 w 6498307"/>
-                <a:gd name="connsiteY1-34" fmla="*/ 0 h 6858000"/>
-                <a:gd name="connsiteX2-35" fmla="*/ 6498307 w 6498307"/>
-                <a:gd name="connsiteY2-36" fmla="*/ 6858000 h 6858000"/>
-                <a:gd name="connsiteX3-37" fmla="*/ 535657 w 6498307"/>
-                <a:gd name="connsiteY3-38" fmla="*/ 6858000 h 6858000"/>
-                <a:gd name="connsiteX4-39" fmla="*/ 535657 w 6498307"/>
-                <a:gd name="connsiteY4-40" fmla="*/ 0 h 6858000"/>
-                <a:gd name="connsiteX0-41" fmla="*/ 535657 w 6498307"/>
-                <a:gd name="connsiteY0-42" fmla="*/ 0 h 6858000"/>
-                <a:gd name="connsiteX1-43" fmla="*/ 6498307 w 6498307"/>
-                <a:gd name="connsiteY1-44" fmla="*/ 0 h 6858000"/>
-                <a:gd name="connsiteX2-45" fmla="*/ 6498307 w 6498307"/>
-                <a:gd name="connsiteY2-46" fmla="*/ 6858000 h 6858000"/>
-                <a:gd name="connsiteX3-47" fmla="*/ 535657 w 6498307"/>
-                <a:gd name="connsiteY3-48" fmla="*/ 6858000 h 6858000"/>
-                <a:gd name="connsiteX4-49" fmla="*/ 535657 w 6498307"/>
-                <a:gd name="connsiteY4-50" fmla="*/ 0 h 6858000"/>
-              </a:gdLst>
-              <a:ahLst/>
-              <a:cxnLst>
-                <a:cxn ang="0">
-                  <a:pos x="connsiteX0-1" y="connsiteY0-2"/>
-                </a:cxn>
-                <a:cxn ang="0">
-                  <a:pos x="connsiteX1-3" y="connsiteY1-4"/>
-                </a:cxn>
-                <a:cxn ang="0">
-                  <a:pos x="connsiteX2-5" y="connsiteY2-6"/>
-                </a:cxn>
-                <a:cxn ang="0">
-                  <a:pos x="connsiteX3-7" y="connsiteY3-8"/>
-                </a:cxn>
-                <a:cxn ang="0">
-                  <a:pos x="connsiteX4-9" y="connsiteY4-10"/>
-                </a:cxn>
-              </a:cxnLst>
-              <a:rect l="l" t="t" r="r" b="b"/>
-              <a:pathLst>
-                <a:path w="6498307" h="6858000">
-                  <a:moveTo>
-                    <a:pt x="535657" y="0"/>
-                  </a:moveTo>
-                  <a:lnTo>
-                    <a:pt x="6498307" y="0"/>
-                  </a:lnTo>
-                  <a:lnTo>
-                    <a:pt x="6498307" y="6858000"/>
-                  </a:lnTo>
-                  <a:lnTo>
-                    <a:pt x="535657" y="6858000"/>
-                  </a:lnTo>
-                  <a:cubicBezTo>
-                    <a:pt x="-1255043" y="3333750"/>
-                    <a:pt x="2154907" y="3219450"/>
-                    <a:pt x="535657" y="0"/>
-                  </a:cubicBezTo>
-                  <a:close/>
-                </a:path>
-              </a:pathLst>
-            </a:custGeom>
-            <a:solidFill>
-              <a:schemeClr val="accent1">
-                <a:lumMod val="75000"/>
-              </a:schemeClr>
-            </a:solidFill>
-            <a:ln>
-              <a:noFill/>
-            </a:ln>
-          </p:spPr>
-          <p:style>
-            <a:lnRef idx="2">
-              <a:schemeClr val="accent1">
-                <a:shade val="50000"/>
-              </a:schemeClr>
-            </a:lnRef>
-            <a:fillRef idx="1">
-              <a:schemeClr val="accent1"/>
-            </a:fillRef>
-            <a:effectRef idx="0">
-              <a:schemeClr val="accent1"/>
-            </a:effectRef>
-            <a:fontRef idx="minor">
-              <a:schemeClr val="lt1"/>
-            </a:fontRef>
-          </p:style>
-          <p:txBody>
-            <a:bodyPr rtlCol="0" anchor="ctr"/>
-            <a:lstStyle/>
-            <a:p>
-              <a:pPr algn="ctr"/>
-              <a:endParaRPr lang="zh-CN" altLang="en-US">
-                <a:latin typeface="Snell Roundhand" panose="02000603080000090004" charset="0"/>
-                <a:ea typeface="Snell Roundhand" panose="02000603080000090004" charset="0"/>
-              </a:endParaRPr>
-            </a:p>
-          </p:txBody>
-        </p:sp>
-      </p:grpSp>
-      <p:sp>
-        <p:nvSpPr>
-          <p:cNvPr id="7" name="文本框 6">
-            <a:extLst>
-              <a:ext uri="{FF2B5EF4-FFF2-40B4-BE49-F238E27FC236}">
-                <a16:creationId xmlns:a16="http://schemas.microsoft.com/office/drawing/2014/main" id="{F65E2F41-C016-48D8-87C4-0E1247FE3155}"/>
-              </a:ext>
-            </a:extLst>
-          </p:cNvPr>
-          <p:cNvSpPr txBox="1"/>
-          <p:nvPr/>
-        </p:nvSpPr>
-        <p:spPr>
-          <a:xfrm>
-            <a:off x="806450" y="1402998"/>
-            <a:ext cx="6096000" cy="369332"/>
-          </a:xfrm>
-          <a:prstGeom prst="rect">
-            <a:avLst/>
-          </a:prstGeom>
-          <a:noFill/>
-        </p:spPr>
-        <p:txBody>
-          <a:bodyPr wrap="square">
-            <a:spAutoFit/>
-          </a:bodyPr>
-          <a:lstStyle/>
-          <a:p>
-            <a:r>
-              <a:rPr lang="zh-CN" altLang="en-US" dirty="0"/>
-              <a:t>面向对象：面向企业，个人</a:t>
-            </a:r>
-          </a:p>
-        </p:txBody>
-      </p:sp>
-      <p:sp>
-        <p:nvSpPr>
-          <p:cNvPr id="8" name="文本框 7">
-            <a:extLst>
-              <a:ext uri="{FF2B5EF4-FFF2-40B4-BE49-F238E27FC236}">
-                <a16:creationId xmlns:a16="http://schemas.microsoft.com/office/drawing/2014/main" id="{F580F0C9-28A3-4D97-A7B6-57E6FB1A0F48}"/>
-              </a:ext>
-            </a:extLst>
-          </p:cNvPr>
-          <p:cNvSpPr txBox="1"/>
-          <p:nvPr/>
-        </p:nvSpPr>
-        <p:spPr>
-          <a:xfrm>
-            <a:off x="806450" y="3410835"/>
-            <a:ext cx="6096000" cy="1754326"/>
-          </a:xfrm>
-          <a:prstGeom prst="rect">
-            <a:avLst/>
-          </a:prstGeom>
-          <a:noFill/>
-        </p:spPr>
-        <p:txBody>
-          <a:bodyPr wrap="square">
-            <a:spAutoFit/>
-          </a:bodyPr>
-          <a:lstStyle/>
-          <a:p>
-            <a:r>
-              <a:rPr lang="zh-CN" altLang="en-US" dirty="0"/>
-              <a:t>优势：</a:t>
-            </a:r>
-            <a:r>
-              <a:rPr lang="en-US" altLang="zh-CN" dirty="0"/>
-              <a:t>1.</a:t>
-            </a:r>
-            <a:r>
-              <a:rPr lang="zh-CN" altLang="en-US" dirty="0"/>
-              <a:t>避免淘宝，天猫，拼多多等购物网站开店所需的高额佣金，繁琐认证，前期曝光刷单等费用</a:t>
-            </a:r>
-            <a:endParaRPr lang="en-US" altLang="zh-CN" dirty="0"/>
-          </a:p>
-          <a:p>
-            <a:r>
-              <a:rPr lang="en-US" altLang="zh-CN" dirty="0"/>
-              <a:t>2.</a:t>
-            </a:r>
-            <a:r>
-              <a:rPr lang="zh-CN" altLang="en-US" dirty="0"/>
-              <a:t>利农：为解决三农问题，乡村振兴出谋划策，农民可直接简便开店，减少开店前期投入</a:t>
-            </a:r>
-            <a:endParaRPr lang="en-US" altLang="zh-CN" dirty="0"/>
-          </a:p>
-          <a:p>
-            <a:r>
-              <a:rPr lang="en-US" altLang="zh-CN" dirty="0"/>
-              <a:t>3</a:t>
-            </a:r>
-            <a:r>
-              <a:rPr lang="zh-CN" altLang="en-US" dirty="0"/>
-              <a:t>惠企：企业可直接设置自己的购物网站，独立管理，减少中间流程款项</a:t>
-            </a:r>
-          </a:p>
-        </p:txBody>
-      </p:sp>
-      <p:sp>
-        <p:nvSpPr>
-          <p:cNvPr id="9" name="文本框 8">
-            <a:extLst>
-              <a:ext uri="{FF2B5EF4-FFF2-40B4-BE49-F238E27FC236}">
-                <a16:creationId xmlns:a16="http://schemas.microsoft.com/office/drawing/2014/main" id="{5CC82B5A-58CD-4B3A-AD77-12768FC49674}"/>
-              </a:ext>
-            </a:extLst>
-          </p:cNvPr>
-          <p:cNvSpPr txBox="1"/>
-          <p:nvPr/>
-        </p:nvSpPr>
-        <p:spPr>
-          <a:xfrm>
-            <a:off x="806450" y="2631469"/>
-            <a:ext cx="6096000" cy="369332"/>
-          </a:xfrm>
-          <a:prstGeom prst="rect">
-            <a:avLst/>
-          </a:prstGeom>
-          <a:noFill/>
-        </p:spPr>
-        <p:txBody>
-          <a:bodyPr wrap="square">
-            <a:spAutoFit/>
-          </a:bodyPr>
-          <a:lstStyle/>
-          <a:p>
-            <a:r>
-              <a:rPr lang="zh-CN" altLang="en-US" dirty="0"/>
-              <a:t>目标：线上开店轻量化，简洁化</a:t>
-            </a:r>
-          </a:p>
-        </p:txBody>
-      </p:sp>
-      <p:sp>
-        <p:nvSpPr>
-          <p:cNvPr id="11" name="文本框 10">
-            <a:extLst>
-              <a:ext uri="{FF2B5EF4-FFF2-40B4-BE49-F238E27FC236}">
-                <a16:creationId xmlns:a16="http://schemas.microsoft.com/office/drawing/2014/main" id="{BF2B1F4F-A9E3-4FD2-9761-1C4197371ACE}"/>
-              </a:ext>
-            </a:extLst>
-          </p:cNvPr>
-          <p:cNvSpPr txBox="1"/>
-          <p:nvPr/>
-        </p:nvSpPr>
-        <p:spPr>
-          <a:xfrm>
-            <a:off x="806450" y="1909787"/>
-            <a:ext cx="6096000" cy="369332"/>
-          </a:xfrm>
-          <a:prstGeom prst="rect">
-            <a:avLst/>
-          </a:prstGeom>
-          <a:noFill/>
-        </p:spPr>
-        <p:txBody>
-          <a:bodyPr wrap="square">
-            <a:spAutoFit/>
-          </a:bodyPr>
-          <a:lstStyle/>
-          <a:p>
-            <a:r>
-              <a:rPr lang="zh-CN" altLang="en-US" dirty="0"/>
-              <a:t>应用场景：线上商城</a:t>
-            </a:r>
-          </a:p>
-        </p:txBody>
-      </p:sp>
-      <p:sp>
-        <p:nvSpPr>
-          <p:cNvPr id="12" name="文本框 11">
-            <a:extLst>
-              <a:ext uri="{FF2B5EF4-FFF2-40B4-BE49-F238E27FC236}">
-                <a16:creationId xmlns:a16="http://schemas.microsoft.com/office/drawing/2014/main" id="{BA6FC897-0260-4B9B-BFCA-140F12204E2D}"/>
-              </a:ext>
-            </a:extLst>
-          </p:cNvPr>
-          <p:cNvSpPr txBox="1"/>
-          <p:nvPr/>
-        </p:nvSpPr>
-        <p:spPr>
-          <a:xfrm>
-            <a:off x="1180362" y="456446"/>
-            <a:ext cx="6096000" cy="584775"/>
-          </a:xfrm>
-          <a:prstGeom prst="rect">
-            <a:avLst/>
-          </a:prstGeom>
-          <a:noFill/>
-        </p:spPr>
-        <p:txBody>
-          <a:bodyPr wrap="square">
-            <a:spAutoFit/>
-          </a:bodyPr>
-          <a:lstStyle/>
-          <a:p>
-            <a:pPr algn="ctr"/>
-            <a:r>
-              <a:rPr lang="zh-CN" altLang="en-US" sz="3200" dirty="0"/>
-              <a:t>项目建议</a:t>
-            </a:r>
-          </a:p>
-        </p:txBody>
-      </p:sp>
-    </p:spTree>
-  </p:cSld>
-  <p:clrMapOvr>
-    <a:masterClrMapping/>
-  </p:clrMapOvr>
-  <mc:AlternateContent xmlns:mc="http://schemas.openxmlformats.org/markup-compatibility/2006" xmlns:p14="http://schemas.microsoft.com/office/powerpoint/2010/main">
-    <mc:Choice Requires="p14">
-      <p:transition spd="slow" p14:dur="1500" advClick="0" advTm="5000">
-        <p:random/>
-      </p:transition>
-    </mc:Choice>
-    <mc:Fallback xmlns="">
-      <p:transition spd="slow" advClick="0" advTm="5000">
-        <p:random/>
-      </p:transition>
-    </mc:Fallback>
-  </mc:AlternateContent>
-  <p:timing>
-    <p:tnLst>
-      <p:par>
-        <p:cTn id="1" dur="indefinite" restart="never" nodeType="tmRoot">
-          <p:childTnLst>
-            <p:seq concurrent="1" nextAc="seek">
-              <p:cTn id="2" dur="indefinite" nodeType="mainSeq">
-                <p:childTnLst>
-                  <p:par>
-                    <p:cTn id="3" fill="hold">
-                      <p:stCondLst>
-                        <p:cond delay="indefinite"/>
-                        <p:cond evt="onBegin" delay="0">
-                          <p:tn val="2"/>
-                        </p:cond>
-                      </p:stCondLst>
-                      <p:childTnLst>
-                        <p:par>
-                          <p:cTn id="4" fill="hold">
-                            <p:stCondLst>
-                              <p:cond delay="0"/>
-                            </p:stCondLst>
-                            <p:childTnLst>
-                              <p:par>
-                                <p:cTn id="5" presetID="2" presetClass="entr" presetSubtype="2" fill="hold" nodeType="withEffect">
-                                  <p:stCondLst>
-                                    <p:cond delay="0"/>
-                                  </p:stCondLst>
-                                  <p:childTnLst>
-                                    <p:set>
-                                      <p:cBhvr>
-                                        <p:cTn id="6" dur="1" fill="hold">
-                                          <p:stCondLst>
-                                            <p:cond delay="0"/>
-                                          </p:stCondLst>
-                                        </p:cTn>
-                                        <p:tgtEl>
-                                          <p:spTgt spid="25"/>
-                                        </p:tgtEl>
-                                        <p:attrNameLst>
-                                          <p:attrName>style.visibility</p:attrName>
-                                        </p:attrNameLst>
-                                      </p:cBhvr>
-                                      <p:to>
-                                        <p:strVal val="visible"/>
-                                      </p:to>
-                                    </p:set>
-                                    <p:anim calcmode="lin" valueType="num">
-                                      <p:cBhvr additive="base">
-                                        <p:cTn id="7" dur="500" fill="hold"/>
-                                        <p:tgtEl>
-                                          <p:spTgt spid="25"/>
-                                        </p:tgtEl>
-                                        <p:attrNameLst>
-                                          <p:attrName>ppt_x</p:attrName>
-                                        </p:attrNameLst>
-                                      </p:cBhvr>
-                                      <p:tavLst>
-                                        <p:tav tm="0">
-                                          <p:val>
-                                            <p:strVal val="1+#ppt_w/2"/>
-                                          </p:val>
-                                        </p:tav>
-                                        <p:tav tm="100000">
-                                          <p:val>
-                                            <p:strVal val="#ppt_x"/>
-                                          </p:val>
-                                        </p:tav>
-                                      </p:tavLst>
-                                    </p:anim>
-                                    <p:anim calcmode="lin" valueType="num">
-                                      <p:cBhvr additive="base">
-                                        <p:cTn id="8" dur="500" fill="hold"/>
-                                        <p:tgtEl>
-                                          <p:spTgt spid="25"/>
-                                        </p:tgtEl>
-                                        <p:attrNameLst>
-                                          <p:attrName>ppt_y</p:attrName>
-                                        </p:attrNameLst>
-                                      </p:cBhvr>
-                                      <p:tavLst>
-                                        <p:tav tm="0">
-                                          <p:val>
-                                            <p:strVal val="#ppt_y"/>
-                                          </p:val>
-                                        </p:tav>
-                                        <p:tav tm="100000">
-                                          <p:val>
-                                            <p:strVal val="#ppt_y"/>
-                                          </p:val>
-                                        </p:tav>
-                                      </p:tavLst>
-                                    </p:anim>
-                                  </p:childTnLst>
-                                </p:cTn>
-                              </p:par>
-                            </p:childTnLst>
-                          </p:cTn>
-                        </p:par>
-                      </p:childTnLst>
-                    </p:cTn>
-                  </p:par>
-                </p:childTnLst>
-              </p:cTn>
-              <p:prevCondLst>
-                <p:cond evt="onPrev" delay="0">
-                  <p:tgtEl>
-                    <p:sldTgt/>
-                  </p:tgtEl>
-                </p:cond>
-              </p:prevCondLst>
-              <p:nextCondLst>
-                <p:cond evt="onNext" delay="0">
-                  <p:tgtEl>
-                    <p:sldTgt/>
-                  </p:tgtEl>
-                </p:cond>
-              </p:nextCondLst>
-            </p:seq>
-          </p:childTnLst>
-        </p:cTn>
-      </p:par>
-    </p:tnLst>
-  </p:timing>
-</p:sld>
-</file>
-
-<file path=ppt/slides/slide3.xml><?xml version="1.0" encoding="utf-8"?>
-<p:sld xmlns:a="http://schemas.openxmlformats.org/drawingml/2006/main" xmlns:r="http://schemas.openxmlformats.org/officeDocument/2006/relationships" xmlns:p="http://schemas.openxmlformats.org/presentationml/2006/main">
-  <p:cSld>
-    <p:spTree>
-      <p:nvGrpSpPr>
-        <p:cNvPr id="1" name=""/>
-        <p:cNvGrpSpPr/>
-        <p:nvPr/>
-      </p:nvGrpSpPr>
-      <p:grpSpPr>
-        <a:xfrm>
-          <a:off x="0" y="0"/>
-          <a:ext cx="0" cy="0"/>
-          <a:chOff x="0" y="0"/>
-          <a:chExt cx="0" cy="0"/>
-        </a:xfrm>
-      </p:grpSpPr>
-      <p:pic>
-        <p:nvPicPr>
-          <p:cNvPr id="3" name="图片 2">
-            <a:extLst>
-              <a:ext uri="{FF2B5EF4-FFF2-40B4-BE49-F238E27FC236}">
-                <a16:creationId xmlns:a16="http://schemas.microsoft.com/office/drawing/2014/main" id="{05085B66-D0C7-4328-8902-C2815A376FC0}"/>
-              </a:ext>
-            </a:extLst>
-          </p:cNvPr>
-          <p:cNvPicPr>
-            <a:picLocks noChangeAspect="1"/>
-          </p:cNvPicPr>
-          <p:nvPr/>
-        </p:nvPicPr>
-        <p:blipFill>
-          <a:blip r:embed="rId2"/>
-          <a:stretch>
-            <a:fillRect/>
-          </a:stretch>
-        </p:blipFill>
-        <p:spPr>
-          <a:xfrm>
-            <a:off x="7775" y="-4379"/>
-            <a:ext cx="12184225" cy="6862379"/>
-          </a:xfrm>
-          <a:prstGeom prst="rect">
-            <a:avLst/>
-          </a:prstGeom>
-        </p:spPr>
-      </p:pic>
-      <p:sp>
-        <p:nvSpPr>
-          <p:cNvPr id="5" name="文本框 4">
-            <a:extLst>
-              <a:ext uri="{FF2B5EF4-FFF2-40B4-BE49-F238E27FC236}">
-                <a16:creationId xmlns:a16="http://schemas.microsoft.com/office/drawing/2014/main" id="{C4732F82-54E6-4AF3-9229-72033163B8D5}"/>
-              </a:ext>
-            </a:extLst>
-          </p:cNvPr>
-          <p:cNvSpPr txBox="1"/>
-          <p:nvPr/>
-        </p:nvSpPr>
-        <p:spPr>
-          <a:xfrm>
-            <a:off x="482406" y="649796"/>
-            <a:ext cx="6096000" cy="523220"/>
-          </a:xfrm>
-          <a:prstGeom prst="rect">
-            <a:avLst/>
-          </a:prstGeom>
-          <a:noFill/>
-        </p:spPr>
-        <p:txBody>
-          <a:bodyPr wrap="square">
-            <a:spAutoFit/>
-          </a:bodyPr>
-          <a:lstStyle/>
-          <a:p>
-            <a:r>
-              <a:rPr lang="zh-CN" altLang="en-US" sz="2800" dirty="0"/>
-              <a:t>买家内容静态建模</a:t>
-            </a:r>
-          </a:p>
-        </p:txBody>
-      </p:sp>
-    </p:spTree>
-    <p:extLst>
-      <p:ext uri="{BB962C8B-B14F-4D97-AF65-F5344CB8AC3E}">
-        <p14:creationId xmlns:p14="http://schemas.microsoft.com/office/powerpoint/2010/main" val="3016487792"/>
-      </p:ext>
-    </p:extLst>
-  </p:cSld>
-  <p:clrMapOvr>
-    <a:masterClrMapping/>
-  </p:clrMapOvr>
-</p:sld>
-</file>
-
-<file path=ppt/slides/slide4.xml><?xml version="1.0" encoding="utf-8"?>
-<p:sld xmlns:a="http://schemas.openxmlformats.org/drawingml/2006/main" xmlns:r="http://schemas.openxmlformats.org/officeDocument/2006/relationships" xmlns:p="http://schemas.openxmlformats.org/presentationml/2006/main">
-  <p:cSld>
-    <p:bg>
-      <p:bgPr>
-        <a:solidFill>
-          <a:schemeClr val="bg1"/>
-        </a:solidFill>
-        <a:effectLst/>
-      </p:bgPr>
-    </p:bg>
-    <p:spTree>
-      <p:nvGrpSpPr>
-        <p:cNvPr id="1" name=""/>
-        <p:cNvGrpSpPr/>
-        <p:nvPr/>
-      </p:nvGrpSpPr>
-      <p:grpSpPr>
-        <a:xfrm>
-          <a:off x="0" y="0"/>
-          <a:ext cx="0" cy="0"/>
-          <a:chOff x="0" y="0"/>
-          <a:chExt cx="0" cy="0"/>
-        </a:xfrm>
-      </p:grpSpPr>
-      <p:sp useBgFill="1">
-        <p:nvSpPr>
-          <p:cNvPr id="20" name="Rectangle 13">
-            <a:extLst>
-              <a:ext uri="{FF2B5EF4-FFF2-40B4-BE49-F238E27FC236}">
-                <a16:creationId xmlns:a16="http://schemas.microsoft.com/office/drawing/2014/main" id="{E8DC6FCD-811B-436E-9FEE-FC957486CD7E}"/>
-              </a:ext>
-              <a:ext uri="{C183D7F6-B498-43B3-948B-1728B52AA6E4}">
-                <adec:decorative xmlns:adec="http://schemas.microsoft.com/office/drawing/2017/decorative" val="1"/>
-              </a:ext>
-            </a:extLst>
-          </p:cNvPr>
-          <p:cNvSpPr>
-            <a:spLocks noGrp="1" noRot="1" noChangeAspect="1" noMove="1" noResize="1" noEditPoints="1" noAdjustHandles="1" noChangeArrowheads="1" noChangeShapeType="1" noTextEdit="1"/>
-          </p:cNvSpPr>
-          <p:nvPr>
-            <p:extLst>
-              <p:ext uri="{386F3935-93C4-4BCD-93E2-E3B085C9AB24}">
-                <p16:designElem xmlns:p16="http://schemas.microsoft.com/office/powerpoint/2015/main" val="1"/>
-              </p:ext>
-            </p:extLst>
-          </p:nvPr>
-        </p:nvSpPr>
-        <p:spPr bwMode="white">
-          <a:xfrm>
-            <a:off x="1524" y="0"/>
-            <a:ext cx="12188952" cy="6858000"/>
-          </a:xfrm>
-          <a:prstGeom prst="rect">
-            <a:avLst/>
-          </a:prstGeom>
-          <a:ln>
-            <a:noFill/>
-          </a:ln>
-        </p:spPr>
-        <p:style>
-          <a:lnRef idx="2">
-            <a:schemeClr val="accent1">
-              <a:shade val="50000"/>
-            </a:schemeClr>
-          </a:lnRef>
-          <a:fillRef idx="1">
-            <a:schemeClr val="accent1"/>
-          </a:fillRef>
-          <a:effectRef idx="0">
-            <a:schemeClr val="accent1"/>
-          </a:effectRef>
-          <a:fontRef idx="minor">
-            <a:schemeClr val="lt1"/>
-          </a:fontRef>
-        </p:style>
-        <p:txBody>
-          <a:bodyPr rtlCol="0" anchor="ctr"/>
-          <a:lstStyle>
-            <a:defPPr>
-              <a:defRPr lang="en-US"/>
-            </a:defPPr>
-            <a:lvl1pPr marL="0" algn="l" defTabSz="914400" rtl="0" eaLnBrk="1" latinLnBrk="0" hangingPunct="1">
-              <a:defRPr sz="1800" kern="1200">
-                <a:solidFill>
-                  <a:schemeClr val="lt1"/>
-                </a:solidFill>
-                <a:latin typeface="+mn-lt"/>
-                <a:ea typeface="+mn-ea"/>
-                <a:cs typeface="+mn-cs"/>
-              </a:defRPr>
-            </a:lvl1pPr>
-            <a:lvl2pPr marL="457200" algn="l" defTabSz="914400" rtl="0" eaLnBrk="1" latinLnBrk="0" hangingPunct="1">
-              <a:defRPr sz="1800" kern="1200">
-                <a:solidFill>
-                  <a:schemeClr val="lt1"/>
-                </a:solidFill>
-                <a:latin typeface="+mn-lt"/>
-                <a:ea typeface="+mn-ea"/>
-                <a:cs typeface="+mn-cs"/>
-              </a:defRPr>
-            </a:lvl2pPr>
-            <a:lvl3pPr marL="914400" algn="l" defTabSz="914400" rtl="0" eaLnBrk="1" latinLnBrk="0" hangingPunct="1">
-              <a:defRPr sz="1800" kern="1200">
-                <a:solidFill>
-                  <a:schemeClr val="lt1"/>
-                </a:solidFill>
-                <a:latin typeface="+mn-lt"/>
-                <a:ea typeface="+mn-ea"/>
-                <a:cs typeface="+mn-cs"/>
-              </a:defRPr>
-            </a:lvl3pPr>
-            <a:lvl4pPr marL="1371600" algn="l" defTabSz="914400" rtl="0" eaLnBrk="1" latinLnBrk="0" hangingPunct="1">
-              <a:defRPr sz="1800" kern="1200">
-                <a:solidFill>
-                  <a:schemeClr val="lt1"/>
-                </a:solidFill>
-                <a:latin typeface="+mn-lt"/>
-                <a:ea typeface="+mn-ea"/>
-                <a:cs typeface="+mn-cs"/>
-              </a:defRPr>
-            </a:lvl4pPr>
-            <a:lvl5pPr marL="1828800" algn="l" defTabSz="914400" rtl="0" eaLnBrk="1" latinLnBrk="0" hangingPunct="1">
-              <a:defRPr sz="1800" kern="1200">
-                <a:solidFill>
-                  <a:schemeClr val="lt1"/>
-                </a:solidFill>
-                <a:latin typeface="+mn-lt"/>
-                <a:ea typeface="+mn-ea"/>
-                <a:cs typeface="+mn-cs"/>
-              </a:defRPr>
-            </a:lvl5pPr>
-            <a:lvl6pPr marL="2286000" algn="l" defTabSz="914400" rtl="0" eaLnBrk="1" latinLnBrk="0" hangingPunct="1">
-              <a:defRPr sz="1800" kern="1200">
-                <a:solidFill>
-                  <a:schemeClr val="lt1"/>
-                </a:solidFill>
-                <a:latin typeface="+mn-lt"/>
-                <a:ea typeface="+mn-ea"/>
-                <a:cs typeface="+mn-cs"/>
-              </a:defRPr>
-            </a:lvl6pPr>
-            <a:lvl7pPr marL="2743200" algn="l" defTabSz="914400" rtl="0" eaLnBrk="1" latinLnBrk="0" hangingPunct="1">
-              <a:defRPr sz="1800" kern="1200">
-                <a:solidFill>
-                  <a:schemeClr val="lt1"/>
-                </a:solidFill>
-                <a:latin typeface="+mn-lt"/>
-                <a:ea typeface="+mn-ea"/>
-                <a:cs typeface="+mn-cs"/>
-              </a:defRPr>
-            </a:lvl7pPr>
-            <a:lvl8pPr marL="3200400" algn="l" defTabSz="914400" rtl="0" eaLnBrk="1" latinLnBrk="0" hangingPunct="1">
-              <a:defRPr sz="1800" kern="1200">
-                <a:solidFill>
-                  <a:schemeClr val="lt1"/>
-                </a:solidFill>
-                <a:latin typeface="+mn-lt"/>
-                <a:ea typeface="+mn-ea"/>
-                <a:cs typeface="+mn-cs"/>
-              </a:defRPr>
-            </a:lvl8pPr>
-            <a:lvl9pPr marL="3657600" algn="l" defTabSz="914400" rtl="0" eaLnBrk="1" latinLnBrk="0" hangingPunct="1">
-              <a:defRPr sz="1800" kern="1200">
-                <a:solidFill>
-                  <a:schemeClr val="lt1"/>
-                </a:solidFill>
-                <a:latin typeface="+mn-lt"/>
-                <a:ea typeface="+mn-ea"/>
-                <a:cs typeface="+mn-cs"/>
-              </a:defRPr>
-            </a:lvl9pPr>
-          </a:lstStyle>
-          <a:p>
-            <a:pPr algn="ctr"/>
-            <a:endParaRPr lang="en-US"/>
-          </a:p>
-        </p:txBody>
-      </p:sp>
-      <p:pic>
-        <p:nvPicPr>
-          <p:cNvPr id="9" name="图片 8">
-            <a:extLst>
-              <a:ext uri="{FF2B5EF4-FFF2-40B4-BE49-F238E27FC236}">
-                <a16:creationId xmlns:a16="http://schemas.microsoft.com/office/drawing/2014/main" id="{748E130B-3C60-4BB4-909D-443DC46E8805}"/>
-              </a:ext>
-            </a:extLst>
-          </p:cNvPr>
-          <p:cNvPicPr>
-            <a:picLocks noChangeAspect="1"/>
-          </p:cNvPicPr>
-          <p:nvPr/>
-        </p:nvPicPr>
-        <p:blipFill rotWithShape="1">
-          <a:blip r:embed="rId2"/>
-          <a:srcRect t="11217" r="-2" b="8822"/>
-          <a:stretch/>
-        </p:blipFill>
-        <p:spPr>
-          <a:xfrm>
-            <a:off x="612774" y="316459"/>
-            <a:ext cx="7398530" cy="4037538"/>
-          </a:xfrm>
-          <a:prstGeom prst="rect">
-            <a:avLst/>
-          </a:prstGeom>
-        </p:spPr>
-      </p:pic>
-      <p:pic>
-        <p:nvPicPr>
-          <p:cNvPr id="5" name="图片 4">
-            <a:extLst>
-              <a:ext uri="{FF2B5EF4-FFF2-40B4-BE49-F238E27FC236}">
-                <a16:creationId xmlns:a16="http://schemas.microsoft.com/office/drawing/2014/main" id="{E8D7C534-356E-4913-B833-F4B55BD99ABE}"/>
-              </a:ext>
-            </a:extLst>
-          </p:cNvPr>
-          <p:cNvPicPr>
-            <a:picLocks noChangeAspect="1"/>
-          </p:cNvPicPr>
-          <p:nvPr/>
-        </p:nvPicPr>
-        <p:blipFill rotWithShape="1">
-          <a:blip r:embed="rId3"/>
-          <a:srcRect r="2" b="23327"/>
-          <a:stretch/>
-        </p:blipFill>
-        <p:spPr>
-          <a:xfrm>
-            <a:off x="7008323" y="1312202"/>
-            <a:ext cx="5652955" cy="3088251"/>
-          </a:xfrm>
-          <a:prstGeom prst="rect">
-            <a:avLst/>
-          </a:prstGeom>
-        </p:spPr>
-      </p:pic>
-      <p:pic>
-        <p:nvPicPr>
-          <p:cNvPr id="3" name="图片 2">
-            <a:extLst>
-              <a:ext uri="{FF2B5EF4-FFF2-40B4-BE49-F238E27FC236}">
-                <a16:creationId xmlns:a16="http://schemas.microsoft.com/office/drawing/2014/main" id="{B796F15B-9D1D-48EA-BF9D-AB54E875BE0E}"/>
-              </a:ext>
-            </a:extLst>
-          </p:cNvPr>
-          <p:cNvPicPr>
-            <a:picLocks noChangeAspect="1"/>
-          </p:cNvPicPr>
-          <p:nvPr/>
-        </p:nvPicPr>
-        <p:blipFill rotWithShape="1">
-          <a:blip r:embed="rId4"/>
-          <a:srcRect t="4934" r="-2" b="22234"/>
-          <a:stretch/>
-        </p:blipFill>
-        <p:spPr>
-          <a:xfrm>
-            <a:off x="1229359" y="4400453"/>
-            <a:ext cx="4866641" cy="2339322"/>
-          </a:xfrm>
-          <a:prstGeom prst="rect">
-            <a:avLst/>
-          </a:prstGeom>
-        </p:spPr>
-      </p:pic>
-      <p:pic>
-        <p:nvPicPr>
-          <p:cNvPr id="7" name="图片 6">
-            <a:extLst>
-              <a:ext uri="{FF2B5EF4-FFF2-40B4-BE49-F238E27FC236}">
-                <a16:creationId xmlns:a16="http://schemas.microsoft.com/office/drawing/2014/main" id="{F8B76780-EE90-41AD-995B-A67AE44D8C1F}"/>
-              </a:ext>
-            </a:extLst>
-          </p:cNvPr>
-          <p:cNvPicPr>
-            <a:picLocks noChangeAspect="1"/>
-          </p:cNvPicPr>
-          <p:nvPr/>
-        </p:nvPicPr>
-        <p:blipFill rotWithShape="1">
-          <a:blip r:embed="rId5"/>
-          <a:srcRect t="12387" r="2" b="20313"/>
-          <a:stretch/>
-        </p:blipFill>
-        <p:spPr>
-          <a:xfrm>
-            <a:off x="7008323" y="4400453"/>
-            <a:ext cx="4420668" cy="2127231"/>
-          </a:xfrm>
-          <a:prstGeom prst="rect">
-            <a:avLst/>
-          </a:prstGeom>
-        </p:spPr>
-      </p:pic>
-      <p:sp>
-        <p:nvSpPr>
-          <p:cNvPr id="24" name="文本框 23">
-            <a:extLst>
-              <a:ext uri="{FF2B5EF4-FFF2-40B4-BE49-F238E27FC236}">
-                <a16:creationId xmlns:a16="http://schemas.microsoft.com/office/drawing/2014/main" id="{07054105-5665-4211-A8BC-8B71209757BF}"/>
-              </a:ext>
-            </a:extLst>
-          </p:cNvPr>
-          <p:cNvSpPr txBox="1"/>
-          <p:nvPr/>
-        </p:nvSpPr>
-        <p:spPr>
-          <a:xfrm>
-            <a:off x="5166691" y="455477"/>
-            <a:ext cx="6208294" cy="523220"/>
-          </a:xfrm>
-          <a:prstGeom prst="rect">
-            <a:avLst/>
-          </a:prstGeom>
-          <a:noFill/>
-        </p:spPr>
-        <p:txBody>
-          <a:bodyPr wrap="square">
-            <a:spAutoFit/>
-          </a:bodyPr>
-          <a:lstStyle/>
-          <a:p>
-            <a:r>
-              <a:rPr lang="zh-CN" altLang="en-US" sz="2800" dirty="0"/>
-              <a:t>买家内容动态建模</a:t>
-            </a:r>
-          </a:p>
-        </p:txBody>
-      </p:sp>
-    </p:spTree>
-    <p:extLst>
-      <p:ext uri="{BB962C8B-B14F-4D97-AF65-F5344CB8AC3E}">
-        <p14:creationId xmlns:p14="http://schemas.microsoft.com/office/powerpoint/2010/main" val="380259864"/>
-      </p:ext>
-    </p:extLst>
-  </p:cSld>
-  <p:clrMapOvr>
-    <a:masterClrMapping/>
-  </p:clrMapOvr>
-</p:sld>
-</file>
-
-<file path=ppt/slides/slide5.xml><?xml version="1.0" encoding="utf-8"?>
-<p:sld xmlns:a="http://schemas.openxmlformats.org/drawingml/2006/main" xmlns:r="http://schemas.openxmlformats.org/officeDocument/2006/relationships" xmlns:p="http://schemas.openxmlformats.org/presentationml/2006/main">
-  <p:cSld>
-    <p:bg>
-      <p:bgPr>
-        <a:solidFill>
-          <a:schemeClr val="bg1"/>
-        </a:solidFill>
-        <a:effectLst/>
-      </p:bgPr>
-    </p:bg>
     <p:spTree>
       <p:nvGrpSpPr>
         <p:cNvPr id="1" name=""/>
@@ -24963,7 +24287,7 @@
           <p:cNvPr id="3" name="文本框 2">
             <a:extLst>
               <a:ext uri="{FF2B5EF4-FFF2-40B4-BE49-F238E27FC236}">
-                <a16:creationId xmlns:a16="http://schemas.microsoft.com/office/drawing/2014/main" id="{5EAC7074-7496-4A7A-A873-4E4B1BF09103}"/>
+                <a16:creationId xmlns:a16="http://schemas.microsoft.com/office/drawing/2014/main" id="{679C8DE7-9EE4-4DD8-B58B-FD490D332A97}"/>
               </a:ext>
             </a:extLst>
           </p:cNvPr>
@@ -24972,613 +24296,8 @@
         </p:nvSpPr>
         <p:spPr>
           <a:xfrm>
-            <a:off x="560877" y="1104053"/>
-            <a:ext cx="3651466" cy="3785419"/>
-          </a:xfrm>
-          <a:prstGeom prst="rect">
-            <a:avLst/>
-          </a:prstGeom>
-        </p:spPr>
-        <p:txBody>
-          <a:bodyPr vert="horz" lIns="91440" tIns="45720" rIns="91440" bIns="45720" rtlCol="0">
-            <a:normAutofit/>
-          </a:bodyPr>
-          <a:lstStyle/>
-          <a:p>
-            <a:pPr indent="-228600">
-              <a:lnSpc>
-                <a:spcPct val="90000"/>
-              </a:lnSpc>
-              <a:spcBef>
-                <a:spcPct val="0"/>
-              </a:spcBef>
-              <a:spcAft>
-                <a:spcPts val="600"/>
-              </a:spcAft>
-              <a:buFont typeface="Arial" panose="020B0604020202020204" pitchFamily="34" charset="0"/>
-              <a:buChar char="•"/>
-            </a:pPr>
-            <a:r>
-              <a:rPr lang="zh-CN" altLang="en-US" sz="4800" dirty="0"/>
-              <a:t>管理员内容静态建模</a:t>
-            </a:r>
-          </a:p>
-        </p:txBody>
-      </p:sp>
-      <p:pic>
-        <p:nvPicPr>
-          <p:cNvPr id="5" name="图片 4">
-            <a:extLst>
-              <a:ext uri="{FF2B5EF4-FFF2-40B4-BE49-F238E27FC236}">
-                <a16:creationId xmlns:a16="http://schemas.microsoft.com/office/drawing/2014/main" id="{CB8BB91B-D0FB-4997-846B-794DB2B697EE}"/>
-              </a:ext>
-            </a:extLst>
-          </p:cNvPr>
-          <p:cNvPicPr>
-            <a:picLocks noChangeAspect="1"/>
-          </p:cNvPicPr>
-          <p:nvPr/>
-        </p:nvPicPr>
-        <p:blipFill rotWithShape="1">
-          <a:blip r:embed="rId2"/>
-          <a:srcRect r="-2" b="2365"/>
-          <a:stretch/>
-        </p:blipFill>
-        <p:spPr>
-          <a:xfrm>
-            <a:off x="4639056" y="10"/>
-            <a:ext cx="7552944" cy="6857990"/>
-          </a:xfrm>
-          <a:prstGeom prst="rect">
-            <a:avLst/>
-          </a:prstGeom>
-          <a:effectLst/>
-        </p:spPr>
-      </p:pic>
-    </p:spTree>
-    <p:extLst>
-      <p:ext uri="{BB962C8B-B14F-4D97-AF65-F5344CB8AC3E}">
-        <p14:creationId xmlns:p14="http://schemas.microsoft.com/office/powerpoint/2010/main" val="1834825166"/>
-      </p:ext>
-    </p:extLst>
-  </p:cSld>
-  <p:clrMapOvr>
-    <a:masterClrMapping/>
-  </p:clrMapOvr>
-  <p:timing>
-    <p:tnLst>
-      <p:par>
-        <p:cTn id="1" dur="indefinite" restart="never" nodeType="tmRoot">
-          <p:childTnLst>
-            <p:seq concurrent="1" nextAc="seek">
-              <p:cTn id="2" dur="indefinite" nodeType="mainSeq">
-                <p:childTnLst>
-                  <p:par>
-                    <p:cTn id="3" fill="hold">
-                      <p:stCondLst>
-                        <p:cond delay="indefinite"/>
-                        <p:cond evt="onBegin" delay="0">
-                          <p:tn val="2"/>
-                        </p:cond>
-                      </p:stCondLst>
-                      <p:childTnLst>
-                        <p:par>
-                          <p:cTn id="4" fill="hold">
-                            <p:stCondLst>
-                              <p:cond delay="0"/>
-                            </p:stCondLst>
-                            <p:childTnLst>
-                              <p:par>
-                                <p:cTn id="5" presetID="10" presetClass="entr" presetSubtype="0" fill="hold" nodeType="withEffect">
-                                  <p:stCondLst>
-                                    <p:cond delay="0"/>
-                                  </p:stCondLst>
-                                  <p:iterate>
-                                    <p:tmPct val="10000"/>
-                                  </p:iterate>
-                                  <p:childTnLst>
-                                    <p:set>
-                                      <p:cBhvr>
-                                        <p:cTn id="6" dur="1" fill="hold">
-                                          <p:stCondLst>
-                                            <p:cond delay="0"/>
-                                          </p:stCondLst>
-                                        </p:cTn>
-                                        <p:tgtEl>
-                                          <p:spTgt spid="5"/>
-                                        </p:tgtEl>
-                                        <p:attrNameLst>
-                                          <p:attrName>style.visibility</p:attrName>
-                                        </p:attrNameLst>
-                                      </p:cBhvr>
-                                      <p:to>
-                                        <p:strVal val="visible"/>
-                                      </p:to>
-                                    </p:set>
-                                    <p:animEffect transition="in" filter="fade">
-                                      <p:cBhvr>
-                                        <p:cTn id="7" dur="700"/>
-                                        <p:tgtEl>
-                                          <p:spTgt spid="5"/>
-                                        </p:tgtEl>
-                                      </p:cBhvr>
-                                    </p:animEffect>
-                                  </p:childTnLst>
-                                </p:cTn>
-                              </p:par>
-                            </p:childTnLst>
-                          </p:cTn>
-                        </p:par>
-                      </p:childTnLst>
-                    </p:cTn>
-                  </p:par>
-                </p:childTnLst>
-              </p:cTn>
-              <p:prevCondLst>
-                <p:cond evt="onPrev" delay="0">
-                  <p:tgtEl>
-                    <p:sldTgt/>
-                  </p:tgtEl>
-                </p:cond>
-              </p:prevCondLst>
-              <p:nextCondLst>
-                <p:cond evt="onNext" delay="0">
-                  <p:tgtEl>
-                    <p:sldTgt/>
-                  </p:tgtEl>
-                </p:cond>
-              </p:nextCondLst>
-            </p:seq>
-          </p:childTnLst>
-        </p:cTn>
-      </p:par>
-    </p:tnLst>
-  </p:timing>
-</p:sld>
-</file>
-
-<file path=ppt/slides/slide6.xml><?xml version="1.0" encoding="utf-8"?>
-<p:sld xmlns:a="http://schemas.openxmlformats.org/drawingml/2006/main" xmlns:r="http://schemas.openxmlformats.org/officeDocument/2006/relationships" xmlns:p="http://schemas.openxmlformats.org/presentationml/2006/main">
-  <p:cSld>
-    <p:bg>
-      <p:bgPr>
-        <a:solidFill>
-          <a:schemeClr val="bg1"/>
-        </a:solidFill>
-        <a:effectLst/>
-      </p:bgPr>
-    </p:bg>
-    <p:spTree>
-      <p:nvGrpSpPr>
-        <p:cNvPr id="1" name=""/>
-        <p:cNvGrpSpPr/>
-        <p:nvPr/>
-      </p:nvGrpSpPr>
-      <p:grpSpPr>
-        <a:xfrm>
-          <a:off x="0" y="0"/>
-          <a:ext cx="0" cy="0"/>
-          <a:chOff x="0" y="0"/>
-          <a:chExt cx="0" cy="0"/>
-        </a:xfrm>
-      </p:grpSpPr>
-      <p:cxnSp>
-        <p:nvCxnSpPr>
-          <p:cNvPr id="29" name="Straight Connector 28">
-            <a:extLst>
-              <a:ext uri="{FF2B5EF4-FFF2-40B4-BE49-F238E27FC236}">
-                <a16:creationId xmlns:a16="http://schemas.microsoft.com/office/drawing/2014/main" id="{91B6081D-D3E8-4209-B85B-EB1C655A6272}"/>
-              </a:ext>
-              <a:ext uri="{C183D7F6-B498-43B3-948B-1728B52AA6E4}">
-                <adec:decorative xmlns:adec="http://schemas.microsoft.com/office/drawing/2017/decorative" val="1"/>
-              </a:ext>
-            </a:extLst>
-          </p:cNvPr>
-          <p:cNvCxnSpPr>
-            <a:cxnSpLocks noGrp="1" noRot="1" noChangeAspect="1" noMove="1" noResize="1" noEditPoints="1" noAdjustHandles="1" noChangeArrowheads="1" noChangeShapeType="1"/>
-          </p:cNvCxnSpPr>
-          <p:nvPr>
-            <p:extLst>
-              <p:ext uri="{386F3935-93C4-4BCD-93E2-E3B085C9AB24}">
-                <p16:designElem xmlns:p16="http://schemas.microsoft.com/office/powerpoint/2015/main" val="1"/>
-              </p:ext>
-            </p:extLst>
-          </p:nvPr>
-        </p:nvCxnSpPr>
-        <p:spPr>
-          <a:xfrm>
-            <a:off x="6091214" y="1111170"/>
-            <a:ext cx="11040" cy="4645103"/>
-          </a:xfrm>
-          <a:prstGeom prst="line">
-            <a:avLst/>
-          </a:prstGeom>
-          <a:ln w="19050">
-            <a:solidFill>
-              <a:srgbClr val="7F7F7F"/>
-            </a:solidFill>
-          </a:ln>
-        </p:spPr>
-        <p:style>
-          <a:lnRef idx="1">
-            <a:schemeClr val="accent1"/>
-          </a:lnRef>
-          <a:fillRef idx="0">
-            <a:schemeClr val="accent1"/>
-          </a:fillRef>
-          <a:effectRef idx="0">
-            <a:schemeClr val="accent1"/>
-          </a:effectRef>
-          <a:fontRef idx="minor">
-            <a:schemeClr val="tx1"/>
-          </a:fontRef>
-        </p:style>
-      </p:cxnSp>
-      <p:cxnSp>
-        <p:nvCxnSpPr>
-          <p:cNvPr id="34" name="Straight Connector 30">
-            <a:extLst>
-              <a:ext uri="{FF2B5EF4-FFF2-40B4-BE49-F238E27FC236}">
-                <a16:creationId xmlns:a16="http://schemas.microsoft.com/office/drawing/2014/main" id="{28CA55E4-1295-45C8-BA05-5A9E705B749A}"/>
-              </a:ext>
-              <a:ext uri="{C183D7F6-B498-43B3-948B-1728B52AA6E4}">
-                <adec:decorative xmlns:adec="http://schemas.microsoft.com/office/drawing/2017/decorative" val="1"/>
-              </a:ext>
-            </a:extLst>
-          </p:cNvPr>
-          <p:cNvCxnSpPr>
-            <a:cxnSpLocks noGrp="1" noRot="1" noChangeAspect="1" noMove="1" noResize="1" noEditPoints="1" noAdjustHandles="1" noChangeArrowheads="1" noChangeShapeType="1"/>
-          </p:cNvCxnSpPr>
-          <p:nvPr>
-            <p:extLst>
-              <p:ext uri="{386F3935-93C4-4BCD-93E2-E3B085C9AB24}">
-                <p16:designElem xmlns:p16="http://schemas.microsoft.com/office/powerpoint/2015/main" val="1"/>
-              </p:ext>
-            </p:extLst>
-          </p:nvPr>
-        </p:nvCxnSpPr>
-        <p:spPr>
-          <a:xfrm>
-            <a:off x="1403027" y="3428998"/>
-            <a:ext cx="4188904" cy="1"/>
-          </a:xfrm>
-          <a:prstGeom prst="line">
-            <a:avLst/>
-          </a:prstGeom>
-          <a:ln w="19050">
-            <a:solidFill>
-              <a:srgbClr val="7F7F7F"/>
-            </a:solidFill>
-          </a:ln>
-        </p:spPr>
-        <p:style>
-          <a:lnRef idx="1">
-            <a:schemeClr val="accent1"/>
-          </a:lnRef>
-          <a:fillRef idx="0">
-            <a:schemeClr val="accent1"/>
-          </a:fillRef>
-          <a:effectRef idx="0">
-            <a:schemeClr val="accent1"/>
-          </a:effectRef>
-          <a:fontRef idx="minor">
-            <a:schemeClr val="tx1"/>
-          </a:fontRef>
-        </p:style>
-      </p:cxnSp>
-      <p:cxnSp>
-        <p:nvCxnSpPr>
-          <p:cNvPr id="33" name="Straight Connector 32">
-            <a:extLst>
-              <a:ext uri="{FF2B5EF4-FFF2-40B4-BE49-F238E27FC236}">
-                <a16:creationId xmlns:a16="http://schemas.microsoft.com/office/drawing/2014/main" id="{08C5794E-A9A1-4A23-AF68-C79A7822334C}"/>
-              </a:ext>
-              <a:ext uri="{C183D7F6-B498-43B3-948B-1728B52AA6E4}">
-                <adec:decorative xmlns:adec="http://schemas.microsoft.com/office/drawing/2017/decorative" val="1"/>
-              </a:ext>
-            </a:extLst>
-          </p:cNvPr>
-          <p:cNvCxnSpPr>
-            <a:cxnSpLocks noGrp="1" noRot="1" noChangeAspect="1" noMove="1" noResize="1" noEditPoints="1" noAdjustHandles="1" noChangeArrowheads="1" noChangeShapeType="1"/>
-          </p:cNvCxnSpPr>
-          <p:nvPr>
-            <p:extLst>
-              <p:ext uri="{386F3935-93C4-4BCD-93E2-E3B085C9AB24}">
-                <p16:designElem xmlns:p16="http://schemas.microsoft.com/office/powerpoint/2015/main" val="1"/>
-              </p:ext>
-            </p:extLst>
-          </p:nvPr>
-        </p:nvCxnSpPr>
-        <p:spPr>
-          <a:xfrm>
-            <a:off x="6610334" y="3428998"/>
-            <a:ext cx="4188904" cy="1"/>
-          </a:xfrm>
-          <a:prstGeom prst="line">
-            <a:avLst/>
-          </a:prstGeom>
-          <a:ln w="19050">
-            <a:solidFill>
-              <a:srgbClr val="7F7F7F"/>
-            </a:solidFill>
-          </a:ln>
-        </p:spPr>
-        <p:style>
-          <a:lnRef idx="1">
-            <a:schemeClr val="accent1"/>
-          </a:lnRef>
-          <a:fillRef idx="0">
-            <a:schemeClr val="accent1"/>
-          </a:fillRef>
-          <a:effectRef idx="0">
-            <a:schemeClr val="accent1"/>
-          </a:effectRef>
-          <a:fontRef idx="minor">
-            <a:schemeClr val="tx1"/>
-          </a:fontRef>
-        </p:style>
-      </p:cxnSp>
-      <p:pic>
-        <p:nvPicPr>
-          <p:cNvPr id="11" name="图片 10">
-            <a:extLst>
-              <a:ext uri="{FF2B5EF4-FFF2-40B4-BE49-F238E27FC236}">
-                <a16:creationId xmlns:a16="http://schemas.microsoft.com/office/drawing/2014/main" id="{5E43517D-2DB7-430D-8DFE-B6B9654AD0BC}"/>
-              </a:ext>
-            </a:extLst>
-          </p:cNvPr>
-          <p:cNvPicPr>
-            <a:picLocks noChangeAspect="1"/>
-          </p:cNvPicPr>
-          <p:nvPr/>
-        </p:nvPicPr>
-        <p:blipFill>
-          <a:blip r:embed="rId2"/>
-          <a:stretch>
-            <a:fillRect/>
-          </a:stretch>
-        </p:blipFill>
-        <p:spPr>
-          <a:xfrm>
-            <a:off x="1644887" y="629920"/>
-            <a:ext cx="4196686" cy="2657517"/>
-          </a:xfrm>
-          <a:prstGeom prst="rect">
-            <a:avLst/>
-          </a:prstGeom>
-        </p:spPr>
-      </p:pic>
-      <p:pic>
-        <p:nvPicPr>
-          <p:cNvPr id="13" name="图片 12">
-            <a:extLst>
-              <a:ext uri="{FF2B5EF4-FFF2-40B4-BE49-F238E27FC236}">
-                <a16:creationId xmlns:a16="http://schemas.microsoft.com/office/drawing/2014/main" id="{171F4E64-2431-454D-A9C4-BFE583EB0FB9}"/>
-              </a:ext>
-            </a:extLst>
-          </p:cNvPr>
-          <p:cNvPicPr>
-            <a:picLocks noChangeAspect="1"/>
-          </p:cNvPicPr>
-          <p:nvPr/>
-        </p:nvPicPr>
-        <p:blipFill>
-          <a:blip r:embed="rId3"/>
-          <a:stretch>
-            <a:fillRect/>
-          </a:stretch>
-        </p:blipFill>
-        <p:spPr>
-          <a:xfrm>
-            <a:off x="6768524" y="983134"/>
-            <a:ext cx="4733952" cy="1951087"/>
-          </a:xfrm>
-          <a:prstGeom prst="rect">
-            <a:avLst/>
-          </a:prstGeom>
-        </p:spPr>
-      </p:pic>
-      <p:pic>
-        <p:nvPicPr>
-          <p:cNvPr id="21" name="图片 20">
-            <a:extLst>
-              <a:ext uri="{FF2B5EF4-FFF2-40B4-BE49-F238E27FC236}">
-                <a16:creationId xmlns:a16="http://schemas.microsoft.com/office/drawing/2014/main" id="{1DE4B593-EEEA-4FFE-8D76-E14501300DFB}"/>
-              </a:ext>
-            </a:extLst>
-          </p:cNvPr>
-          <p:cNvPicPr>
-            <a:picLocks noChangeAspect="1"/>
-          </p:cNvPicPr>
-          <p:nvPr/>
-        </p:nvPicPr>
-        <p:blipFill>
-          <a:blip r:embed="rId4"/>
-          <a:stretch>
-            <a:fillRect/>
-          </a:stretch>
-        </p:blipFill>
-        <p:spPr>
-          <a:xfrm>
-            <a:off x="358519" y="3696140"/>
-            <a:ext cx="5483053" cy="1431274"/>
-          </a:xfrm>
-          <a:prstGeom prst="rect">
-            <a:avLst/>
-          </a:prstGeom>
-        </p:spPr>
-      </p:pic>
-      <p:pic>
-        <p:nvPicPr>
-          <p:cNvPr id="25" name="图片 24">
-            <a:extLst>
-              <a:ext uri="{FF2B5EF4-FFF2-40B4-BE49-F238E27FC236}">
-                <a16:creationId xmlns:a16="http://schemas.microsoft.com/office/drawing/2014/main" id="{44DFED9A-B325-45C7-8A42-AD054E726268}"/>
-              </a:ext>
-            </a:extLst>
-          </p:cNvPr>
-          <p:cNvPicPr>
-            <a:picLocks noChangeAspect="1"/>
-          </p:cNvPicPr>
-          <p:nvPr/>
-        </p:nvPicPr>
-        <p:blipFill>
-          <a:blip r:embed="rId5"/>
-          <a:stretch>
-            <a:fillRect/>
-          </a:stretch>
-        </p:blipFill>
-        <p:spPr>
-          <a:xfrm>
-            <a:off x="6432846" y="4048046"/>
-            <a:ext cx="5069630" cy="556162"/>
-          </a:xfrm>
-          <a:prstGeom prst="rect">
-            <a:avLst/>
-          </a:prstGeom>
-        </p:spPr>
-      </p:pic>
-      <p:sp>
-        <p:nvSpPr>
-          <p:cNvPr id="26" name="文本框 25">
-            <a:extLst>
-              <a:ext uri="{FF2B5EF4-FFF2-40B4-BE49-F238E27FC236}">
-                <a16:creationId xmlns:a16="http://schemas.microsoft.com/office/drawing/2014/main" id="{1214D0D8-2A88-4A40-8F0A-94CB2D635A80}"/>
-              </a:ext>
-            </a:extLst>
-          </p:cNvPr>
-          <p:cNvSpPr txBox="1"/>
-          <p:nvPr/>
-        </p:nvSpPr>
-        <p:spPr>
-          <a:xfrm>
-            <a:off x="257386" y="528319"/>
-            <a:ext cx="2546773" cy="1077218"/>
-          </a:xfrm>
-          <a:prstGeom prst="rect">
-            <a:avLst/>
-          </a:prstGeom>
-          <a:noFill/>
-        </p:spPr>
-        <p:txBody>
-          <a:bodyPr wrap="square" rtlCol="0">
-            <a:spAutoFit/>
-          </a:bodyPr>
-          <a:lstStyle/>
-          <a:p>
-            <a:r>
-              <a:rPr lang="zh-CN" altLang="en-US" sz="3200" dirty="0"/>
-              <a:t>管理员内容动态建模</a:t>
-            </a:r>
-          </a:p>
-        </p:txBody>
-      </p:sp>
-    </p:spTree>
-    <p:extLst>
-      <p:ext uri="{BB962C8B-B14F-4D97-AF65-F5344CB8AC3E}">
-        <p14:creationId xmlns:p14="http://schemas.microsoft.com/office/powerpoint/2010/main" val="3578345090"/>
-      </p:ext>
-    </p:extLst>
-  </p:cSld>
-  <p:clrMapOvr>
-    <a:masterClrMapping/>
-  </p:clrMapOvr>
-</p:sld>
-</file>
-
-<file path=ppt/slides/slide7.xml><?xml version="1.0" encoding="utf-8"?>
-<p:sld xmlns:a="http://schemas.openxmlformats.org/drawingml/2006/main" xmlns:r="http://schemas.openxmlformats.org/officeDocument/2006/relationships" xmlns:p="http://schemas.openxmlformats.org/presentationml/2006/main">
-  <p:cSld>
-    <p:spTree>
-      <p:nvGrpSpPr>
-        <p:cNvPr id="1" name=""/>
-        <p:cNvGrpSpPr/>
-        <p:nvPr/>
-      </p:nvGrpSpPr>
-      <p:grpSpPr>
-        <a:xfrm>
-          <a:off x="0" y="0"/>
-          <a:ext cx="0" cy="0"/>
-          <a:chOff x="0" y="0"/>
-          <a:chExt cx="0" cy="0"/>
-        </a:xfrm>
-      </p:grpSpPr>
-      <p:pic>
-        <p:nvPicPr>
-          <p:cNvPr id="3" name="图片 2">
-            <a:extLst>
-              <a:ext uri="{FF2B5EF4-FFF2-40B4-BE49-F238E27FC236}">
-                <a16:creationId xmlns:a16="http://schemas.microsoft.com/office/drawing/2014/main" id="{32505739-FEF7-4C6F-9075-B0A277058BC0}"/>
-              </a:ext>
-            </a:extLst>
-          </p:cNvPr>
-          <p:cNvPicPr>
-            <a:picLocks noChangeAspect="1"/>
-          </p:cNvPicPr>
-          <p:nvPr/>
-        </p:nvPicPr>
-        <p:blipFill>
-          <a:blip r:embed="rId2"/>
-          <a:stretch>
-            <a:fillRect/>
-          </a:stretch>
-        </p:blipFill>
-        <p:spPr>
-          <a:xfrm>
-            <a:off x="0" y="0"/>
-            <a:ext cx="4727796" cy="2512907"/>
-          </a:xfrm>
-          <a:prstGeom prst="rect">
-            <a:avLst/>
-          </a:prstGeom>
-        </p:spPr>
-      </p:pic>
-      <p:pic>
-        <p:nvPicPr>
-          <p:cNvPr id="9" name="图片 8">
-            <a:extLst>
-              <a:ext uri="{FF2B5EF4-FFF2-40B4-BE49-F238E27FC236}">
-                <a16:creationId xmlns:a16="http://schemas.microsoft.com/office/drawing/2014/main" id="{1414D1E9-F7E8-4345-96E8-CF9CF960997E}"/>
-              </a:ext>
-            </a:extLst>
-          </p:cNvPr>
-          <p:cNvPicPr>
-            <a:picLocks noChangeAspect="1"/>
-          </p:cNvPicPr>
-          <p:nvPr/>
-        </p:nvPicPr>
-        <p:blipFill>
-          <a:blip r:embed="rId3"/>
-          <a:stretch>
-            <a:fillRect/>
-          </a:stretch>
-        </p:blipFill>
-        <p:spPr>
-          <a:xfrm>
-            <a:off x="3725332" y="2500671"/>
-            <a:ext cx="7160463" cy="4099942"/>
-          </a:xfrm>
-          <a:prstGeom prst="rect">
-            <a:avLst/>
-          </a:prstGeom>
-        </p:spPr>
-      </p:pic>
-      <p:sp>
-        <p:nvSpPr>
-          <p:cNvPr id="11" name="文本框 10">
-            <a:extLst>
-              <a:ext uri="{FF2B5EF4-FFF2-40B4-BE49-F238E27FC236}">
-                <a16:creationId xmlns:a16="http://schemas.microsoft.com/office/drawing/2014/main" id="{7D901A3E-D2F6-44E0-BAC2-7B39D759218F}"/>
-              </a:ext>
-            </a:extLst>
-          </p:cNvPr>
-          <p:cNvSpPr txBox="1"/>
-          <p:nvPr/>
-        </p:nvSpPr>
-        <p:spPr>
-          <a:xfrm>
-            <a:off x="6633411" y="803617"/>
-            <a:ext cx="6096000" cy="646331"/>
+            <a:off x="1676400" y="1512838"/>
+            <a:ext cx="8191500" cy="4524315"/>
           </a:xfrm>
           <a:prstGeom prst="rect">
             <a:avLst/>
@@ -25591,17 +24310,91 @@
           </a:bodyPr>
           <a:lstStyle/>
           <a:p>
+            <a:pPr eaLnBrk="1" hangingPunct="1"/>
+            <a:r>
+              <a:rPr lang="en-US" altLang="zh-CN" sz="3600" dirty="0"/>
+              <a:t>Web</a:t>
+            </a:r>
             <a:r>
               <a:rPr lang="zh-CN" altLang="en-US" sz="3600" dirty="0"/>
-              <a:t>买家超文本建模</a:t>
+              <a:t>应用构建</a:t>
             </a:r>
+            <a:endParaRPr lang="en-US" altLang="zh-CN" sz="3600" dirty="0"/>
+          </a:p>
+          <a:p>
+            <a:pPr lvl="1"/>
+            <a:r>
+              <a:rPr lang="zh-CN" altLang="en-US" sz="3600" dirty="0"/>
+              <a:t>网站主页</a:t>
+            </a:r>
+            <a:endParaRPr lang="en-US" altLang="zh-CN" sz="3600" dirty="0"/>
+          </a:p>
+          <a:p>
+            <a:pPr lvl="1"/>
+            <a:r>
+              <a:rPr lang="zh-CN" altLang="en-US" sz="3600" dirty="0"/>
+              <a:t>订单页面</a:t>
+            </a:r>
+            <a:endParaRPr lang="en-US" altLang="zh-CN" sz="3600" dirty="0"/>
+          </a:p>
+          <a:p>
+            <a:pPr lvl="1"/>
+            <a:r>
+              <a:rPr lang="zh-CN" altLang="en-US" sz="3600" dirty="0"/>
+              <a:t>商品详情页</a:t>
+            </a:r>
+            <a:endParaRPr lang="en-US" altLang="zh-CN" sz="3600" dirty="0"/>
+          </a:p>
+          <a:p>
+            <a:pPr lvl="1"/>
+            <a:r>
+              <a:rPr lang="zh-CN" altLang="en-US" sz="3600" dirty="0"/>
+              <a:t>购物车页面</a:t>
+            </a:r>
+            <a:endParaRPr lang="en-US" altLang="zh-CN" sz="3600" dirty="0"/>
+          </a:p>
+          <a:p>
+            <a:pPr lvl="1"/>
+            <a:r>
+              <a:rPr lang="zh-CN" altLang="en-US" sz="3600" dirty="0"/>
+              <a:t>后台管理</a:t>
+            </a:r>
+            <a:endParaRPr lang="en-US" altLang="zh-CN" sz="3600" dirty="0"/>
+          </a:p>
+          <a:p>
+            <a:pPr eaLnBrk="1" hangingPunct="1">
+              <a:defRPr/>
+            </a:pPr>
+            <a:r>
+              <a:rPr lang="en-US" altLang="zh-CN" sz="3600" dirty="0"/>
+              <a:t>Web</a:t>
+            </a:r>
+            <a:r>
+              <a:rPr lang="zh-CN" altLang="en-US" sz="3600" dirty="0"/>
+              <a:t>应用部署</a:t>
+            </a:r>
+            <a:endParaRPr lang="en-US" altLang="zh-CN" sz="3600" dirty="0"/>
+          </a:p>
+          <a:p>
+            <a:pPr lvl="1" eaLnBrk="1" hangingPunct="1">
+              <a:defRPr/>
+            </a:pPr>
+            <a:r>
+              <a:rPr lang="en-US" altLang="zh-CN" sz="3600" dirty="0"/>
+              <a:t>Django</a:t>
+            </a:r>
+            <a:r>
+              <a:rPr lang="zh-CN" altLang="en-US" sz="3600" dirty="0"/>
+              <a:t>自带的本机服务器部署</a:t>
+            </a:r>
+            <a:endParaRPr lang="en-US" altLang="zh-CN" sz="3600" dirty="0"/>
           </a:p>
         </p:txBody>
       </p:sp>
     </p:spTree>
     <p:extLst>
       <p:ext uri="{BB962C8B-B14F-4D97-AF65-F5344CB8AC3E}">
-        <p14:creationId xmlns:p14="http://schemas.microsoft.com/office/powerpoint/2010/main" val="231417113"/>
+        <p14:creationId xmlns:p14="http://schemas.microsoft.com/office/powerpoint/2010/main" val="2087723265"/>
       </p:ext>
     </p:extLst>
   </p:cSld>
@@ -25628,203 +24421,523 @@
           <a:chExt cx="0" cy="0"/>
         </a:xfrm>
       </p:grpSpPr>
-      <p:pic>
-        <p:nvPicPr>
-          <p:cNvPr id="2" name="图片 1" descr="图表, 箱线图&#10;&#10;描述已自动生成">
-            <a:extLst>
-              <a:ext uri="{FF2B5EF4-FFF2-40B4-BE49-F238E27FC236}">
-                <a16:creationId xmlns:a16="http://schemas.microsoft.com/office/drawing/2014/main" id="{111880E4-9BE2-49CA-923D-4BBC4279BC8C}"/>
-              </a:ext>
-            </a:extLst>
-          </p:cNvPr>
-          <p:cNvPicPr>
-            <a:picLocks noChangeAspect="1"/>
-          </p:cNvPicPr>
-          <p:nvPr/>
-        </p:nvPicPr>
-        <p:blipFill>
-          <a:blip r:embed="rId2"/>
-          <a:stretch>
-            <a:fillRect/>
-          </a:stretch>
-        </p:blipFill>
-        <p:spPr>
-          <a:xfrm>
-            <a:off x="212710" y="1719614"/>
-            <a:ext cx="10381870" cy="4645885"/>
-          </a:xfrm>
-          <a:custGeom>
-            <a:avLst/>
-            <a:gdLst/>
-            <a:ahLst/>
-            <a:cxnLst/>
-            <a:rect l="l" t="t" r="r" b="b"/>
-            <a:pathLst>
-              <a:path w="4555700" h="2733294">
-                <a:moveTo>
-                  <a:pt x="82217" y="0"/>
-                </a:moveTo>
-                <a:lnTo>
-                  <a:pt x="4473483" y="0"/>
-                </a:lnTo>
-                <a:cubicBezTo>
-                  <a:pt x="4518890" y="0"/>
-                  <a:pt x="4555700" y="36810"/>
-                  <a:pt x="4555700" y="82217"/>
-                </a:cubicBezTo>
-                <a:lnTo>
-                  <a:pt x="4555700" y="2651077"/>
-                </a:lnTo>
-                <a:cubicBezTo>
-                  <a:pt x="4555700" y="2696484"/>
-                  <a:pt x="4518890" y="2733294"/>
-                  <a:pt x="4473483" y="2733294"/>
-                </a:cubicBezTo>
-                <a:lnTo>
-                  <a:pt x="82217" y="2733294"/>
-                </a:lnTo>
-                <a:cubicBezTo>
-                  <a:pt x="36810" y="2733294"/>
-                  <a:pt x="0" y="2696484"/>
-                  <a:pt x="0" y="2651077"/>
-                </a:cubicBezTo>
-                <a:lnTo>
-                  <a:pt x="0" y="82217"/>
-                </a:lnTo>
-                <a:cubicBezTo>
-                  <a:pt x="0" y="36810"/>
-                  <a:pt x="36810" y="0"/>
-                  <a:pt x="82217" y="0"/>
-                </a:cubicBezTo>
-                <a:close/>
-              </a:path>
-            </a:pathLst>
-          </a:custGeom>
-        </p:spPr>
-      </p:pic>
-      <p:pic>
-        <p:nvPicPr>
-          <p:cNvPr id="3" name="图片 2" descr="图形用户界面, 应用程序&#10;&#10;描述已自动生成">
-            <a:extLst>
-              <a:ext uri="{FF2B5EF4-FFF2-40B4-BE49-F238E27FC236}">
-                <a16:creationId xmlns:a16="http://schemas.microsoft.com/office/drawing/2014/main" id="{FFCE4D5B-3854-46AB-8C3D-14CE89DC273B}"/>
-              </a:ext>
-            </a:extLst>
-          </p:cNvPr>
-          <p:cNvPicPr>
-            <a:picLocks noChangeAspect="1"/>
-          </p:cNvPicPr>
-          <p:nvPr/>
-        </p:nvPicPr>
-        <p:blipFill>
-          <a:blip r:embed="rId3"/>
-          <a:stretch>
-            <a:fillRect/>
-          </a:stretch>
-        </p:blipFill>
-        <p:spPr>
-          <a:xfrm>
-            <a:off x="8903705" y="352968"/>
-            <a:ext cx="2832428" cy="2733293"/>
-          </a:xfrm>
-          <a:custGeom>
-            <a:avLst/>
-            <a:gdLst/>
-            <a:ahLst/>
-            <a:cxnLst/>
-            <a:rect l="l" t="t" r="r" b="b"/>
-            <a:pathLst>
-              <a:path w="4438338" h="2323972">
-                <a:moveTo>
-                  <a:pt x="69905" y="0"/>
-                </a:moveTo>
-                <a:lnTo>
-                  <a:pt x="4368433" y="0"/>
-                </a:lnTo>
-                <a:cubicBezTo>
-                  <a:pt x="4407040" y="0"/>
-                  <a:pt x="4438338" y="31298"/>
-                  <a:pt x="4438338" y="69905"/>
-                </a:cubicBezTo>
-                <a:lnTo>
-                  <a:pt x="4438338" y="2254067"/>
-                </a:lnTo>
-                <a:cubicBezTo>
-                  <a:pt x="4438338" y="2292674"/>
-                  <a:pt x="4407040" y="2323972"/>
-                  <a:pt x="4368433" y="2323972"/>
-                </a:cubicBezTo>
-                <a:lnTo>
-                  <a:pt x="69905" y="2323972"/>
-                </a:lnTo>
-                <a:cubicBezTo>
-                  <a:pt x="31298" y="2323972"/>
-                  <a:pt x="0" y="2292674"/>
-                  <a:pt x="0" y="2254067"/>
-                </a:cubicBezTo>
-                <a:lnTo>
-                  <a:pt x="0" y="69905"/>
-                </a:lnTo>
-                <a:cubicBezTo>
-                  <a:pt x="0" y="31298"/>
-                  <a:pt x="31298" y="0"/>
-                  <a:pt x="69905" y="0"/>
-                </a:cubicBezTo>
-                <a:close/>
-              </a:path>
-            </a:pathLst>
-          </a:custGeom>
-        </p:spPr>
-      </p:pic>
       <p:sp>
         <p:nvSpPr>
-          <p:cNvPr id="5" name="文本框 4">
-            <a:extLst>
-              <a:ext uri="{FF2B5EF4-FFF2-40B4-BE49-F238E27FC236}">
-                <a16:creationId xmlns:a16="http://schemas.microsoft.com/office/drawing/2014/main" id="{EE6C82C3-7A29-4140-BD77-239123FACFF3}"/>
-              </a:ext>
-            </a:extLst>
-          </p:cNvPr>
-          <p:cNvSpPr txBox="1"/>
-          <p:nvPr/>
+          <p:cNvPr id="94210" name="Rectangle 2"/>
+          <p:cNvSpPr>
+            <a:spLocks noGrp="1" noChangeArrowheads="1"/>
+          </p:cNvSpPr>
+          <p:nvPr>
+            <p:ph type="title"/>
+          </p:nvPr>
+        </p:nvSpPr>
+        <p:spPr/>
+        <p:txBody>
+          <a:bodyPr/>
+          <a:lstStyle/>
+          <a:p>
+            <a:pPr eaLnBrk="1" hangingPunct="1"/>
+            <a:r>
+              <a:rPr lang="en-US" altLang="zh-CN" dirty="0"/>
+              <a:t>Project Task: Task8</a:t>
+            </a:r>
+          </a:p>
+        </p:txBody>
+      </p:sp>
+      <p:sp>
+        <p:nvSpPr>
+          <p:cNvPr id="94211" name="Rectangle 3"/>
+          <p:cNvSpPr>
+            <a:spLocks noGrp="1" noChangeArrowheads="1"/>
+          </p:cNvSpPr>
+          <p:nvPr>
+            <p:ph type="body" idx="1"/>
+          </p:nvPr>
+        </p:nvSpPr>
+        <p:spPr/>
+        <p:txBody>
+          <a:bodyPr/>
+          <a:lstStyle/>
+          <a:p>
+            <a:pPr marL="914400" lvl="2" indent="0">
+              <a:buNone/>
+            </a:pPr>
+            <a:r>
+              <a:rPr lang="zh-CN" altLang="en-US" dirty="0"/>
+              <a:t>安全性</a:t>
+            </a:r>
+            <a:endParaRPr lang="en-US" altLang="zh-CN" dirty="0"/>
+          </a:p>
+          <a:p>
+            <a:pPr marL="914400" lvl="2" indent="0">
+              <a:buNone/>
+            </a:pPr>
+            <a:r>
+              <a:rPr lang="zh-CN" altLang="en-US" dirty="0"/>
+              <a:t>测试：</a:t>
+            </a:r>
+            <a:r>
+              <a:rPr lang="zh-CN" altLang="en-US" b="1" i="0" dirty="0">
+                <a:solidFill>
+                  <a:srgbClr val="4F4F4F"/>
+                </a:solidFill>
+                <a:effectLst/>
+                <a:latin typeface="PingFang SC"/>
+              </a:rPr>
+              <a:t>点击劫持保护</a:t>
+            </a:r>
+          </a:p>
+          <a:p>
+            <a:pPr marL="914400" lvl="2" indent="0">
+              <a:buNone/>
+            </a:pPr>
+            <a:r>
+              <a:rPr lang="en-US" altLang="zh-CN" b="0" i="0" dirty="0">
+                <a:solidFill>
+                  <a:srgbClr val="4D4D4D"/>
+                </a:solidFill>
+                <a:effectLst/>
+                <a:latin typeface="-apple-system"/>
+              </a:rPr>
+              <a:t>Django</a:t>
+            </a:r>
+            <a:r>
+              <a:rPr lang="zh-CN" altLang="en-US" b="0" i="0" dirty="0">
+                <a:solidFill>
+                  <a:srgbClr val="4D4D4D"/>
+                </a:solidFill>
+                <a:effectLst/>
+                <a:latin typeface="-apple-system"/>
+              </a:rPr>
+              <a:t>在</a:t>
+            </a:r>
+            <a:r>
+              <a:rPr lang="en-US" altLang="zh-CN" b="0" i="0" dirty="0">
+                <a:solidFill>
+                  <a:srgbClr val="4D4D4D"/>
+                </a:solidFill>
+                <a:effectLst/>
+                <a:latin typeface="-apple-system"/>
+              </a:rPr>
+              <a:t>X-Frame-Options </a:t>
+            </a:r>
+            <a:r>
+              <a:rPr lang="zh-CN" altLang="en-US" b="0" i="0" dirty="0">
+                <a:solidFill>
+                  <a:srgbClr val="4D4D4D"/>
+                </a:solidFill>
+                <a:effectLst/>
+                <a:latin typeface="-apple-system"/>
+              </a:rPr>
+              <a:t>中间件的表单中中含有 点击劫持保护 ，它在支持的浏览器中可以保护站点免于在</a:t>
+            </a:r>
+            <a:r>
+              <a:rPr lang="en-US" altLang="zh-CN" b="0" i="0" dirty="0">
+                <a:solidFill>
+                  <a:srgbClr val="4D4D4D"/>
+                </a:solidFill>
+                <a:effectLst/>
+                <a:latin typeface="-apple-system"/>
+              </a:rPr>
+              <a:t>frame</a:t>
+            </a:r>
+            <a:r>
+              <a:rPr lang="zh-CN" altLang="en-US" b="0" i="0" dirty="0">
+                <a:solidFill>
+                  <a:srgbClr val="4D4D4D"/>
+                </a:solidFill>
+                <a:effectLst/>
+                <a:latin typeface="-apple-system"/>
+              </a:rPr>
+              <a:t>中渲染</a:t>
+            </a:r>
+            <a:endParaRPr lang="en-US" altLang="zh-CN" b="0" i="0" dirty="0">
+              <a:solidFill>
+                <a:srgbClr val="4D4D4D"/>
+              </a:solidFill>
+              <a:effectLst/>
+              <a:latin typeface="-apple-system"/>
+            </a:endParaRPr>
+          </a:p>
+          <a:p>
+            <a:pPr lvl="2" eaLnBrk="1" hangingPunct="1"/>
+            <a:r>
+              <a:rPr lang="en-US" altLang="zh-CN" dirty="0">
+                <a:solidFill>
+                  <a:srgbClr val="4D4D4D"/>
+                </a:solidFill>
+                <a:latin typeface="-apple-system"/>
+              </a:rPr>
+              <a:t>XSS</a:t>
+            </a:r>
+            <a:r>
+              <a:rPr lang="zh-CN" altLang="en-US" dirty="0">
+                <a:solidFill>
+                  <a:srgbClr val="4D4D4D"/>
+                </a:solidFill>
+                <a:latin typeface="-apple-system"/>
+              </a:rPr>
+              <a:t>（跨站点脚本）保护 </a:t>
+            </a:r>
+            <a:r>
+              <a:rPr lang="en-US" altLang="zh-CN" dirty="0">
+                <a:solidFill>
+                  <a:srgbClr val="4D4D4D"/>
+                </a:solidFill>
+                <a:latin typeface="-apple-system"/>
+              </a:rPr>
+              <a:t>- </a:t>
+            </a:r>
+            <a:r>
+              <a:rPr lang="zh-CN" altLang="en-US" dirty="0">
+                <a:solidFill>
+                  <a:srgbClr val="4D4D4D"/>
+                </a:solidFill>
+                <a:latin typeface="-apple-system"/>
+              </a:rPr>
+              <a:t>默认情况下，</a:t>
+            </a:r>
+            <a:r>
+              <a:rPr lang="en-US" altLang="zh-CN" dirty="0">
+                <a:solidFill>
+                  <a:srgbClr val="4D4D4D"/>
+                </a:solidFill>
+                <a:latin typeface="-apple-system"/>
+              </a:rPr>
+              <a:t>Django</a:t>
+            </a:r>
+            <a:r>
+              <a:rPr lang="zh-CN" altLang="en-US" dirty="0">
+                <a:solidFill>
+                  <a:srgbClr val="4D4D4D"/>
+                </a:solidFill>
+                <a:latin typeface="-apple-system"/>
+              </a:rPr>
+              <a:t>模板系统会对变量进行转义，除非它们明确标记为安全。</a:t>
+            </a:r>
+          </a:p>
+          <a:p>
+            <a:pPr lvl="2" eaLnBrk="1" hangingPunct="1"/>
+            <a:r>
+              <a:rPr lang="en-US" altLang="zh-CN" dirty="0">
+                <a:solidFill>
+                  <a:srgbClr val="4D4D4D"/>
+                </a:solidFill>
+                <a:latin typeface="-apple-system"/>
+              </a:rPr>
+              <a:t>CSRF</a:t>
+            </a:r>
+            <a:r>
+              <a:rPr lang="zh-CN" altLang="en-US" dirty="0">
+                <a:solidFill>
+                  <a:srgbClr val="4D4D4D"/>
+                </a:solidFill>
+                <a:latin typeface="-apple-system"/>
+              </a:rPr>
+              <a:t>（跨站点请求伪造）保护 </a:t>
+            </a:r>
+            <a:r>
+              <a:rPr lang="en-US" altLang="zh-CN" dirty="0">
+                <a:solidFill>
+                  <a:srgbClr val="4D4D4D"/>
+                </a:solidFill>
+                <a:latin typeface="-apple-system"/>
+              </a:rPr>
+              <a:t>- </a:t>
+            </a:r>
+            <a:r>
+              <a:rPr lang="zh-CN" altLang="en-US" dirty="0">
+                <a:solidFill>
+                  <a:srgbClr val="4D4D4D"/>
+                </a:solidFill>
+                <a:latin typeface="-apple-system"/>
+              </a:rPr>
+              <a:t>易于在全球范围内启用，确保表单（</a:t>
+            </a:r>
+            <a:r>
+              <a:rPr lang="en-US" altLang="zh-CN" dirty="0">
+                <a:solidFill>
+                  <a:srgbClr val="4D4D4D"/>
+                </a:solidFill>
+                <a:latin typeface="-apple-system"/>
+              </a:rPr>
+              <a:t>POST</a:t>
+            </a:r>
+            <a:r>
+              <a:rPr lang="zh-CN" altLang="en-US" dirty="0">
+                <a:solidFill>
+                  <a:srgbClr val="4D4D4D"/>
+                </a:solidFill>
+                <a:latin typeface="-apple-system"/>
+              </a:rPr>
+              <a:t>请求）从你自己的站点发送。</a:t>
+            </a:r>
+          </a:p>
+          <a:p>
+            <a:pPr lvl="2" eaLnBrk="1" hangingPunct="1"/>
+            <a:r>
+              <a:rPr lang="en-US" altLang="zh-CN" dirty="0">
+                <a:solidFill>
+                  <a:srgbClr val="4D4D4D"/>
+                </a:solidFill>
+                <a:latin typeface="-apple-system"/>
+              </a:rPr>
+              <a:t>SQL</a:t>
+            </a:r>
+            <a:r>
+              <a:rPr lang="zh-CN" altLang="en-US" dirty="0">
+                <a:solidFill>
+                  <a:srgbClr val="4D4D4D"/>
+                </a:solidFill>
+                <a:latin typeface="-apple-system"/>
+              </a:rPr>
+              <a:t>注入保护 </a:t>
+            </a:r>
+            <a:r>
+              <a:rPr lang="en-US" altLang="zh-CN" dirty="0">
+                <a:solidFill>
+                  <a:srgbClr val="4D4D4D"/>
+                </a:solidFill>
+                <a:latin typeface="-apple-system"/>
+              </a:rPr>
+              <a:t>- Django</a:t>
+            </a:r>
+            <a:r>
+              <a:rPr lang="zh-CN" altLang="en-US" dirty="0">
+                <a:solidFill>
+                  <a:srgbClr val="4D4D4D"/>
+                </a:solidFill>
+                <a:latin typeface="-apple-system"/>
+              </a:rPr>
+              <a:t>使用内置的</a:t>
+            </a:r>
+            <a:r>
+              <a:rPr lang="en-US" altLang="zh-CN" dirty="0">
+                <a:solidFill>
+                  <a:srgbClr val="4D4D4D"/>
+                </a:solidFill>
+                <a:latin typeface="-apple-system"/>
+              </a:rPr>
+              <a:t>ORM</a:t>
+            </a:r>
+            <a:r>
+              <a:rPr lang="zh-CN" altLang="en-US" dirty="0">
+                <a:solidFill>
+                  <a:srgbClr val="4D4D4D"/>
+                </a:solidFill>
+                <a:latin typeface="-apple-system"/>
+              </a:rPr>
+              <a:t>，因此不存在</a:t>
+            </a:r>
+            <a:r>
+              <a:rPr lang="en-US" altLang="zh-CN" dirty="0">
+                <a:solidFill>
+                  <a:srgbClr val="4D4D4D"/>
+                </a:solidFill>
+                <a:latin typeface="-apple-system"/>
+              </a:rPr>
+              <a:t>SQL</a:t>
+            </a:r>
+            <a:r>
+              <a:rPr lang="zh-CN" altLang="en-US" dirty="0">
+                <a:solidFill>
+                  <a:srgbClr val="4D4D4D"/>
+                </a:solidFill>
+                <a:latin typeface="-apple-system"/>
+              </a:rPr>
+              <a:t>注入的风险（原始查询是可能的，但绝不是初学者需要使用的东西）</a:t>
+            </a:r>
+            <a:endParaRPr lang="en-US" altLang="zh-CN" dirty="0">
+              <a:solidFill>
+                <a:srgbClr val="4D4D4D"/>
+              </a:solidFill>
+              <a:latin typeface="-apple-system"/>
+            </a:endParaRPr>
+          </a:p>
+          <a:p>
+            <a:pPr lvl="2" eaLnBrk="1" hangingPunct="1"/>
+            <a:endParaRPr lang="en-US" altLang="zh-CN" dirty="0">
+              <a:solidFill>
+                <a:srgbClr val="4D4D4D"/>
+              </a:solidFill>
+              <a:latin typeface="-apple-system"/>
+            </a:endParaRPr>
+          </a:p>
+          <a:p>
+            <a:pPr lvl="1" eaLnBrk="1" hangingPunct="1"/>
+            <a:endParaRPr lang="en-US" altLang="zh-CN" dirty="0"/>
+          </a:p>
+        </p:txBody>
+      </p:sp>
+      <p:sp>
+        <p:nvSpPr>
+          <p:cNvPr id="94212" name="灯片编号占位符 5"/>
+          <p:cNvSpPr>
+            <a:spLocks noGrp="1"/>
+          </p:cNvSpPr>
+          <p:nvPr>
+            <p:ph type="sldNum" sz="quarter" idx="12"/>
+          </p:nvPr>
         </p:nvSpPr>
         <p:spPr>
-          <a:xfrm>
-            <a:off x="298783" y="757308"/>
-            <a:ext cx="6096000" cy="535531"/>
-          </a:xfrm>
-          <a:prstGeom prst="rect">
-            <a:avLst/>
-          </a:prstGeom>
           <a:noFill/>
+          <a:ln/>
+          <a:extLst>
+            <a:ext uri="{909E8E84-426E-40DD-AFC4-6F175D3DCCD1}">
+              <a14:hiddenFill xmlns:a14="http://schemas.microsoft.com/office/drawing/2010/main">
+                <a:solidFill>
+                  <a:srgbClr val="FFFFFF"/>
+                </a:solidFill>
+              </a14:hiddenFill>
+            </a:ext>
+            <a:ext uri="{91240B29-F687-4F45-9708-019B960494DF}">
+              <a14:hiddenLine xmlns:a14="http://schemas.microsoft.com/office/drawing/2010/main" w="9525">
+                <a:solidFill>
+                  <a:srgbClr val="000000"/>
+                </a:solidFill>
+                <a:miter lim="800000"/>
+                <a:headEnd/>
+                <a:tailEnd/>
+              </a14:hiddenLine>
+            </a:ext>
+          </a:extLst>
         </p:spPr>
         <p:txBody>
-          <a:bodyPr wrap="square">
-            <a:spAutoFit/>
-          </a:bodyPr>
-          <a:lstStyle/>
+          <a:bodyPr/>
+          <a:lstStyle>
+            <a:lvl1pPr eaLnBrk="0" hangingPunct="0">
+              <a:defRPr sz="1600">
+                <a:solidFill>
+                  <a:srgbClr val="003366"/>
+                </a:solidFill>
+                <a:latin typeface="Comic Sans MS" pitchFamily="66" charset="0"/>
+                <a:ea typeface="隶书" pitchFamily="49" charset="-122"/>
+              </a:defRPr>
+            </a:lvl1pPr>
+            <a:lvl2pPr marL="742950" indent="-285750" eaLnBrk="0" hangingPunct="0">
+              <a:defRPr sz="1600">
+                <a:solidFill>
+                  <a:srgbClr val="003366"/>
+                </a:solidFill>
+                <a:latin typeface="Comic Sans MS" pitchFamily="66" charset="0"/>
+                <a:ea typeface="隶书" pitchFamily="49" charset="-122"/>
+              </a:defRPr>
+            </a:lvl2pPr>
+            <a:lvl3pPr marL="1143000" indent="-228600" eaLnBrk="0" hangingPunct="0">
+              <a:defRPr sz="1600">
+                <a:solidFill>
+                  <a:srgbClr val="003366"/>
+                </a:solidFill>
+                <a:latin typeface="Comic Sans MS" pitchFamily="66" charset="0"/>
+                <a:ea typeface="隶书" pitchFamily="49" charset="-122"/>
+              </a:defRPr>
+            </a:lvl3pPr>
+            <a:lvl4pPr marL="1600200" indent="-228600" eaLnBrk="0" hangingPunct="0">
+              <a:defRPr sz="1600">
+                <a:solidFill>
+                  <a:srgbClr val="003366"/>
+                </a:solidFill>
+                <a:latin typeface="Comic Sans MS" pitchFamily="66" charset="0"/>
+                <a:ea typeface="隶书" pitchFamily="49" charset="-122"/>
+              </a:defRPr>
+            </a:lvl4pPr>
+            <a:lvl5pPr marL="2057400" indent="-228600" eaLnBrk="0" hangingPunct="0">
+              <a:defRPr sz="1600">
+                <a:solidFill>
+                  <a:srgbClr val="003366"/>
+                </a:solidFill>
+                <a:latin typeface="Comic Sans MS" pitchFamily="66" charset="0"/>
+                <a:ea typeface="隶书" pitchFamily="49" charset="-122"/>
+              </a:defRPr>
+            </a:lvl5pPr>
+            <a:lvl6pPr marL="2514600" indent="-228600" eaLnBrk="0" fontAlgn="base" hangingPunct="0">
+              <a:spcBef>
+                <a:spcPct val="0"/>
+              </a:spcBef>
+              <a:spcAft>
+                <a:spcPct val="0"/>
+              </a:spcAft>
+              <a:defRPr sz="1600">
+                <a:solidFill>
+                  <a:srgbClr val="003366"/>
+                </a:solidFill>
+                <a:latin typeface="Comic Sans MS" pitchFamily="66" charset="0"/>
+                <a:ea typeface="隶书" pitchFamily="49" charset="-122"/>
+              </a:defRPr>
+            </a:lvl6pPr>
+            <a:lvl7pPr marL="2971800" indent="-228600" eaLnBrk="0" fontAlgn="base" hangingPunct="0">
+              <a:spcBef>
+                <a:spcPct val="0"/>
+              </a:spcBef>
+              <a:spcAft>
+                <a:spcPct val="0"/>
+              </a:spcAft>
+              <a:defRPr sz="1600">
+                <a:solidFill>
+                  <a:srgbClr val="003366"/>
+                </a:solidFill>
+                <a:latin typeface="Comic Sans MS" pitchFamily="66" charset="0"/>
+                <a:ea typeface="隶书" pitchFamily="49" charset="-122"/>
+              </a:defRPr>
+            </a:lvl7pPr>
+            <a:lvl8pPr marL="3429000" indent="-228600" eaLnBrk="0" fontAlgn="base" hangingPunct="0">
+              <a:spcBef>
+                <a:spcPct val="0"/>
+              </a:spcBef>
+              <a:spcAft>
+                <a:spcPct val="0"/>
+              </a:spcAft>
+              <a:defRPr sz="1600">
+                <a:solidFill>
+                  <a:srgbClr val="003366"/>
+                </a:solidFill>
+                <a:latin typeface="Comic Sans MS" pitchFamily="66" charset="0"/>
+                <a:ea typeface="隶书" pitchFamily="49" charset="-122"/>
+              </a:defRPr>
+            </a:lvl8pPr>
+            <a:lvl9pPr marL="3886200" indent="-228600" eaLnBrk="0" fontAlgn="base" hangingPunct="0">
+              <a:spcBef>
+                <a:spcPct val="0"/>
+              </a:spcBef>
+              <a:spcAft>
+                <a:spcPct val="0"/>
+              </a:spcAft>
+              <a:defRPr sz="1600">
+                <a:solidFill>
+                  <a:srgbClr val="003366"/>
+                </a:solidFill>
+                <a:latin typeface="Comic Sans MS" pitchFamily="66" charset="0"/>
+                <a:ea typeface="隶书" pitchFamily="49" charset="-122"/>
+              </a:defRPr>
+            </a:lvl9pPr>
+          </a:lstStyle>
           <a:p>
-            <a:pPr indent="-228600">
-              <a:lnSpc>
-                <a:spcPct val="90000"/>
-              </a:lnSpc>
-              <a:spcAft>
-                <a:spcPts val="600"/>
-              </a:spcAft>
-              <a:buFont typeface="Arial" panose="020B0604020202020204" pitchFamily="34" charset="0"/>
-              <a:buChar char="•"/>
-            </a:pPr>
-            <a:r>
-              <a:rPr lang="zh-CN" altLang="en-US" sz="3200" dirty="0"/>
-              <a:t>管理员超文本建模</a:t>
-            </a:r>
+            <a:pPr eaLnBrk="1" hangingPunct="1"/>
+            <a:fld id="{06E5CE66-9081-40F7-A80E-3EF755FCC3FA}" type="slidenum">
+              <a:rPr lang="en-US" altLang="zh-CN" sz="1400">
+                <a:solidFill>
+                  <a:schemeClr val="tx1"/>
+                </a:solidFill>
+                <a:latin typeface="Century Gothic" pitchFamily="34" charset="0"/>
+                <a:ea typeface="幼圆" pitchFamily="49" charset="-122"/>
+              </a:rPr>
+              <a:pPr eaLnBrk="1" hangingPunct="1"/>
+              <a:t>8</a:t>
+            </a:fld>
+            <a:endParaRPr lang="en-US" altLang="zh-CN" sz="1400">
+              <a:solidFill>
+                <a:schemeClr val="tx1"/>
+              </a:solidFill>
+              <a:latin typeface="Century Gothic" pitchFamily="34" charset="0"/>
+              <a:ea typeface="幼圆" pitchFamily="49" charset="-122"/>
+            </a:endParaRPr>
           </a:p>
         </p:txBody>
       </p:sp>
     </p:spTree>
     <p:extLst>
       <p:ext uri="{BB962C8B-B14F-4D97-AF65-F5344CB8AC3E}">
-        <p14:creationId xmlns:p14="http://schemas.microsoft.com/office/powerpoint/2010/main" val="2961513954"/>
+        <p14:creationId xmlns:p14="http://schemas.microsoft.com/office/powerpoint/2010/main" val="576467714"/>
       </p:ext>
     </p:extLst>
   </p:cSld>
@@ -25851,75 +24964,289 @@
           <a:chExt cx="0" cy="0"/>
         </a:xfrm>
       </p:grpSpPr>
-      <p:pic>
-        <p:nvPicPr>
-          <p:cNvPr id="3" name="图片 2">
-            <a:extLst>
-              <a:ext uri="{FF2B5EF4-FFF2-40B4-BE49-F238E27FC236}">
-                <a16:creationId xmlns:a16="http://schemas.microsoft.com/office/drawing/2014/main" id="{89B49998-FF67-4CA4-A7EF-0A5C52CF33CC}"/>
-              </a:ext>
-            </a:extLst>
-          </p:cNvPr>
-          <p:cNvPicPr>
-            <a:picLocks noChangeAspect="1"/>
-          </p:cNvPicPr>
-          <p:nvPr/>
-        </p:nvPicPr>
-        <p:blipFill>
-          <a:blip r:embed="rId2"/>
-          <a:stretch>
-            <a:fillRect/>
-          </a:stretch>
-        </p:blipFill>
-        <p:spPr>
-          <a:xfrm>
-            <a:off x="360947" y="548640"/>
-            <a:ext cx="11728310" cy="6148174"/>
-          </a:xfrm>
-          <a:prstGeom prst="rect">
-            <a:avLst/>
-          </a:prstGeom>
-        </p:spPr>
-      </p:pic>
       <p:sp>
         <p:nvSpPr>
-          <p:cNvPr id="5" name="文本框 4">
-            <a:extLst>
-              <a:ext uri="{FF2B5EF4-FFF2-40B4-BE49-F238E27FC236}">
-                <a16:creationId xmlns:a16="http://schemas.microsoft.com/office/drawing/2014/main" id="{62678F8A-2CD8-4651-974A-0E73E3A86FB4}"/>
-              </a:ext>
-            </a:extLst>
-          </p:cNvPr>
-          <p:cNvSpPr txBox="1"/>
-          <p:nvPr/>
+          <p:cNvPr id="94210" name="Rectangle 2"/>
+          <p:cNvSpPr>
+            <a:spLocks noGrp="1" noChangeArrowheads="1"/>
+          </p:cNvSpPr>
+          <p:nvPr>
+            <p:ph type="title"/>
+          </p:nvPr>
+        </p:nvSpPr>
+        <p:spPr/>
+        <p:txBody>
+          <a:bodyPr/>
+          <a:lstStyle/>
+          <a:p>
+            <a:pPr eaLnBrk="1" hangingPunct="1"/>
+            <a:endParaRPr lang="en-US" altLang="zh-CN" dirty="0"/>
+          </a:p>
+        </p:txBody>
+      </p:sp>
+      <p:sp>
+        <p:nvSpPr>
+          <p:cNvPr id="94211" name="Rectangle 3"/>
+          <p:cNvSpPr>
+            <a:spLocks noGrp="1" noChangeArrowheads="1"/>
+          </p:cNvSpPr>
+          <p:nvPr>
+            <p:ph type="body" idx="1"/>
+          </p:nvPr>
+        </p:nvSpPr>
+        <p:spPr/>
+        <p:txBody>
+          <a:bodyPr/>
+          <a:lstStyle/>
+          <a:p>
+            <a:pPr eaLnBrk="1" hangingPunct="1"/>
+            <a:r>
+              <a:rPr lang="en-US" altLang="zh-CN" sz="4400" dirty="0"/>
+              <a:t>Web</a:t>
+            </a:r>
+            <a:r>
+              <a:rPr lang="zh-CN" altLang="en-US" sz="4400" dirty="0"/>
+              <a:t>应用运维</a:t>
+            </a:r>
+            <a:endParaRPr lang="en-US" altLang="zh-CN" sz="4400" dirty="0"/>
+          </a:p>
+          <a:p>
+            <a:pPr lvl="1"/>
+            <a:r>
+              <a:rPr lang="zh-CN" altLang="en-US" sz="4000" dirty="0"/>
+              <a:t>内容维护</a:t>
+            </a:r>
+            <a:endParaRPr lang="en-US" altLang="zh-CN" sz="4000" dirty="0"/>
+          </a:p>
+          <a:p>
+            <a:pPr lvl="2"/>
+            <a:r>
+              <a:rPr lang="zh-CN" altLang="en-US" sz="3600" dirty="0"/>
+              <a:t>定期更新网站内容 更新网站设计和优化功能</a:t>
+            </a:r>
+            <a:endParaRPr lang="en-US" altLang="zh-CN" sz="3600" dirty="0"/>
+          </a:p>
+          <a:p>
+            <a:pPr lvl="1" eaLnBrk="1" hangingPunct="1"/>
+            <a:r>
+              <a:rPr lang="en-US" altLang="zh-CN" sz="4000" dirty="0"/>
+              <a:t>SEO</a:t>
+            </a:r>
+            <a:r>
+              <a:rPr lang="zh-CN" altLang="en-US" sz="4000" dirty="0"/>
+              <a:t>策略分析</a:t>
+            </a:r>
+            <a:endParaRPr lang="en-US" altLang="zh-CN" sz="4000" dirty="0"/>
+          </a:p>
+          <a:p>
+            <a:pPr lvl="2"/>
+            <a:r>
+              <a:rPr lang="zh-CN" altLang="en-US" sz="3600" b="0" i="0" dirty="0">
+                <a:solidFill>
+                  <a:srgbClr val="333333"/>
+                </a:solidFill>
+                <a:effectLst/>
+                <a:latin typeface="PingFang SC"/>
+              </a:rPr>
+              <a:t>竞争对手分析</a:t>
+            </a:r>
+            <a:endParaRPr lang="en-US" altLang="zh-CN" sz="3600" b="0" i="0" dirty="0">
+              <a:solidFill>
+                <a:srgbClr val="333333"/>
+              </a:solidFill>
+              <a:effectLst/>
+              <a:latin typeface="PingFang SC"/>
+            </a:endParaRPr>
+          </a:p>
+          <a:p>
+            <a:pPr lvl="2"/>
+            <a:r>
+              <a:rPr lang="zh-CN" altLang="en-US" sz="3600" dirty="0">
+                <a:solidFill>
+                  <a:srgbClr val="333333"/>
+                </a:solidFill>
+                <a:latin typeface="PingFang SC"/>
+              </a:rPr>
+              <a:t>受众群体分析</a:t>
+            </a:r>
+            <a:endParaRPr lang="en-US" altLang="zh-CN" sz="3600" dirty="0">
+              <a:solidFill>
+                <a:srgbClr val="333333"/>
+              </a:solidFill>
+              <a:latin typeface="PingFang SC"/>
+            </a:endParaRPr>
+          </a:p>
+        </p:txBody>
+      </p:sp>
+      <p:sp>
+        <p:nvSpPr>
+          <p:cNvPr id="94212" name="灯片编号占位符 5"/>
+          <p:cNvSpPr>
+            <a:spLocks noGrp="1"/>
+          </p:cNvSpPr>
+          <p:nvPr>
+            <p:ph type="sldNum" sz="quarter" idx="12"/>
+          </p:nvPr>
         </p:nvSpPr>
         <p:spPr>
-          <a:xfrm>
-            <a:off x="6395447" y="225474"/>
-            <a:ext cx="6096000" cy="646331"/>
-          </a:xfrm>
-          <a:prstGeom prst="rect">
-            <a:avLst/>
-          </a:prstGeom>
           <a:noFill/>
+          <a:ln/>
+          <a:extLst>
+            <a:ext uri="{909E8E84-426E-40DD-AFC4-6F175D3DCCD1}">
+              <a14:hiddenFill xmlns:a14="http://schemas.microsoft.com/office/drawing/2010/main">
+                <a:solidFill>
+                  <a:srgbClr val="FFFFFF"/>
+                </a:solidFill>
+              </a14:hiddenFill>
+            </a:ext>
+            <a:ext uri="{91240B29-F687-4F45-9708-019B960494DF}">
+              <a14:hiddenLine xmlns:a14="http://schemas.microsoft.com/office/drawing/2010/main" w="9525">
+                <a:solidFill>
+                  <a:srgbClr val="000000"/>
+                </a:solidFill>
+                <a:miter lim="800000"/>
+                <a:headEnd/>
+                <a:tailEnd/>
+              </a14:hiddenLine>
+            </a:ext>
+          </a:extLst>
         </p:spPr>
         <p:txBody>
-          <a:bodyPr wrap="square">
-            <a:spAutoFit/>
-          </a:bodyPr>
-          <a:lstStyle/>
+          <a:bodyPr/>
+          <a:lstStyle>
+            <a:lvl1pPr eaLnBrk="0" hangingPunct="0">
+              <a:defRPr sz="1600">
+                <a:solidFill>
+                  <a:srgbClr val="003366"/>
+                </a:solidFill>
+                <a:latin typeface="Comic Sans MS" pitchFamily="66" charset="0"/>
+                <a:ea typeface="隶书" pitchFamily="49" charset="-122"/>
+              </a:defRPr>
+            </a:lvl1pPr>
+            <a:lvl2pPr marL="742950" indent="-285750" eaLnBrk="0" hangingPunct="0">
+              <a:defRPr sz="1600">
+                <a:solidFill>
+                  <a:srgbClr val="003366"/>
+                </a:solidFill>
+                <a:latin typeface="Comic Sans MS" pitchFamily="66" charset="0"/>
+                <a:ea typeface="隶书" pitchFamily="49" charset="-122"/>
+              </a:defRPr>
+            </a:lvl2pPr>
+            <a:lvl3pPr marL="1143000" indent="-228600" eaLnBrk="0" hangingPunct="0">
+              <a:defRPr sz="1600">
+                <a:solidFill>
+                  <a:srgbClr val="003366"/>
+                </a:solidFill>
+                <a:latin typeface="Comic Sans MS" pitchFamily="66" charset="0"/>
+                <a:ea typeface="隶书" pitchFamily="49" charset="-122"/>
+              </a:defRPr>
+            </a:lvl3pPr>
+            <a:lvl4pPr marL="1600200" indent="-228600" eaLnBrk="0" hangingPunct="0">
+              <a:defRPr sz="1600">
+                <a:solidFill>
+                  <a:srgbClr val="003366"/>
+                </a:solidFill>
+                <a:latin typeface="Comic Sans MS" pitchFamily="66" charset="0"/>
+                <a:ea typeface="隶书" pitchFamily="49" charset="-122"/>
+              </a:defRPr>
+            </a:lvl4pPr>
+            <a:lvl5pPr marL="2057400" indent="-228600" eaLnBrk="0" hangingPunct="0">
+              <a:defRPr sz="1600">
+                <a:solidFill>
+                  <a:srgbClr val="003366"/>
+                </a:solidFill>
+                <a:latin typeface="Comic Sans MS" pitchFamily="66" charset="0"/>
+                <a:ea typeface="隶书" pitchFamily="49" charset="-122"/>
+              </a:defRPr>
+            </a:lvl5pPr>
+            <a:lvl6pPr marL="2514600" indent="-228600" eaLnBrk="0" fontAlgn="base" hangingPunct="0">
+              <a:spcBef>
+                <a:spcPct val="0"/>
+              </a:spcBef>
+              <a:spcAft>
+                <a:spcPct val="0"/>
+              </a:spcAft>
+              <a:defRPr sz="1600">
+                <a:solidFill>
+                  <a:srgbClr val="003366"/>
+                </a:solidFill>
+                <a:latin typeface="Comic Sans MS" pitchFamily="66" charset="0"/>
+                <a:ea typeface="隶书" pitchFamily="49" charset="-122"/>
+              </a:defRPr>
+            </a:lvl6pPr>
+            <a:lvl7pPr marL="2971800" indent="-228600" eaLnBrk="0" fontAlgn="base" hangingPunct="0">
+              <a:spcBef>
+                <a:spcPct val="0"/>
+              </a:spcBef>
+              <a:spcAft>
+                <a:spcPct val="0"/>
+              </a:spcAft>
+              <a:defRPr sz="1600">
+                <a:solidFill>
+                  <a:srgbClr val="003366"/>
+                </a:solidFill>
+                <a:latin typeface="Comic Sans MS" pitchFamily="66" charset="0"/>
+                <a:ea typeface="隶书" pitchFamily="49" charset="-122"/>
+              </a:defRPr>
+            </a:lvl7pPr>
+            <a:lvl8pPr marL="3429000" indent="-228600" eaLnBrk="0" fontAlgn="base" hangingPunct="0">
+              <a:spcBef>
+                <a:spcPct val="0"/>
+              </a:spcBef>
+              <a:spcAft>
+                <a:spcPct val="0"/>
+              </a:spcAft>
+              <a:defRPr sz="1600">
+                <a:solidFill>
+                  <a:srgbClr val="003366"/>
+                </a:solidFill>
+                <a:latin typeface="Comic Sans MS" pitchFamily="66" charset="0"/>
+                <a:ea typeface="隶书" pitchFamily="49" charset="-122"/>
+              </a:defRPr>
+            </a:lvl8pPr>
+            <a:lvl9pPr marL="3886200" indent="-228600" eaLnBrk="0" fontAlgn="base" hangingPunct="0">
+              <a:spcBef>
+                <a:spcPct val="0"/>
+              </a:spcBef>
+              <a:spcAft>
+                <a:spcPct val="0"/>
+              </a:spcAft>
+              <a:defRPr sz="1600">
+                <a:solidFill>
+                  <a:srgbClr val="003366"/>
+                </a:solidFill>
+                <a:latin typeface="Comic Sans MS" pitchFamily="66" charset="0"/>
+                <a:ea typeface="隶书" pitchFamily="49" charset="-122"/>
+              </a:defRPr>
+            </a:lvl9pPr>
+          </a:lstStyle>
           <a:p>
-            <a:r>
-              <a:rPr lang="zh-CN" altLang="en-US" sz="3600" dirty="0"/>
-              <a:t>买家适应性建模</a:t>
-            </a:r>
+            <a:pPr eaLnBrk="1" hangingPunct="1"/>
+            <a:fld id="{06E5CE66-9081-40F7-A80E-3EF755FCC3FA}" type="slidenum">
+              <a:rPr lang="en-US" altLang="zh-CN" sz="1400">
+                <a:solidFill>
+                  <a:schemeClr val="tx1"/>
+                </a:solidFill>
+                <a:latin typeface="Century Gothic" pitchFamily="34" charset="0"/>
+                <a:ea typeface="幼圆" pitchFamily="49" charset="-122"/>
+              </a:rPr>
+              <a:pPr eaLnBrk="1" hangingPunct="1"/>
+              <a:t>9</a:t>
+            </a:fld>
+            <a:endParaRPr lang="en-US" altLang="zh-CN" sz="1400">
+              <a:solidFill>
+                <a:schemeClr val="tx1"/>
+              </a:solidFill>
+              <a:latin typeface="Century Gothic" pitchFamily="34" charset="0"/>
+              <a:ea typeface="幼圆" pitchFamily="49" charset="-122"/>
+            </a:endParaRPr>
           </a:p>
         </p:txBody>
       </p:sp>
     </p:spTree>
     <p:extLst>
       <p:ext uri="{BB962C8B-B14F-4D97-AF65-F5344CB8AC3E}">
-        <p14:creationId xmlns:p14="http://schemas.microsoft.com/office/powerpoint/2010/main" val="2043233996"/>
+        <p14:creationId xmlns:p14="http://schemas.microsoft.com/office/powerpoint/2010/main" val="2789647057"/>
       </p:ext>
     </p:extLst>
   </p:cSld>
